--- a/05_Bayerische Staatsoper/SO Munich.pptx
+++ b/05_Bayerische Staatsoper/SO Munich.pptx
@@ -5,11 +5,18 @@
     <p:sldMasterId id="2147483660" r:id="rId1"/>
   </p:sldMasterIdLst>
   <p:notesMasterIdLst>
-    <p:notesMasterId r:id="rId4"/>
+    <p:notesMasterId r:id="rId11"/>
   </p:notesMasterIdLst>
   <p:sldIdLst>
-    <p:sldId id="320" r:id="rId2"/>
-    <p:sldId id="321" r:id="rId3"/>
+    <p:sldId id="323" r:id="rId2"/>
+    <p:sldId id="328" r:id="rId3"/>
+    <p:sldId id="325" r:id="rId4"/>
+    <p:sldId id="327" r:id="rId5"/>
+    <p:sldId id="321" r:id="rId6"/>
+    <p:sldId id="326" r:id="rId7"/>
+    <p:sldId id="324" r:id="rId8"/>
+    <p:sldId id="329" r:id="rId9"/>
+    <p:sldId id="322" r:id="rId10"/>
   </p:sldIdLst>
   <p:sldSz cx="9906000" cy="6858000" type="A4"/>
   <p:notesSz cx="6797675" cy="9926638"/>
@@ -198,7 +205,7 @@
           <a:p>
             <a:fld id="{1E980196-448A-481A-8A1B-A58FF56D8844}" type="datetimeFigureOut">
               <a:rPr lang="en-US" smtClean="0"/>
-              <a:t>12/19/2022</a:t>
+              <a:t>12/20/2022</a:t>
             </a:fld>
             <a:endParaRPr lang="en-US"/>
           </a:p>
@@ -597,7 +604,7 @@
           <a:p>
             <a:fld id="{F63CEDD3-0525-4453-AC94-ABA547278219}" type="datetimeFigureOut">
               <a:rPr lang="en-US" smtClean="0"/>
-              <a:t>12/19/2022</a:t>
+              <a:t>12/20/2022</a:t>
             </a:fld>
             <a:endParaRPr lang="en-US"/>
           </a:p>
@@ -767,7 +774,7 @@
           <a:p>
             <a:fld id="{F63CEDD3-0525-4453-AC94-ABA547278219}" type="datetimeFigureOut">
               <a:rPr lang="en-US" smtClean="0"/>
-              <a:t>12/19/2022</a:t>
+              <a:t>12/20/2022</a:t>
             </a:fld>
             <a:endParaRPr lang="en-US"/>
           </a:p>
@@ -947,7 +954,7 @@
           <a:p>
             <a:fld id="{F63CEDD3-0525-4453-AC94-ABA547278219}" type="datetimeFigureOut">
               <a:rPr lang="en-US" smtClean="0"/>
-              <a:t>12/19/2022</a:t>
+              <a:t>12/20/2022</a:t>
             </a:fld>
             <a:endParaRPr lang="en-US"/>
           </a:p>
@@ -1117,7 +1124,7 @@
           <a:p>
             <a:fld id="{F63CEDD3-0525-4453-AC94-ABA547278219}" type="datetimeFigureOut">
               <a:rPr lang="en-US" smtClean="0"/>
-              <a:t>12/19/2022</a:t>
+              <a:t>12/20/2022</a:t>
             </a:fld>
             <a:endParaRPr lang="en-US"/>
           </a:p>
@@ -1361,7 +1368,7 @@
           <a:p>
             <a:fld id="{F63CEDD3-0525-4453-AC94-ABA547278219}" type="datetimeFigureOut">
               <a:rPr lang="en-US" smtClean="0"/>
-              <a:t>12/19/2022</a:t>
+              <a:t>12/20/2022</a:t>
             </a:fld>
             <a:endParaRPr lang="en-US"/>
           </a:p>
@@ -1593,7 +1600,7 @@
           <a:p>
             <a:fld id="{F63CEDD3-0525-4453-AC94-ABA547278219}" type="datetimeFigureOut">
               <a:rPr lang="en-US" smtClean="0"/>
-              <a:t>12/19/2022</a:t>
+              <a:t>12/20/2022</a:t>
             </a:fld>
             <a:endParaRPr lang="en-US"/>
           </a:p>
@@ -1960,7 +1967,7 @@
           <a:p>
             <a:fld id="{F63CEDD3-0525-4453-AC94-ABA547278219}" type="datetimeFigureOut">
               <a:rPr lang="en-US" smtClean="0"/>
-              <a:t>12/19/2022</a:t>
+              <a:t>12/20/2022</a:t>
             </a:fld>
             <a:endParaRPr lang="en-US"/>
           </a:p>
@@ -2078,7 +2085,7 @@
           <a:p>
             <a:fld id="{F63CEDD3-0525-4453-AC94-ABA547278219}" type="datetimeFigureOut">
               <a:rPr lang="en-US" smtClean="0"/>
-              <a:t>12/19/2022</a:t>
+              <a:t>12/20/2022</a:t>
             </a:fld>
             <a:endParaRPr lang="en-US"/>
           </a:p>
@@ -2173,7 +2180,7 @@
           <a:p>
             <a:fld id="{F63CEDD3-0525-4453-AC94-ABA547278219}" type="datetimeFigureOut">
               <a:rPr lang="en-US" smtClean="0"/>
-              <a:t>12/19/2022</a:t>
+              <a:t>12/20/2022</a:t>
             </a:fld>
             <a:endParaRPr lang="en-US"/>
           </a:p>
@@ -2450,7 +2457,7 @@
           <a:p>
             <a:fld id="{F63CEDD3-0525-4453-AC94-ABA547278219}" type="datetimeFigureOut">
               <a:rPr lang="en-US" smtClean="0"/>
-              <a:t>12/19/2022</a:t>
+              <a:t>12/20/2022</a:t>
             </a:fld>
             <a:endParaRPr lang="en-US"/>
           </a:p>
@@ -2707,7 +2714,7 @@
           <a:p>
             <a:fld id="{F63CEDD3-0525-4453-AC94-ABA547278219}" type="datetimeFigureOut">
               <a:rPr lang="en-US" smtClean="0"/>
-              <a:t>12/19/2022</a:t>
+              <a:t>12/20/2022</a:t>
             </a:fld>
             <a:endParaRPr lang="en-US"/>
           </a:p>
@@ -2920,7 +2927,7 @@
           <a:p>
             <a:fld id="{F63CEDD3-0525-4453-AC94-ABA547278219}" type="datetimeFigureOut">
               <a:rPr lang="en-US" smtClean="0"/>
-              <a:t>12/19/2022</a:t>
+              <a:t>12/20/2022</a:t>
             </a:fld>
             <a:endParaRPr lang="en-US"/>
           </a:p>
@@ -3311,6 +3318,17 @@
 <file path=ppt/slides/slide1.xml><?xml version="1.0" encoding="utf-8"?>
 <p:sld xmlns:a="http://schemas.openxmlformats.org/drawingml/2006/main" xmlns:r="http://schemas.openxmlformats.org/officeDocument/2006/relationships" xmlns:p="http://schemas.openxmlformats.org/presentationml/2006/main">
   <p:cSld>
+    <p:bg>
+      <p:bgPr>
+        <a:solidFill>
+          <a:schemeClr val="bg1">
+            <a:tint val="95000"/>
+            <a:satMod val="170000"/>
+          </a:schemeClr>
+        </a:solidFill>
+        <a:effectLst/>
+      </p:bgPr>
+    </p:bg>
     <p:spTree>
       <p:nvGrpSpPr>
         <p:cNvPr id="1" name=""/>
@@ -3327,10 +3345,946 @@
       </p:grpSpPr>
       <p:pic>
         <p:nvPicPr>
-          <p:cNvPr id="7170" name="Picture 2" descr="Deutsche Oper Berlin - The AIDS Foundation benefit concert - 2017 | Schedule">
+          <p:cNvPr id="3" name="Grafik 2" descr="Ein Bild, das Baum, Gruppe, Linie, mehrere enthält.&#10;&#10;Automatisch generierte Beschreibung">
             <a:extLst>
               <a:ext uri="{FF2B5EF4-FFF2-40B4-BE49-F238E27FC236}">
-                <a16:creationId xmlns:a16="http://schemas.microsoft.com/office/drawing/2014/main" id="{0AD2D478-9C18-CEC1-0346-C914AB7345D3}"/>
+                <a16:creationId xmlns:a16="http://schemas.microsoft.com/office/drawing/2014/main" id="{6820938F-DDF8-50C8-6D50-DAD49CD14EB0}"/>
+              </a:ext>
+            </a:extLst>
+          </p:cNvPr>
+          <p:cNvPicPr>
+            <a:picLocks noChangeAspect="1"/>
+          </p:cNvPicPr>
+          <p:nvPr/>
+        </p:nvPicPr>
+        <p:blipFill rotWithShape="1">
+          <a:blip r:embed="rId2">
+            <a:extLst>
+              <a:ext uri="{28A0092B-C50C-407E-A947-70E740481C1C}">
+                <a14:useLocalDpi xmlns:a14="http://schemas.microsoft.com/office/drawing/2010/main" val="0"/>
+              </a:ext>
+            </a:extLst>
+          </a:blip>
+          <a:srcRect l="19862" r="15590" b="-1"/>
+          <a:stretch/>
+        </p:blipFill>
+        <p:spPr>
+          <a:xfrm>
+            <a:off x="261408" y="321733"/>
+            <a:ext cx="9383183" cy="6214534"/>
+          </a:xfrm>
+          <a:prstGeom prst="rect">
+            <a:avLst/>
+          </a:prstGeom>
+        </p:spPr>
+      </p:pic>
+      <p:sp>
+        <p:nvSpPr>
+          <p:cNvPr id="5" name="Textfeld 4">
+            <a:extLst>
+              <a:ext uri="{FF2B5EF4-FFF2-40B4-BE49-F238E27FC236}">
+                <a16:creationId xmlns:a16="http://schemas.microsoft.com/office/drawing/2014/main" id="{C0C3983E-6FAC-2AC9-DBBB-6C3DAD7CCE16}"/>
+              </a:ext>
+            </a:extLst>
+          </p:cNvPr>
+          <p:cNvSpPr txBox="1"/>
+          <p:nvPr/>
+        </p:nvSpPr>
+        <p:spPr>
+          <a:xfrm>
+            <a:off x="4234469" y="321733"/>
+            <a:ext cx="4954772" cy="492443"/>
+          </a:xfrm>
+          <a:prstGeom prst="rect">
+            <a:avLst/>
+          </a:prstGeom>
+          <a:noFill/>
+        </p:spPr>
+        <p:txBody>
+          <a:bodyPr wrap="square">
+            <a:spAutoFit/>
+          </a:bodyPr>
+          <a:lstStyle/>
+          <a:p>
+            <a:pPr algn="l"/>
+            <a:r>
+              <a:rPr lang="en-US" sz="2600" b="0" i="0" dirty="0">
+                <a:solidFill>
+                  <a:schemeClr val="tx1">
+                    <a:lumMod val="95000"/>
+                  </a:schemeClr>
+                </a:solidFill>
+                <a:effectLst/>
+                <a:latin typeface="Neue Haas Grotesk W05"/>
+              </a:rPr>
+              <a:t>LOHENGRIN</a:t>
+            </a:r>
+          </a:p>
+        </p:txBody>
+      </p:sp>
+    </p:spTree>
+    <p:extLst>
+      <p:ext uri="{BB962C8B-B14F-4D97-AF65-F5344CB8AC3E}">
+        <p14:creationId xmlns:p14="http://schemas.microsoft.com/office/powerpoint/2010/main" val="3090740188"/>
+      </p:ext>
+    </p:extLst>
+  </p:cSld>
+  <p:clrMapOvr>
+    <a:overrideClrMapping bg1="dk1" tx1="lt1" bg2="dk2" tx2="lt2" accent1="accent1" accent2="accent2" accent3="accent3" accent4="accent4" accent5="accent5" accent6="accent6" hlink="hlink" folHlink="folHlink"/>
+  </p:clrMapOvr>
+</p:sld>
+</file>
+
+<file path=ppt/slides/slide2.xml><?xml version="1.0" encoding="utf-8"?>
+<p:sld xmlns:a="http://schemas.openxmlformats.org/drawingml/2006/main" xmlns:r="http://schemas.openxmlformats.org/officeDocument/2006/relationships" xmlns:p="http://schemas.openxmlformats.org/presentationml/2006/main">
+  <p:cSld>
+    <p:spTree>
+      <p:nvGrpSpPr>
+        <p:cNvPr id="1" name=""/>
+        <p:cNvGrpSpPr/>
+        <p:nvPr/>
+      </p:nvGrpSpPr>
+      <p:grpSpPr>
+        <a:xfrm>
+          <a:off x="0" y="0"/>
+          <a:ext cx="0" cy="0"/>
+          <a:chOff x="0" y="0"/>
+          <a:chExt cx="0" cy="0"/>
+        </a:xfrm>
+      </p:grpSpPr>
+    </p:spTree>
+    <p:extLst>
+      <p:ext uri="{BB962C8B-B14F-4D97-AF65-F5344CB8AC3E}">
+        <p14:creationId xmlns:p14="http://schemas.microsoft.com/office/powerpoint/2010/main" val="464990070"/>
+      </p:ext>
+    </p:extLst>
+  </p:cSld>
+  <p:clrMapOvr>
+    <a:masterClrMapping/>
+  </p:clrMapOvr>
+</p:sld>
+</file>
+
+<file path=ppt/slides/slide3.xml><?xml version="1.0" encoding="utf-8"?>
+<p:sld xmlns:a="http://schemas.openxmlformats.org/drawingml/2006/main" xmlns:r="http://schemas.openxmlformats.org/officeDocument/2006/relationships" xmlns:p="http://schemas.openxmlformats.org/presentationml/2006/main">
+  <p:cSld>
+    <p:bg>
+      <p:bgPr>
+        <a:solidFill>
+          <a:schemeClr val="bg1"/>
+        </a:solidFill>
+        <a:effectLst/>
+      </p:bgPr>
+    </p:bg>
+    <p:spTree>
+      <p:nvGrpSpPr>
+        <p:cNvPr id="1" name=""/>
+        <p:cNvGrpSpPr/>
+        <p:nvPr/>
+      </p:nvGrpSpPr>
+      <p:grpSpPr>
+        <a:xfrm>
+          <a:off x="0" y="0"/>
+          <a:ext cx="0" cy="0"/>
+          <a:chOff x="0" y="0"/>
+          <a:chExt cx="0" cy="0"/>
+        </a:xfrm>
+      </p:grpSpPr>
+      <p:sp>
+        <p:nvSpPr>
+          <p:cNvPr id="33" name="Rectangle 35">
+            <a:extLst>
+              <a:ext uri="{FF2B5EF4-FFF2-40B4-BE49-F238E27FC236}">
+                <a16:creationId xmlns:a16="http://schemas.microsoft.com/office/drawing/2014/main" id="{B9FF99BD-075F-4761-A995-6FC574BD25EA}"/>
+              </a:ext>
+              <a:ext uri="{C183D7F6-B498-43B3-948B-1728B52AA6E4}">
+                <adec:decorative xmlns:adec="http://schemas.microsoft.com/office/drawing/2017/decorative" val="1"/>
+              </a:ext>
+            </a:extLst>
+          </p:cNvPr>
+          <p:cNvSpPr>
+            <a:spLocks noGrp="1" noRot="1" noChangeAspect="1" noMove="1" noResize="1" noEditPoints="1" noAdjustHandles="1" noChangeArrowheads="1" noChangeShapeType="1" noTextEdit="1"/>
+          </p:cNvSpPr>
+          <p:nvPr>
+            <p:extLst>
+              <p:ext uri="{386F3935-93C4-4BCD-93E2-E3B085C9AB24}">
+                <p16:designElem xmlns:p16="http://schemas.microsoft.com/office/powerpoint/2015/main" val="1"/>
+              </p:ext>
+            </p:extLst>
+          </p:nvPr>
+        </p:nvSpPr>
+        <p:spPr>
+          <a:xfrm>
+            <a:off x="0" y="0"/>
+            <a:ext cx="9906000" cy="6858000"/>
+          </a:xfrm>
+          <a:prstGeom prst="rect">
+            <a:avLst/>
+          </a:prstGeom>
+          <a:solidFill>
+            <a:schemeClr val="bg1">
+              <a:lumMod val="65000"/>
+            </a:schemeClr>
+          </a:solidFill>
+          <a:ln>
+            <a:noFill/>
+          </a:ln>
+        </p:spPr>
+        <p:style>
+          <a:lnRef idx="2">
+            <a:schemeClr val="accent1">
+              <a:shade val="50000"/>
+            </a:schemeClr>
+          </a:lnRef>
+          <a:fillRef idx="1">
+            <a:schemeClr val="accent1"/>
+          </a:fillRef>
+          <a:effectRef idx="0">
+            <a:schemeClr val="accent1"/>
+          </a:effectRef>
+          <a:fontRef idx="minor">
+            <a:schemeClr val="lt1"/>
+          </a:fontRef>
+        </p:style>
+        <p:txBody>
+          <a:bodyPr rtlCol="0" anchor="ctr"/>
+          <a:lstStyle/>
+          <a:p>
+            <a:pPr algn="ctr"/>
+            <a:endParaRPr lang="en-US"/>
+          </a:p>
+        </p:txBody>
+      </p:sp>
+      <p:sp>
+        <p:nvSpPr>
+          <p:cNvPr id="35" name="Rectangle 37">
+            <a:extLst>
+              <a:ext uri="{FF2B5EF4-FFF2-40B4-BE49-F238E27FC236}">
+                <a16:creationId xmlns:a16="http://schemas.microsoft.com/office/drawing/2014/main" id="{A7B21A54-9BA3-4EA9-B460-5A829ADD9051}"/>
+              </a:ext>
+              <a:ext uri="{C183D7F6-B498-43B3-948B-1728B52AA6E4}">
+                <adec:decorative xmlns:adec="http://schemas.microsoft.com/office/drawing/2017/decorative" val="1"/>
+              </a:ext>
+            </a:extLst>
+          </p:cNvPr>
+          <p:cNvSpPr>
+            <a:spLocks noGrp="1" noRot="1" noChangeAspect="1" noMove="1" noResize="1" noEditPoints="1" noAdjustHandles="1" noChangeArrowheads="1" noChangeShapeType="1" noTextEdit="1"/>
+          </p:cNvSpPr>
+          <p:nvPr>
+            <p:extLst>
+              <p:ext uri="{386F3935-93C4-4BCD-93E2-E3B085C9AB24}">
+                <p16:designElem xmlns:p16="http://schemas.microsoft.com/office/powerpoint/2015/main" val="1"/>
+              </p:ext>
+            </p:extLst>
+          </p:nvPr>
+        </p:nvSpPr>
+        <p:spPr>
+          <a:xfrm>
+            <a:off x="387572" y="480060"/>
+            <a:ext cx="9130855" cy="5897880"/>
+          </a:xfrm>
+          <a:prstGeom prst="rect">
+            <a:avLst/>
+          </a:prstGeom>
+          <a:noFill/>
+          <a:ln>
+            <a:solidFill>
+              <a:schemeClr val="bg1"/>
+            </a:solidFill>
+          </a:ln>
+        </p:spPr>
+        <p:style>
+          <a:lnRef idx="2">
+            <a:schemeClr val="accent1">
+              <a:shade val="50000"/>
+            </a:schemeClr>
+          </a:lnRef>
+          <a:fillRef idx="1">
+            <a:schemeClr val="accent1"/>
+          </a:fillRef>
+          <a:effectRef idx="0">
+            <a:schemeClr val="accent1"/>
+          </a:effectRef>
+          <a:fontRef idx="minor">
+            <a:schemeClr val="lt1"/>
+          </a:fontRef>
+        </p:style>
+        <p:txBody>
+          <a:bodyPr rtlCol="0" anchor="ctr"/>
+          <a:lstStyle/>
+          <a:p>
+            <a:pPr algn="ctr"/>
+            <a:endParaRPr lang="en-US"/>
+          </a:p>
+        </p:txBody>
+      </p:sp>
+      <p:sp>
+        <p:nvSpPr>
+          <p:cNvPr id="40" name="Rectangle 39">
+            <a:extLst>
+              <a:ext uri="{FF2B5EF4-FFF2-40B4-BE49-F238E27FC236}">
+                <a16:creationId xmlns:a16="http://schemas.microsoft.com/office/drawing/2014/main" id="{6FA8F714-B9D8-488A-8CCA-E9948FF913A9}"/>
+              </a:ext>
+              <a:ext uri="{C183D7F6-B498-43B3-948B-1728B52AA6E4}">
+                <adec:decorative xmlns:adec="http://schemas.microsoft.com/office/drawing/2017/decorative" val="1"/>
+              </a:ext>
+            </a:extLst>
+          </p:cNvPr>
+          <p:cNvSpPr>
+            <a:spLocks noGrp="1" noRot="1" noChangeAspect="1" noMove="1" noResize="1" noEditPoints="1" noAdjustHandles="1" noChangeArrowheads="1" noChangeShapeType="1" noTextEdit="1"/>
+          </p:cNvSpPr>
+          <p:nvPr>
+            <p:extLst>
+              <p:ext uri="{386F3935-93C4-4BCD-93E2-E3B085C9AB24}">
+                <p16:designElem xmlns:p16="http://schemas.microsoft.com/office/powerpoint/2015/main" val="1"/>
+              </p:ext>
+            </p:extLst>
+          </p:nvPr>
+        </p:nvSpPr>
+        <p:spPr>
+          <a:xfrm>
+            <a:off x="522816" y="643468"/>
+            <a:ext cx="8860367" cy="5571066"/>
+          </a:xfrm>
+          <a:prstGeom prst="rect">
+            <a:avLst/>
+          </a:prstGeom>
+          <a:solidFill>
+            <a:srgbClr val="FFFFFF"/>
+          </a:solidFill>
+          <a:ln>
+            <a:noFill/>
+          </a:ln>
+        </p:spPr>
+        <p:style>
+          <a:lnRef idx="2">
+            <a:schemeClr val="accent1">
+              <a:shade val="50000"/>
+            </a:schemeClr>
+          </a:lnRef>
+          <a:fillRef idx="1">
+            <a:schemeClr val="accent1"/>
+          </a:fillRef>
+          <a:effectRef idx="0">
+            <a:schemeClr val="accent1"/>
+          </a:effectRef>
+          <a:fontRef idx="minor">
+            <a:schemeClr val="lt1"/>
+          </a:fontRef>
+        </p:style>
+        <p:txBody>
+          <a:bodyPr rtlCol="0" anchor="ctr"/>
+          <a:lstStyle/>
+          <a:p>
+            <a:pPr algn="ctr"/>
+            <a:endParaRPr lang="en-US"/>
+          </a:p>
+        </p:txBody>
+      </p:sp>
+      <p:pic>
+        <p:nvPicPr>
+          <p:cNvPr id="3" name="Grafik 2" descr="Ein Bild, das Person, Gruppe, stehend, darstellend enthält.&#10;&#10;Automatisch generierte Beschreibung">
+            <a:extLst>
+              <a:ext uri="{FF2B5EF4-FFF2-40B4-BE49-F238E27FC236}">
+                <a16:creationId xmlns:a16="http://schemas.microsoft.com/office/drawing/2014/main" id="{259F5064-E818-23B8-F0D4-F6848A723D43}"/>
+              </a:ext>
+            </a:extLst>
+          </p:cNvPr>
+          <p:cNvPicPr>
+            <a:picLocks noChangeAspect="1"/>
+          </p:cNvPicPr>
+          <p:nvPr/>
+        </p:nvPicPr>
+        <p:blipFill>
+          <a:blip r:embed="rId2">
+            <a:extLst>
+              <a:ext uri="{28A0092B-C50C-407E-A947-70E740481C1C}">
+                <a14:useLocalDpi xmlns:a14="http://schemas.microsoft.com/office/drawing/2010/main" val="0"/>
+              </a:ext>
+            </a:extLst>
+          </a:blip>
+          <a:stretch>
+            <a:fillRect/>
+          </a:stretch>
+        </p:blipFill>
+        <p:spPr>
+          <a:xfrm>
+            <a:off x="909638" y="1166813"/>
+            <a:ext cx="1974850" cy="1974850"/>
+          </a:xfrm>
+          <a:prstGeom prst="rect">
+            <a:avLst/>
+          </a:prstGeom>
+        </p:spPr>
+      </p:pic>
+      <p:pic>
+        <p:nvPicPr>
+          <p:cNvPr id="11" name="Grafik 10" descr="Ein Bild, das Wand, Person, weiß enthält.&#10;&#10;Automatisch generierte Beschreibung">
+            <a:extLst>
+              <a:ext uri="{FF2B5EF4-FFF2-40B4-BE49-F238E27FC236}">
+                <a16:creationId xmlns:a16="http://schemas.microsoft.com/office/drawing/2014/main" id="{FEEC76A8-F02D-121B-29B3-E9B6472CA0B7}"/>
+              </a:ext>
+            </a:extLst>
+          </p:cNvPr>
+          <p:cNvPicPr>
+            <a:picLocks noChangeAspect="1"/>
+          </p:cNvPicPr>
+          <p:nvPr/>
+        </p:nvPicPr>
+        <p:blipFill>
+          <a:blip r:embed="rId3">
+            <a:extLst>
+              <a:ext uri="{28A0092B-C50C-407E-A947-70E740481C1C}">
+                <a14:useLocalDpi xmlns:a14="http://schemas.microsoft.com/office/drawing/2010/main" val="0"/>
+              </a:ext>
+            </a:extLst>
+          </a:blip>
+          <a:stretch>
+            <a:fillRect/>
+          </a:stretch>
+        </p:blipFill>
+        <p:spPr>
+          <a:xfrm>
+            <a:off x="909638" y="3208338"/>
+            <a:ext cx="1974850" cy="1974850"/>
+          </a:xfrm>
+          <a:prstGeom prst="rect">
+            <a:avLst/>
+          </a:prstGeom>
+        </p:spPr>
+      </p:pic>
+      <p:pic>
+        <p:nvPicPr>
+          <p:cNvPr id="18" name="Picture 6" descr="Ein Bild, das Text enthält.&#10;&#10;Automatisch generierte Beschreibung">
+            <a:extLst>
+              <a:ext uri="{FF2B5EF4-FFF2-40B4-BE49-F238E27FC236}">
+                <a16:creationId xmlns:a16="http://schemas.microsoft.com/office/drawing/2014/main" id="{221B056A-13DF-86D1-155A-AD7D8F67A2D5}"/>
+              </a:ext>
+            </a:extLst>
+          </p:cNvPr>
+          <p:cNvPicPr>
+            <a:picLocks noChangeAspect="1" noChangeArrowheads="1"/>
+          </p:cNvPicPr>
+          <p:nvPr/>
+        </p:nvPicPr>
+        <p:blipFill>
+          <a:blip r:embed="rId4">
+            <a:extLst>
+              <a:ext uri="{28A0092B-C50C-407E-A947-70E740481C1C}">
+                <a14:useLocalDpi xmlns:a14="http://schemas.microsoft.com/office/drawing/2010/main" val="0"/>
+              </a:ext>
+            </a:extLst>
+          </a:blip>
+          <a:stretch>
+            <a:fillRect/>
+          </a:stretch>
+        </p:blipFill>
+        <p:spPr bwMode="auto">
+          <a:xfrm>
+            <a:off x="909638" y="5251450"/>
+            <a:ext cx="1974850" cy="430213"/>
+          </a:xfrm>
+          <a:prstGeom prst="rect">
+            <a:avLst/>
+          </a:prstGeom>
+          <a:extLst>
+            <a:ext uri="{909E8E84-426E-40DD-AFC4-6F175D3DCCD1}">
+              <a14:hiddenFill xmlns:a14="http://schemas.microsoft.com/office/drawing/2010/main">
+                <a:solidFill>
+                  <a:srgbClr val="FFFFFF"/>
+                </a:solidFill>
+              </a14:hiddenFill>
+            </a:ext>
+          </a:extLst>
+        </p:spPr>
+      </p:pic>
+      <p:pic>
+        <p:nvPicPr>
+          <p:cNvPr id="7" name="Grafik 6" descr="Ein Bild, das drinnen enthält.&#10;&#10;Automatisch generierte Beschreibung">
+            <a:extLst>
+              <a:ext uri="{FF2B5EF4-FFF2-40B4-BE49-F238E27FC236}">
+                <a16:creationId xmlns:a16="http://schemas.microsoft.com/office/drawing/2014/main" id="{8657A471-BDFA-30C4-961E-CB2A097D4814}"/>
+              </a:ext>
+            </a:extLst>
+          </p:cNvPr>
+          <p:cNvPicPr>
+            <a:picLocks noChangeAspect="1"/>
+          </p:cNvPicPr>
+          <p:nvPr/>
+        </p:nvPicPr>
+        <p:blipFill>
+          <a:blip r:embed="rId5">
+            <a:extLst>
+              <a:ext uri="{28A0092B-C50C-407E-A947-70E740481C1C}">
+                <a14:useLocalDpi xmlns:a14="http://schemas.microsoft.com/office/drawing/2010/main" val="0"/>
+              </a:ext>
+            </a:extLst>
+          </a:blip>
+          <a:stretch>
+            <a:fillRect/>
+          </a:stretch>
+        </p:blipFill>
+        <p:spPr>
+          <a:xfrm>
+            <a:off x="2952750" y="1166813"/>
+            <a:ext cx="1458913" cy="1458913"/>
+          </a:xfrm>
+          <a:prstGeom prst="rect">
+            <a:avLst/>
+          </a:prstGeom>
+        </p:spPr>
+      </p:pic>
+      <p:pic>
+        <p:nvPicPr>
+          <p:cNvPr id="20" name="Grafik 19" descr="Ein Bild, das Person, Gruppe, Personen, umgeben enthält.&#10;&#10;Automatisch generierte Beschreibung">
+            <a:extLst>
+              <a:ext uri="{FF2B5EF4-FFF2-40B4-BE49-F238E27FC236}">
+                <a16:creationId xmlns:a16="http://schemas.microsoft.com/office/drawing/2014/main" id="{0990C844-CE05-3BF1-B11E-48FD963502CB}"/>
+              </a:ext>
+            </a:extLst>
+          </p:cNvPr>
+          <p:cNvPicPr>
+            <a:picLocks noChangeAspect="1"/>
+          </p:cNvPicPr>
+          <p:nvPr/>
+        </p:nvPicPr>
+        <p:blipFill>
+          <a:blip r:embed="rId6">
+            <a:extLst>
+              <a:ext uri="{28A0092B-C50C-407E-A947-70E740481C1C}">
+                <a14:useLocalDpi xmlns:a14="http://schemas.microsoft.com/office/drawing/2010/main" val="0"/>
+              </a:ext>
+            </a:extLst>
+          </a:blip>
+          <a:stretch>
+            <a:fillRect/>
+          </a:stretch>
+        </p:blipFill>
+        <p:spPr>
+          <a:xfrm>
+            <a:off x="2952750" y="2693988"/>
+            <a:ext cx="1458913" cy="1458913"/>
+          </a:xfrm>
+          <a:prstGeom prst="rect">
+            <a:avLst/>
+          </a:prstGeom>
+        </p:spPr>
+      </p:pic>
+      <p:pic>
+        <p:nvPicPr>
+          <p:cNvPr id="17" name="Grafik 16" descr="Ein Bild, das Gras, Person, draußen, Pflanze enthält.&#10;&#10;Automatisch generierte Beschreibung">
+            <a:extLst>
+              <a:ext uri="{FF2B5EF4-FFF2-40B4-BE49-F238E27FC236}">
+                <a16:creationId xmlns:a16="http://schemas.microsoft.com/office/drawing/2014/main" id="{735BC66A-34FD-AC5D-19E3-5D5EFB5483B3}"/>
+              </a:ext>
+            </a:extLst>
+          </p:cNvPr>
+          <p:cNvPicPr>
+            <a:picLocks noChangeAspect="1"/>
+          </p:cNvPicPr>
+          <p:nvPr/>
+        </p:nvPicPr>
+        <p:blipFill>
+          <a:blip r:embed="rId7">
+            <a:extLst>
+              <a:ext uri="{28A0092B-C50C-407E-A947-70E740481C1C}">
+                <a14:useLocalDpi xmlns:a14="http://schemas.microsoft.com/office/drawing/2010/main" val="0"/>
+              </a:ext>
+            </a:extLst>
+          </a:blip>
+          <a:stretch>
+            <a:fillRect/>
+          </a:stretch>
+        </p:blipFill>
+        <p:spPr>
+          <a:xfrm>
+            <a:off x="2952750" y="4219575"/>
+            <a:ext cx="1458913" cy="1462088"/>
+          </a:xfrm>
+          <a:prstGeom prst="rect">
+            <a:avLst/>
+          </a:prstGeom>
+        </p:spPr>
+      </p:pic>
+      <p:pic>
+        <p:nvPicPr>
+          <p:cNvPr id="5" name="Grafik 4" descr="Ein Bild, das Person, Gruppe, Personen, angezogen enthält.&#10;&#10;Automatisch generierte Beschreibung">
+            <a:extLst>
+              <a:ext uri="{FF2B5EF4-FFF2-40B4-BE49-F238E27FC236}">
+                <a16:creationId xmlns:a16="http://schemas.microsoft.com/office/drawing/2014/main" id="{9B88FA6F-FB65-507D-EE4D-85744D63D62B}"/>
+              </a:ext>
+            </a:extLst>
+          </p:cNvPr>
+          <p:cNvPicPr>
+            <a:picLocks noChangeAspect="1"/>
+          </p:cNvPicPr>
+          <p:nvPr/>
+        </p:nvPicPr>
+        <p:blipFill>
+          <a:blip r:embed="rId8">
+            <a:extLst>
+              <a:ext uri="{28A0092B-C50C-407E-A947-70E740481C1C}">
+                <a14:useLocalDpi xmlns:a14="http://schemas.microsoft.com/office/drawing/2010/main" val="0"/>
+              </a:ext>
+            </a:extLst>
+          </a:blip>
+          <a:stretch>
+            <a:fillRect/>
+          </a:stretch>
+        </p:blipFill>
+        <p:spPr>
+          <a:xfrm>
+            <a:off x="4479925" y="1166813"/>
+            <a:ext cx="2224088" cy="2224088"/>
+          </a:xfrm>
+          <a:prstGeom prst="rect">
+            <a:avLst/>
+          </a:prstGeom>
+        </p:spPr>
+      </p:pic>
+      <p:pic>
+        <p:nvPicPr>
+          <p:cNvPr id="15" name="Grafik 14">
+            <a:extLst>
+              <a:ext uri="{FF2B5EF4-FFF2-40B4-BE49-F238E27FC236}">
+                <a16:creationId xmlns:a16="http://schemas.microsoft.com/office/drawing/2014/main" id="{11931636-2969-E080-1EB2-142F15CEE3C1}"/>
+              </a:ext>
+            </a:extLst>
+          </p:cNvPr>
+          <p:cNvPicPr>
+            <a:picLocks noChangeAspect="1"/>
+          </p:cNvPicPr>
+          <p:nvPr/>
+        </p:nvPicPr>
+        <p:blipFill>
+          <a:blip r:embed="rId9">
+            <a:extLst>
+              <a:ext uri="{28A0092B-C50C-407E-A947-70E740481C1C}">
+                <a14:useLocalDpi xmlns:a14="http://schemas.microsoft.com/office/drawing/2010/main" val="0"/>
+              </a:ext>
+            </a:extLst>
+          </a:blip>
+          <a:stretch>
+            <a:fillRect/>
+          </a:stretch>
+        </p:blipFill>
+        <p:spPr>
+          <a:xfrm>
+            <a:off x="4479925" y="3457575"/>
+            <a:ext cx="2224088" cy="2224088"/>
+          </a:xfrm>
+          <a:prstGeom prst="rect">
+            <a:avLst/>
+          </a:prstGeom>
+        </p:spPr>
+      </p:pic>
+      <p:pic>
+        <p:nvPicPr>
+          <p:cNvPr id="9" name="Grafik 8" descr="Ein Bild, das Wand enthält.&#10;&#10;Automatisch generierte Beschreibung">
+            <a:extLst>
+              <a:ext uri="{FF2B5EF4-FFF2-40B4-BE49-F238E27FC236}">
+                <a16:creationId xmlns:a16="http://schemas.microsoft.com/office/drawing/2014/main" id="{14B4E802-F1AB-EEB9-0BC4-EB5F6AE79FF8}"/>
+              </a:ext>
+            </a:extLst>
+          </p:cNvPr>
+          <p:cNvPicPr>
+            <a:picLocks noChangeAspect="1"/>
+          </p:cNvPicPr>
+          <p:nvPr/>
+        </p:nvPicPr>
+        <p:blipFill>
+          <a:blip r:embed="rId10">
+            <a:extLst>
+              <a:ext uri="{28A0092B-C50C-407E-A947-70E740481C1C}">
+                <a14:useLocalDpi xmlns:a14="http://schemas.microsoft.com/office/drawing/2010/main" val="0"/>
+              </a:ext>
+            </a:extLst>
+          </a:blip>
+          <a:stretch>
+            <a:fillRect/>
+          </a:stretch>
+        </p:blipFill>
+        <p:spPr>
+          <a:xfrm>
+            <a:off x="6772275" y="1166813"/>
+            <a:ext cx="2224088" cy="2224088"/>
+          </a:xfrm>
+          <a:prstGeom prst="rect">
+            <a:avLst/>
+          </a:prstGeom>
+        </p:spPr>
+      </p:pic>
+      <p:pic>
+        <p:nvPicPr>
+          <p:cNvPr id="13" name="Grafik 12" descr="Ein Bild, das Person, darstellend, stehend, Gruppe enthält.&#10;&#10;Automatisch generierte Beschreibung">
+            <a:extLst>
+              <a:ext uri="{FF2B5EF4-FFF2-40B4-BE49-F238E27FC236}">
+                <a16:creationId xmlns:a16="http://schemas.microsoft.com/office/drawing/2014/main" id="{994B8075-5988-A46C-0F06-DA6111FBC71F}"/>
+              </a:ext>
+            </a:extLst>
+          </p:cNvPr>
+          <p:cNvPicPr>
+            <a:picLocks noChangeAspect="1"/>
+          </p:cNvPicPr>
+          <p:nvPr/>
+        </p:nvPicPr>
+        <p:blipFill>
+          <a:blip r:embed="rId11">
+            <a:extLst>
+              <a:ext uri="{28A0092B-C50C-407E-A947-70E740481C1C}">
+                <a14:useLocalDpi xmlns:a14="http://schemas.microsoft.com/office/drawing/2010/main" val="0"/>
+              </a:ext>
+            </a:extLst>
+          </a:blip>
+          <a:stretch>
+            <a:fillRect/>
+          </a:stretch>
+        </p:blipFill>
+        <p:spPr>
+          <a:xfrm>
+            <a:off x="6772275" y="3457575"/>
+            <a:ext cx="2224088" cy="2224088"/>
+          </a:xfrm>
+          <a:prstGeom prst="rect">
+            <a:avLst/>
+          </a:prstGeom>
+        </p:spPr>
+      </p:pic>
+    </p:spTree>
+    <p:extLst>
+      <p:ext uri="{BB962C8B-B14F-4D97-AF65-F5344CB8AC3E}">
+        <p14:creationId xmlns:p14="http://schemas.microsoft.com/office/powerpoint/2010/main" val="1850196563"/>
+      </p:ext>
+    </p:extLst>
+  </p:cSld>
+  <p:clrMapOvr>
+    <a:masterClrMapping/>
+  </p:clrMapOvr>
+</p:sld>
+</file>
+
+<file path=ppt/slides/slide4.xml><?xml version="1.0" encoding="utf-8"?>
+<p:sld xmlns:a="http://schemas.openxmlformats.org/drawingml/2006/main" xmlns:r="http://schemas.openxmlformats.org/officeDocument/2006/relationships" xmlns:p="http://schemas.openxmlformats.org/presentationml/2006/main">
+  <p:cSld>
+    <p:bg>
+      <p:bgPr>
+        <a:solidFill>
+          <a:schemeClr val="bg1"/>
+        </a:solidFill>
+        <a:effectLst/>
+      </p:bgPr>
+    </p:bg>
+    <p:spTree>
+      <p:nvGrpSpPr>
+        <p:cNvPr id="1" name=""/>
+        <p:cNvGrpSpPr/>
+        <p:nvPr/>
+      </p:nvGrpSpPr>
+      <p:grpSpPr>
+        <a:xfrm>
+          <a:off x="0" y="0"/>
+          <a:ext cx="0" cy="0"/>
+          <a:chOff x="0" y="0"/>
+          <a:chExt cx="0" cy="0"/>
+        </a:xfrm>
+      </p:grpSpPr>
+      <p:sp>
+        <p:nvSpPr>
+          <p:cNvPr id="27" name="Rectangle 26">
+            <a:extLst>
+              <a:ext uri="{FF2B5EF4-FFF2-40B4-BE49-F238E27FC236}">
+                <a16:creationId xmlns:a16="http://schemas.microsoft.com/office/drawing/2014/main" id="{B9FF99BD-075F-4761-A995-6FC574BD25EA}"/>
+              </a:ext>
+              <a:ext uri="{C183D7F6-B498-43B3-948B-1728B52AA6E4}">
+                <adec:decorative xmlns:adec="http://schemas.microsoft.com/office/drawing/2017/decorative" val="1"/>
+              </a:ext>
+            </a:extLst>
+          </p:cNvPr>
+          <p:cNvSpPr>
+            <a:spLocks noGrp="1" noRot="1" noChangeAspect="1" noMove="1" noResize="1" noEditPoints="1" noAdjustHandles="1" noChangeArrowheads="1" noChangeShapeType="1" noTextEdit="1"/>
+          </p:cNvSpPr>
+          <p:nvPr>
+            <p:extLst>
+              <p:ext uri="{386F3935-93C4-4BCD-93E2-E3B085C9AB24}">
+                <p16:designElem xmlns:p16="http://schemas.microsoft.com/office/powerpoint/2015/main" val="1"/>
+              </p:ext>
+            </p:extLst>
+          </p:nvPr>
+        </p:nvSpPr>
+        <p:spPr>
+          <a:xfrm>
+            <a:off x="0" y="0"/>
+            <a:ext cx="9906000" cy="6858000"/>
+          </a:xfrm>
+          <a:prstGeom prst="rect">
+            <a:avLst/>
+          </a:prstGeom>
+          <a:solidFill>
+            <a:schemeClr val="bg1">
+              <a:lumMod val="65000"/>
+            </a:schemeClr>
+          </a:solidFill>
+          <a:ln>
+            <a:noFill/>
+          </a:ln>
+        </p:spPr>
+        <p:style>
+          <a:lnRef idx="2">
+            <a:schemeClr val="accent1">
+              <a:shade val="50000"/>
+            </a:schemeClr>
+          </a:lnRef>
+          <a:fillRef idx="1">
+            <a:schemeClr val="accent1"/>
+          </a:fillRef>
+          <a:effectRef idx="0">
+            <a:schemeClr val="accent1"/>
+          </a:effectRef>
+          <a:fontRef idx="minor">
+            <a:schemeClr val="lt1"/>
+          </a:fontRef>
+        </p:style>
+        <p:txBody>
+          <a:bodyPr rtlCol="0" anchor="ctr"/>
+          <a:lstStyle/>
+          <a:p>
+            <a:pPr algn="ctr"/>
+            <a:endParaRPr lang="en-US"/>
+          </a:p>
+        </p:txBody>
+      </p:sp>
+      <p:sp>
+        <p:nvSpPr>
+          <p:cNvPr id="29" name="Rectangle 28">
+            <a:extLst>
+              <a:ext uri="{FF2B5EF4-FFF2-40B4-BE49-F238E27FC236}">
+                <a16:creationId xmlns:a16="http://schemas.microsoft.com/office/drawing/2014/main" id="{A7B21A54-9BA3-4EA9-B460-5A829ADD9051}"/>
+              </a:ext>
+              <a:ext uri="{C183D7F6-B498-43B3-948B-1728B52AA6E4}">
+                <adec:decorative xmlns:adec="http://schemas.microsoft.com/office/drawing/2017/decorative" val="1"/>
+              </a:ext>
+            </a:extLst>
+          </p:cNvPr>
+          <p:cNvSpPr>
+            <a:spLocks noGrp="1" noRot="1" noChangeAspect="1" noMove="1" noResize="1" noEditPoints="1" noAdjustHandles="1" noChangeArrowheads="1" noChangeShapeType="1" noTextEdit="1"/>
+          </p:cNvSpPr>
+          <p:nvPr>
+            <p:extLst>
+              <p:ext uri="{386F3935-93C4-4BCD-93E2-E3B085C9AB24}">
+                <p16:designElem xmlns:p16="http://schemas.microsoft.com/office/powerpoint/2015/main" val="1"/>
+              </p:ext>
+            </p:extLst>
+          </p:nvPr>
+        </p:nvSpPr>
+        <p:spPr>
+          <a:xfrm>
+            <a:off x="387572" y="480060"/>
+            <a:ext cx="9130855" cy="5897880"/>
+          </a:xfrm>
+          <a:prstGeom prst="rect">
+            <a:avLst/>
+          </a:prstGeom>
+          <a:noFill/>
+          <a:ln>
+            <a:solidFill>
+              <a:schemeClr val="bg1"/>
+            </a:solidFill>
+          </a:ln>
+        </p:spPr>
+        <p:style>
+          <a:lnRef idx="2">
+            <a:schemeClr val="accent1">
+              <a:shade val="50000"/>
+            </a:schemeClr>
+          </a:lnRef>
+          <a:fillRef idx="1">
+            <a:schemeClr val="accent1"/>
+          </a:fillRef>
+          <a:effectRef idx="0">
+            <a:schemeClr val="accent1"/>
+          </a:effectRef>
+          <a:fontRef idx="minor">
+            <a:schemeClr val="lt1"/>
+          </a:fontRef>
+        </p:style>
+        <p:txBody>
+          <a:bodyPr rtlCol="0" anchor="ctr"/>
+          <a:lstStyle/>
+          <a:p>
+            <a:pPr algn="ctr"/>
+            <a:endParaRPr lang="en-US"/>
+          </a:p>
+        </p:txBody>
+      </p:sp>
+      <p:sp>
+        <p:nvSpPr>
+          <p:cNvPr id="31" name="Rectangle 30">
+            <a:extLst>
+              <a:ext uri="{FF2B5EF4-FFF2-40B4-BE49-F238E27FC236}">
+                <a16:creationId xmlns:a16="http://schemas.microsoft.com/office/drawing/2014/main" id="{6FA8F714-B9D8-488A-8CCA-E9948FF913A9}"/>
+              </a:ext>
+              <a:ext uri="{C183D7F6-B498-43B3-948B-1728B52AA6E4}">
+                <adec:decorative xmlns:adec="http://schemas.microsoft.com/office/drawing/2017/decorative" val="1"/>
+              </a:ext>
+            </a:extLst>
+          </p:cNvPr>
+          <p:cNvSpPr>
+            <a:spLocks noGrp="1" noRot="1" noChangeAspect="1" noMove="1" noResize="1" noEditPoints="1" noAdjustHandles="1" noChangeArrowheads="1" noChangeShapeType="1" noTextEdit="1"/>
+          </p:cNvSpPr>
+          <p:nvPr>
+            <p:extLst>
+              <p:ext uri="{386F3935-93C4-4BCD-93E2-E3B085C9AB24}">
+                <p16:designElem xmlns:p16="http://schemas.microsoft.com/office/powerpoint/2015/main" val="1"/>
+              </p:ext>
+            </p:extLst>
+          </p:nvPr>
+        </p:nvSpPr>
+        <p:spPr>
+          <a:xfrm>
+            <a:off x="522816" y="643468"/>
+            <a:ext cx="8860367" cy="5571066"/>
+          </a:xfrm>
+          <a:prstGeom prst="rect">
+            <a:avLst/>
+          </a:prstGeom>
+          <a:solidFill>
+            <a:srgbClr val="FFFFFF"/>
+          </a:solidFill>
+          <a:ln>
+            <a:noFill/>
+          </a:ln>
+        </p:spPr>
+        <p:style>
+          <a:lnRef idx="2">
+            <a:schemeClr val="accent1">
+              <a:shade val="50000"/>
+            </a:schemeClr>
+          </a:lnRef>
+          <a:fillRef idx="1">
+            <a:schemeClr val="accent1"/>
+          </a:fillRef>
+          <a:effectRef idx="0">
+            <a:schemeClr val="accent1"/>
+          </a:effectRef>
+          <a:fontRef idx="minor">
+            <a:schemeClr val="lt1"/>
+          </a:fontRef>
+        </p:style>
+        <p:txBody>
+          <a:bodyPr rtlCol="0" anchor="ctr"/>
+          <a:lstStyle/>
+          <a:p>
+            <a:pPr algn="ctr"/>
+            <a:endParaRPr lang="en-US"/>
+          </a:p>
+        </p:txBody>
+      </p:sp>
+      <p:pic>
+        <p:nvPicPr>
+          <p:cNvPr id="22" name="Picture 6" descr="Ein Bild, das Text enthält.&#10;&#10;Automatisch generierte Beschreibung">
+            <a:extLst>
+              <a:ext uri="{FF2B5EF4-FFF2-40B4-BE49-F238E27FC236}">
+                <a16:creationId xmlns:a16="http://schemas.microsoft.com/office/drawing/2014/main" id="{98523BF0-0B38-D08B-D66C-892DA5EE6930}"/>
               </a:ext>
             </a:extLst>
           </p:cNvPr>
@@ -3347,20 +4301,18 @@
               </a:ext>
             </a:extLst>
           </a:blip>
-          <a:srcRect/>
           <a:stretch>
             <a:fillRect/>
           </a:stretch>
         </p:blipFill>
         <p:spPr bwMode="auto">
           <a:xfrm>
-            <a:off x="476245" y="278999"/>
-            <a:ext cx="4476755" cy="1124211"/>
+            <a:off x="909638" y="1171575"/>
+            <a:ext cx="1993900" cy="381000"/>
           </a:xfrm>
           <a:prstGeom prst="rect">
             <a:avLst/>
           </a:prstGeom>
-          <a:noFill/>
           <a:extLst>
             <a:ext uri="{909E8E84-426E-40DD-AFC4-6F175D3DCCD1}">
               <a14:hiddenFill xmlns:a14="http://schemas.microsoft.com/office/drawing/2010/main">
@@ -3374,10 +4326,10 @@
       </p:pic>
       <p:pic>
         <p:nvPicPr>
-          <p:cNvPr id="7" name="Grafik 6">
+          <p:cNvPr id="9" name="Grafik 8">
             <a:extLst>
               <a:ext uri="{FF2B5EF4-FFF2-40B4-BE49-F238E27FC236}">
-                <a16:creationId xmlns:a16="http://schemas.microsoft.com/office/drawing/2014/main" id="{71EB64D1-1C1D-CA63-522A-EF4C2922069C}"/>
+                <a16:creationId xmlns:a16="http://schemas.microsoft.com/office/drawing/2014/main" id="{3517F470-A8D1-0CDA-72D4-5AE9917DBBE5}"/>
               </a:ext>
             </a:extLst>
           </p:cNvPr>
@@ -3387,15 +4339,21 @@
           <p:nvPr/>
         </p:nvPicPr>
         <p:blipFill>
-          <a:blip r:embed="rId3"/>
+          <a:blip r:embed="rId3">
+            <a:extLst>
+              <a:ext uri="{28A0092B-C50C-407E-A947-70E740481C1C}">
+                <a14:useLocalDpi xmlns:a14="http://schemas.microsoft.com/office/drawing/2010/main" val="0"/>
+              </a:ext>
+            </a:extLst>
+          </a:blip>
           <a:stretch>
             <a:fillRect/>
           </a:stretch>
         </p:blipFill>
         <p:spPr>
           <a:xfrm>
-            <a:off x="5242507" y="0"/>
-            <a:ext cx="3952195" cy="6858000"/>
+            <a:off x="909638" y="1619250"/>
+            <a:ext cx="1993900" cy="1993900"/>
           </a:xfrm>
           <a:prstGeom prst="rect">
             <a:avLst/>
@@ -3404,45 +4362,10 @@
       </p:pic>
       <p:pic>
         <p:nvPicPr>
-          <p:cNvPr id="9" name="Grafik 8" descr="Ein Bild, das Wand enthält.&#10;&#10;Automatisch generierte Beschreibung">
+          <p:cNvPr id="17" name="Grafik 16" descr="Ein Bild, das Person, Gruppe, Menge, darstellend enthält.&#10;&#10;Automatisch generierte Beschreibung">
             <a:extLst>
               <a:ext uri="{FF2B5EF4-FFF2-40B4-BE49-F238E27FC236}">
-                <a16:creationId xmlns:a16="http://schemas.microsoft.com/office/drawing/2014/main" id="{4C025373-83FD-45A9-1898-A2FA80F705FA}"/>
-              </a:ext>
-            </a:extLst>
-          </p:cNvPr>
-          <p:cNvPicPr>
-            <a:picLocks noChangeAspect="1"/>
-          </p:cNvPicPr>
-          <p:nvPr/>
-        </p:nvPicPr>
-        <p:blipFill rotWithShape="1">
-          <a:blip r:embed="rId4">
-            <a:extLst>
-              <a:ext uri="{28A0092B-C50C-407E-A947-70E740481C1C}">
-                <a14:useLocalDpi xmlns:a14="http://schemas.microsoft.com/office/drawing/2010/main" val="0"/>
-              </a:ext>
-            </a:extLst>
-          </a:blip>
-          <a:srcRect r="5037" b="-3"/>
-          <a:stretch/>
-        </p:blipFill>
-        <p:spPr>
-          <a:xfrm>
-            <a:off x="384091" y="3039149"/>
-            <a:ext cx="4639152" cy="3260983"/>
-          </a:xfrm>
-          <a:prstGeom prst="rect">
-            <a:avLst/>
-          </a:prstGeom>
-        </p:spPr>
-      </p:pic>
-      <p:pic>
-        <p:nvPicPr>
-          <p:cNvPr id="3" name="Grafik 2">
-            <a:extLst>
-              <a:ext uri="{FF2B5EF4-FFF2-40B4-BE49-F238E27FC236}">
-                <a16:creationId xmlns:a16="http://schemas.microsoft.com/office/drawing/2014/main" id="{CC5D3294-2628-39D4-8CF8-B14EB86D648A}"/>
+                <a16:creationId xmlns:a16="http://schemas.microsoft.com/office/drawing/2014/main" id="{09C00BBB-4A45-90CF-2880-03E10906F63B}"/>
               </a:ext>
             </a:extLst>
           </p:cNvPr>
@@ -3452,15 +4375,273 @@
           <p:nvPr/>
         </p:nvPicPr>
         <p:blipFill>
-          <a:blip r:embed="rId5"/>
+          <a:blip r:embed="rId4">
+            <a:extLst>
+              <a:ext uri="{28A0092B-C50C-407E-A947-70E740481C1C}">
+                <a14:useLocalDpi xmlns:a14="http://schemas.microsoft.com/office/drawing/2010/main" val="0"/>
+              </a:ext>
+            </a:extLst>
+          </a:blip>
           <a:stretch>
             <a:fillRect/>
           </a:stretch>
         </p:blipFill>
         <p:spPr>
           <a:xfrm>
-            <a:off x="1365897" y="1403210"/>
-            <a:ext cx="2924175" cy="1419225"/>
+            <a:off x="909638" y="3681413"/>
+            <a:ext cx="1993900" cy="1993900"/>
+          </a:xfrm>
+          <a:prstGeom prst="rect">
+            <a:avLst/>
+          </a:prstGeom>
+        </p:spPr>
+      </p:pic>
+      <p:pic>
+        <p:nvPicPr>
+          <p:cNvPr id="3" name="Grafik 2" descr="Ein Bild, das Wand, Gruppe, Linie, gefüttert enthält.&#10;&#10;Automatisch generierte Beschreibung">
+            <a:extLst>
+              <a:ext uri="{FF2B5EF4-FFF2-40B4-BE49-F238E27FC236}">
+                <a16:creationId xmlns:a16="http://schemas.microsoft.com/office/drawing/2014/main" id="{FD89D053-4FD7-D120-6F12-E70BDF688EF1}"/>
+              </a:ext>
+            </a:extLst>
+          </p:cNvPr>
+          <p:cNvPicPr>
+            <a:picLocks noChangeAspect="1"/>
+          </p:cNvPicPr>
+          <p:nvPr/>
+        </p:nvPicPr>
+        <p:blipFill>
+          <a:blip r:embed="rId5">
+            <a:extLst>
+              <a:ext uri="{28A0092B-C50C-407E-A947-70E740481C1C}">
+                <a14:useLocalDpi xmlns:a14="http://schemas.microsoft.com/office/drawing/2010/main" val="0"/>
+              </a:ext>
+            </a:extLst>
+          </a:blip>
+          <a:stretch>
+            <a:fillRect/>
+          </a:stretch>
+        </p:blipFill>
+        <p:spPr>
+          <a:xfrm>
+            <a:off x="2971800" y="1171575"/>
+            <a:ext cx="1454150" cy="1454150"/>
+          </a:xfrm>
+          <a:prstGeom prst="rect">
+            <a:avLst/>
+          </a:prstGeom>
+        </p:spPr>
+      </p:pic>
+      <p:pic>
+        <p:nvPicPr>
+          <p:cNvPr id="11" name="Grafik 10" descr="Ein Bild, das Menge enthält.&#10;&#10;Automatisch generierte Beschreibung">
+            <a:extLst>
+              <a:ext uri="{FF2B5EF4-FFF2-40B4-BE49-F238E27FC236}">
+                <a16:creationId xmlns:a16="http://schemas.microsoft.com/office/drawing/2014/main" id="{0D36640A-DE03-F634-09AA-55E9695EEF14}"/>
+              </a:ext>
+            </a:extLst>
+          </p:cNvPr>
+          <p:cNvPicPr>
+            <a:picLocks noChangeAspect="1"/>
+          </p:cNvPicPr>
+          <p:nvPr/>
+        </p:nvPicPr>
+        <p:blipFill>
+          <a:blip r:embed="rId6">
+            <a:extLst>
+              <a:ext uri="{28A0092B-C50C-407E-A947-70E740481C1C}">
+                <a14:useLocalDpi xmlns:a14="http://schemas.microsoft.com/office/drawing/2010/main" val="0"/>
+              </a:ext>
+            </a:extLst>
+          </a:blip>
+          <a:stretch>
+            <a:fillRect/>
+          </a:stretch>
+        </p:blipFill>
+        <p:spPr>
+          <a:xfrm>
+            <a:off x="2971800" y="2693988"/>
+            <a:ext cx="1454150" cy="1454150"/>
+          </a:xfrm>
+          <a:prstGeom prst="rect">
+            <a:avLst/>
+          </a:prstGeom>
+        </p:spPr>
+      </p:pic>
+      <p:pic>
+        <p:nvPicPr>
+          <p:cNvPr id="19" name="Grafik 18" descr="Ein Bild, das Person, Gruppe, Personen, Linie enthält.&#10;&#10;Automatisch generierte Beschreibung">
+            <a:extLst>
+              <a:ext uri="{FF2B5EF4-FFF2-40B4-BE49-F238E27FC236}">
+                <a16:creationId xmlns:a16="http://schemas.microsoft.com/office/drawing/2014/main" id="{BEEFF3FE-4830-DFCD-0EE1-92D2F6DC52CF}"/>
+              </a:ext>
+            </a:extLst>
+          </p:cNvPr>
+          <p:cNvPicPr>
+            <a:picLocks noChangeAspect="1"/>
+          </p:cNvPicPr>
+          <p:nvPr/>
+        </p:nvPicPr>
+        <p:blipFill>
+          <a:blip r:embed="rId7">
+            <a:extLst>
+              <a:ext uri="{28A0092B-C50C-407E-A947-70E740481C1C}">
+                <a14:useLocalDpi xmlns:a14="http://schemas.microsoft.com/office/drawing/2010/main" val="0"/>
+              </a:ext>
+            </a:extLst>
+          </a:blip>
+          <a:stretch>
+            <a:fillRect/>
+          </a:stretch>
+        </p:blipFill>
+        <p:spPr>
+          <a:xfrm>
+            <a:off x="2971800" y="4214813"/>
+            <a:ext cx="1454150" cy="1458913"/>
+          </a:xfrm>
+          <a:prstGeom prst="rect">
+            <a:avLst/>
+          </a:prstGeom>
+        </p:spPr>
+      </p:pic>
+      <p:pic>
+        <p:nvPicPr>
+          <p:cNvPr id="5" name="Grafik 4">
+            <a:extLst>
+              <a:ext uri="{FF2B5EF4-FFF2-40B4-BE49-F238E27FC236}">
+                <a16:creationId xmlns:a16="http://schemas.microsoft.com/office/drawing/2014/main" id="{21B1E726-C458-4197-0C48-7B2738A42018}"/>
+              </a:ext>
+            </a:extLst>
+          </p:cNvPr>
+          <p:cNvPicPr>
+            <a:picLocks noChangeAspect="1"/>
+          </p:cNvPicPr>
+          <p:nvPr/>
+        </p:nvPicPr>
+        <p:blipFill>
+          <a:blip r:embed="rId8">
+            <a:extLst>
+              <a:ext uri="{28A0092B-C50C-407E-A947-70E740481C1C}">
+                <a14:useLocalDpi xmlns:a14="http://schemas.microsoft.com/office/drawing/2010/main" val="0"/>
+              </a:ext>
+            </a:extLst>
+          </a:blip>
+          <a:stretch>
+            <a:fillRect/>
+          </a:stretch>
+        </p:blipFill>
+        <p:spPr>
+          <a:xfrm>
+            <a:off x="4494213" y="1171575"/>
+            <a:ext cx="2217738" cy="2217738"/>
+          </a:xfrm>
+          <a:prstGeom prst="rect">
+            <a:avLst/>
+          </a:prstGeom>
+        </p:spPr>
+      </p:pic>
+      <p:pic>
+        <p:nvPicPr>
+          <p:cNvPr id="13" name="Grafik 12" descr="Ein Bild, das Natur, draußen, Höhle enthält.&#10;&#10;Automatisch generierte Beschreibung">
+            <a:extLst>
+              <a:ext uri="{FF2B5EF4-FFF2-40B4-BE49-F238E27FC236}">
+                <a16:creationId xmlns:a16="http://schemas.microsoft.com/office/drawing/2014/main" id="{EB299780-40ED-2DCC-53E3-AB1F3FBA7199}"/>
+              </a:ext>
+            </a:extLst>
+          </p:cNvPr>
+          <p:cNvPicPr>
+            <a:picLocks noChangeAspect="1"/>
+          </p:cNvPicPr>
+          <p:nvPr/>
+        </p:nvPicPr>
+        <p:blipFill>
+          <a:blip r:embed="rId9">
+            <a:extLst>
+              <a:ext uri="{28A0092B-C50C-407E-A947-70E740481C1C}">
+                <a14:useLocalDpi xmlns:a14="http://schemas.microsoft.com/office/drawing/2010/main" val="0"/>
+              </a:ext>
+            </a:extLst>
+          </a:blip>
+          <a:stretch>
+            <a:fillRect/>
+          </a:stretch>
+        </p:blipFill>
+        <p:spPr>
+          <a:xfrm>
+            <a:off x="4494213" y="3455988"/>
+            <a:ext cx="2217738" cy="2219325"/>
+          </a:xfrm>
+          <a:prstGeom prst="rect">
+            <a:avLst/>
+          </a:prstGeom>
+        </p:spPr>
+      </p:pic>
+      <p:pic>
+        <p:nvPicPr>
+          <p:cNvPr id="7" name="Grafik 6" descr="Ein Bild, das drinnen enthält.&#10;&#10;Automatisch generierte Beschreibung">
+            <a:extLst>
+              <a:ext uri="{FF2B5EF4-FFF2-40B4-BE49-F238E27FC236}">
+                <a16:creationId xmlns:a16="http://schemas.microsoft.com/office/drawing/2014/main" id="{60DF6B04-3C54-05FA-DA7C-4C3B5D675E52}"/>
+              </a:ext>
+            </a:extLst>
+          </p:cNvPr>
+          <p:cNvPicPr>
+            <a:picLocks noChangeAspect="1"/>
+          </p:cNvPicPr>
+          <p:nvPr/>
+        </p:nvPicPr>
+        <p:blipFill>
+          <a:blip r:embed="rId10">
+            <a:extLst>
+              <a:ext uri="{28A0092B-C50C-407E-A947-70E740481C1C}">
+                <a14:useLocalDpi xmlns:a14="http://schemas.microsoft.com/office/drawing/2010/main" val="0"/>
+              </a:ext>
+            </a:extLst>
+          </a:blip>
+          <a:stretch>
+            <a:fillRect/>
+          </a:stretch>
+        </p:blipFill>
+        <p:spPr>
+          <a:xfrm>
+            <a:off x="6778625" y="1171575"/>
+            <a:ext cx="2217738" cy="2217738"/>
+          </a:xfrm>
+          <a:prstGeom prst="rect">
+            <a:avLst/>
+          </a:prstGeom>
+        </p:spPr>
+      </p:pic>
+      <p:pic>
+        <p:nvPicPr>
+          <p:cNvPr id="15" name="Grafik 14" descr="Ein Bild, das drinnen enthält.&#10;&#10;Automatisch generierte Beschreibung">
+            <a:extLst>
+              <a:ext uri="{FF2B5EF4-FFF2-40B4-BE49-F238E27FC236}">
+                <a16:creationId xmlns:a16="http://schemas.microsoft.com/office/drawing/2014/main" id="{780329A8-1BD8-111A-1B24-B3713912D31D}"/>
+              </a:ext>
+            </a:extLst>
+          </p:cNvPr>
+          <p:cNvPicPr>
+            <a:picLocks noChangeAspect="1"/>
+          </p:cNvPicPr>
+          <p:nvPr/>
+        </p:nvPicPr>
+        <p:blipFill>
+          <a:blip r:embed="rId11">
+            <a:extLst>
+              <a:ext uri="{28A0092B-C50C-407E-A947-70E740481C1C}">
+                <a14:useLocalDpi xmlns:a14="http://schemas.microsoft.com/office/drawing/2010/main" val="0"/>
+              </a:ext>
+            </a:extLst>
+          </a:blip>
+          <a:stretch>
+            <a:fillRect/>
+          </a:stretch>
+        </p:blipFill>
+        <p:spPr>
+          <a:xfrm>
+            <a:off x="6778625" y="3455988"/>
+            <a:ext cx="2217738" cy="2219325"/>
           </a:xfrm>
           <a:prstGeom prst="rect">
             <a:avLst/>
@@ -3470,7 +4651,7 @@
     </p:spTree>
     <p:extLst>
       <p:ext uri="{BB962C8B-B14F-4D97-AF65-F5344CB8AC3E}">
-        <p14:creationId xmlns:p14="http://schemas.microsoft.com/office/powerpoint/2010/main" val="1897331402"/>
+        <p14:creationId xmlns:p14="http://schemas.microsoft.com/office/powerpoint/2010/main" val="1818186277"/>
       </p:ext>
     </p:extLst>
   </p:cSld>
@@ -3480,7 +4661,7 @@
 </p:sld>
 </file>
 
-<file path=ppt/slides/slide2.xml><?xml version="1.0" encoding="utf-8"?>
+<file path=ppt/slides/slide5.xml><?xml version="1.0" encoding="utf-8"?>
 <p:sld xmlns:a="http://schemas.openxmlformats.org/drawingml/2006/main" xmlns:r="http://schemas.openxmlformats.org/officeDocument/2006/relationships" xmlns:p="http://schemas.openxmlformats.org/presentationml/2006/main">
   <p:cSld>
     <p:spTree>
@@ -3511,8 +4692,3918 @@
         </p:nvSpPr>
         <p:spPr>
           <a:xfrm>
-            <a:off x="4031086" y="91404"/>
-            <a:ext cx="5874913" cy="6740307"/>
+            <a:off x="542416" y="197995"/>
+            <a:ext cx="4859788" cy="3690551"/>
+          </a:xfrm>
+          <a:prstGeom prst="rect">
+            <a:avLst/>
+          </a:prstGeom>
+        </p:spPr>
+        <p:txBody>
+          <a:bodyPr vert="horz" lIns="91440" tIns="45720" rIns="91440" bIns="45720" rtlCol="0">
+            <a:noAutofit/>
+          </a:bodyPr>
+          <a:lstStyle/>
+          <a:p>
+            <a:pPr indent="-228600" defTabSz="914400">
+              <a:lnSpc>
+                <a:spcPct val="90000"/>
+              </a:lnSpc>
+              <a:spcAft>
+                <a:spcPts val="600"/>
+              </a:spcAft>
+              <a:buFont typeface="Arial" panose="020B0604020202020204" pitchFamily="34" charset="0"/>
+              <a:buChar char="•"/>
+            </a:pPr>
+            <a:r>
+              <a:rPr lang="zh-CN" altLang="en-US" sz="1100" b="0" i="0" dirty="0">
+                <a:effectLst/>
+              </a:rPr>
+              <a:t>匈牙利电影和戏剧导演 </a:t>
+            </a:r>
+            <a:r>
+              <a:rPr lang="en-US" altLang="zh-CN" sz="1100" b="0" i="0" dirty="0" err="1">
+                <a:effectLst/>
+              </a:rPr>
+              <a:t>Kornél</a:t>
+            </a:r>
+            <a:r>
+              <a:rPr lang="en-US" altLang="zh-CN" sz="1100" b="0" i="0" dirty="0">
+                <a:effectLst/>
+              </a:rPr>
+              <a:t> </a:t>
+            </a:r>
+            <a:r>
+              <a:rPr lang="en-US" altLang="zh-CN" sz="1100" b="0" i="0" dirty="0" err="1">
+                <a:effectLst/>
+              </a:rPr>
+              <a:t>Mundruczó</a:t>
+            </a:r>
+            <a:r>
+              <a:rPr lang="en-US" altLang="zh-CN" sz="1100" b="0" i="0" dirty="0">
+                <a:effectLst/>
+              </a:rPr>
+              <a:t> </a:t>
+            </a:r>
+            <a:r>
+              <a:rPr lang="zh-CN" altLang="en-US" sz="1100" b="0" i="0" dirty="0">
+                <a:effectLst/>
+              </a:rPr>
+              <a:t>的作品在世界上最重要的节日和舞台上放映，他也在歌剧领域工作了多年。他在 </a:t>
+            </a:r>
+            <a:r>
+              <a:rPr lang="en-US" altLang="zh-CN" sz="1100" b="0" i="0" dirty="0" err="1">
+                <a:effectLst/>
+              </a:rPr>
+              <a:t>Vlaamse</a:t>
+            </a:r>
+            <a:r>
+              <a:rPr lang="en-US" altLang="zh-CN" sz="1100" b="0" i="0" dirty="0">
+                <a:effectLst/>
+              </a:rPr>
+              <a:t> </a:t>
+            </a:r>
+            <a:r>
+              <a:rPr lang="zh-CN" altLang="en-US" sz="1100" b="0" i="0" dirty="0">
+                <a:effectLst/>
+              </a:rPr>
+              <a:t>歌剧院制作的</a:t>
+            </a:r>
+            <a:r>
+              <a:rPr lang="en-US" altLang="zh-CN" sz="1100" b="0" i="1" dirty="0">
+                <a:effectLst/>
+              </a:rPr>
+              <a:t>The </a:t>
+            </a:r>
+            <a:r>
+              <a:rPr lang="en-US" altLang="zh-CN" sz="1100" b="0" i="1" dirty="0" err="1">
+                <a:effectLst/>
+              </a:rPr>
+              <a:t>Makropulos</a:t>
+            </a:r>
+            <a:r>
+              <a:rPr lang="en-US" altLang="zh-CN" sz="1100" b="0" i="1" dirty="0">
+                <a:effectLst/>
+              </a:rPr>
+              <a:t> Case</a:t>
+            </a:r>
+            <a:r>
+              <a:rPr lang="en-US" altLang="zh-CN" sz="1100" b="0" i="0" dirty="0">
+                <a:effectLst/>
+              </a:rPr>
+              <a:t> (2016) </a:t>
+            </a:r>
+            <a:r>
+              <a:rPr lang="zh-CN" altLang="en-US" sz="1100" b="0" i="0" dirty="0">
+                <a:effectLst/>
+              </a:rPr>
+              <a:t>获得国际歌剧奖提名，去年他首演了 </a:t>
+            </a:r>
+            <a:r>
+              <a:rPr lang="en-US" altLang="zh-CN" sz="1100" b="0" i="0" dirty="0">
+                <a:effectLst/>
+              </a:rPr>
+              <a:t>Peter </a:t>
+            </a:r>
+            <a:r>
+              <a:rPr lang="en-US" altLang="zh-CN" sz="1100" b="0" i="0" dirty="0" err="1">
+                <a:effectLst/>
+              </a:rPr>
+              <a:t>Eötvös</a:t>
+            </a:r>
+            <a:r>
+              <a:rPr lang="en-US" altLang="zh-CN" sz="1100" b="0" i="0" dirty="0">
+                <a:effectLst/>
+              </a:rPr>
+              <a:t> </a:t>
+            </a:r>
+            <a:r>
+              <a:rPr lang="zh-CN" altLang="en-US" sz="1100" b="0" i="0" dirty="0">
+                <a:effectLst/>
+              </a:rPr>
+              <a:t>的歌剧</a:t>
+            </a:r>
+            <a:r>
+              <a:rPr lang="en-US" altLang="zh-CN" sz="1100" b="0" i="0" dirty="0">
+                <a:effectLst/>
+              </a:rPr>
+              <a:t>《</a:t>
+            </a:r>
+            <a:r>
+              <a:rPr lang="zh-CN" altLang="en-US" sz="1100" b="0" i="1" dirty="0">
+                <a:effectLst/>
+              </a:rPr>
+              <a:t>不眠之夜</a:t>
+            </a:r>
+            <a:r>
+              <a:rPr lang="en-US" altLang="zh-CN" sz="1100" b="0" i="1" dirty="0">
+                <a:effectLst/>
+              </a:rPr>
+              <a:t>》</a:t>
+            </a:r>
+            <a:r>
+              <a:rPr lang="zh-CN" altLang="en-US" sz="1100" b="0" i="0" dirty="0">
+                <a:effectLst/>
+              </a:rPr>
+              <a:t>在柏林国家歌剧院菩提树下。他亦是独立剧团质子剧场的创办人及董事。他和他的团队（包括舞台设计师 </a:t>
+            </a:r>
+            <a:r>
+              <a:rPr lang="en-US" altLang="zh-CN" sz="1100" b="0" i="0" dirty="0">
+                <a:effectLst/>
+              </a:rPr>
+              <a:t>Monika </a:t>
+            </a:r>
+            <a:r>
+              <a:rPr lang="en-US" altLang="zh-CN" sz="1100" b="0" i="0" dirty="0" err="1">
+                <a:effectLst/>
+              </a:rPr>
+              <a:t>Pormale</a:t>
+            </a:r>
+            <a:r>
+              <a:rPr lang="en-US" altLang="zh-CN" sz="1100" b="0" i="0" dirty="0">
+                <a:effectLst/>
+              </a:rPr>
+              <a:t> </a:t>
+            </a:r>
+            <a:r>
+              <a:rPr lang="zh-CN" altLang="en-US" sz="1100" b="0" i="0" dirty="0">
+                <a:effectLst/>
+              </a:rPr>
+              <a:t>和服装设计师 </a:t>
+            </a:r>
+            <a:r>
+              <a:rPr lang="en-US" altLang="zh-CN" sz="1100" b="0" i="0" dirty="0" err="1">
+                <a:effectLst/>
+              </a:rPr>
+              <a:t>Ania</a:t>
+            </a:r>
+            <a:r>
+              <a:rPr lang="en-US" altLang="zh-CN" sz="1100" b="0" i="0" dirty="0">
+                <a:effectLst/>
+              </a:rPr>
+              <a:t> </a:t>
+            </a:r>
+            <a:r>
+              <a:rPr lang="en-US" altLang="zh-CN" sz="1100" b="0" i="0" dirty="0" err="1">
+                <a:effectLst/>
+              </a:rPr>
+              <a:t>Axer</a:t>
+            </a:r>
+            <a:r>
+              <a:rPr lang="zh-CN" altLang="en-US" sz="1100" b="0" i="0" dirty="0">
+                <a:effectLst/>
+              </a:rPr>
+              <a:t>）现在正在巴伐利亚国家歌剧院首次亮相。指挥家弗朗索瓦</a:t>
+            </a:r>
+            <a:r>
+              <a:rPr lang="en-US" altLang="zh-CN" sz="1100" b="0" i="0" dirty="0">
+                <a:effectLst/>
+              </a:rPr>
+              <a:t>-</a:t>
+            </a:r>
+            <a:r>
+              <a:rPr lang="zh-CN" altLang="en-US" sz="1100" b="0" i="0" dirty="0">
+                <a:effectLst/>
+              </a:rPr>
+              <a:t>泽维尔</a:t>
+            </a:r>
+            <a:r>
+              <a:rPr lang="en-US" altLang="zh-CN" sz="1100" b="0" i="0" dirty="0">
+                <a:effectLst/>
+              </a:rPr>
+              <a:t>·</a:t>
+            </a:r>
+            <a:r>
+              <a:rPr lang="zh-CN" altLang="en-US" sz="1100" b="0" i="0" dirty="0">
+                <a:effectLst/>
+              </a:rPr>
+              <a:t>罗斯 </a:t>
+            </a:r>
+            <a:r>
+              <a:rPr lang="en-US" altLang="zh-CN" sz="1100" b="0" i="0" dirty="0">
+                <a:effectLst/>
+              </a:rPr>
+              <a:t>(François-Xavier Roth) </a:t>
+            </a:r>
+            <a:r>
+              <a:rPr lang="zh-CN" altLang="en-US" sz="1100" b="0" i="0" dirty="0">
+                <a:effectLst/>
+              </a:rPr>
+              <a:t>首次在这家歌剧制作中担任音乐总监，他以历史渊博的表演实践和不寻常的节目组合而闻名，并经常受到顶级管弦乐队的邀请。克劳斯</a:t>
+            </a:r>
+            <a:r>
+              <a:rPr lang="en-US" altLang="zh-CN" sz="1100" b="0" i="0" dirty="0">
+                <a:effectLst/>
+              </a:rPr>
+              <a:t>·</a:t>
+            </a:r>
+            <a:r>
+              <a:rPr lang="zh-CN" altLang="en-US" sz="1100" b="0" i="0" dirty="0">
+                <a:effectLst/>
+              </a:rPr>
+              <a:t>弗洛里安</a:t>
+            </a:r>
+            <a:r>
+              <a:rPr lang="en-US" altLang="zh-CN" sz="1100" b="0" i="0" dirty="0">
+                <a:effectLst/>
+              </a:rPr>
+              <a:t>·</a:t>
+            </a:r>
+            <a:r>
+              <a:rPr lang="zh-CN" altLang="en-US" sz="1100" b="0" i="0" dirty="0">
+                <a:effectLst/>
+              </a:rPr>
+              <a:t>福格特 </a:t>
+            </a:r>
+            <a:r>
+              <a:rPr lang="en-US" altLang="zh-CN" sz="1100" b="0" i="0" dirty="0">
+                <a:effectLst/>
+              </a:rPr>
+              <a:t>(Klaus Florian Vogt) </a:t>
+            </a:r>
+            <a:r>
+              <a:rPr lang="zh-CN" altLang="en-US" sz="1100" b="0" i="0" dirty="0">
+                <a:effectLst/>
+              </a:rPr>
+              <a:t>演唱主角，约翰尼</a:t>
+            </a:r>
+            <a:r>
+              <a:rPr lang="en-US" altLang="zh-CN" sz="1100" b="0" i="0" dirty="0">
+                <a:effectLst/>
+              </a:rPr>
+              <a:t>·</a:t>
+            </a:r>
+            <a:r>
+              <a:rPr lang="zh-CN" altLang="en-US" sz="1100" b="0" i="0" dirty="0">
+                <a:effectLst/>
+              </a:rPr>
+              <a:t>范</a:t>
+            </a:r>
+            <a:r>
+              <a:rPr lang="en-US" altLang="zh-CN" sz="1100" b="0" i="0" dirty="0">
+                <a:effectLst/>
+              </a:rPr>
+              <a:t>·</a:t>
+            </a:r>
+            <a:r>
+              <a:rPr lang="zh-CN" altLang="en-US" sz="1100" b="0" i="0" dirty="0">
+                <a:effectLst/>
+              </a:rPr>
+              <a:t>奥斯特鲁姆 </a:t>
+            </a:r>
+            <a:r>
+              <a:rPr lang="en-US" altLang="zh-CN" sz="1100" b="0" i="0" dirty="0">
+                <a:effectLst/>
+              </a:rPr>
+              <a:t>(</a:t>
+            </a:r>
+            <a:r>
+              <a:rPr lang="en-US" altLang="zh-CN" sz="1100" b="0" i="0" dirty="0" err="1">
+                <a:effectLst/>
+              </a:rPr>
+              <a:t>Johanni</a:t>
+            </a:r>
+            <a:r>
+              <a:rPr lang="en-US" altLang="zh-CN" sz="1100" b="0" i="0" dirty="0">
+                <a:effectLst/>
+              </a:rPr>
+              <a:t> van </a:t>
+            </a:r>
+            <a:r>
+              <a:rPr lang="en-US" altLang="zh-CN" sz="1100" b="0" i="0" dirty="0" err="1">
+                <a:effectLst/>
+              </a:rPr>
+              <a:t>Oostrum</a:t>
+            </a:r>
+            <a:r>
+              <a:rPr lang="en-US" altLang="zh-CN" sz="1100" b="0" i="0" dirty="0">
+                <a:effectLst/>
+              </a:rPr>
+              <a:t>) </a:t>
+            </a:r>
+            <a:r>
+              <a:rPr lang="zh-CN" altLang="en-US" sz="1100" b="0" i="0" dirty="0">
+                <a:effectLst/>
+              </a:rPr>
+              <a:t>将演唱艾尔莎 </a:t>
+            </a:r>
+            <a:r>
+              <a:rPr lang="en-US" altLang="zh-CN" sz="1100" b="0" i="0" dirty="0">
+                <a:effectLst/>
+              </a:rPr>
+              <a:t>(Elsa)</a:t>
+            </a:r>
+            <a:r>
+              <a:rPr lang="zh-CN" altLang="en-US" sz="1100" b="0" i="0" dirty="0">
+                <a:effectLst/>
+              </a:rPr>
+              <a:t>。</a:t>
+            </a:r>
+            <a:endParaRPr lang="en-US" altLang="zh-CN" sz="1100" b="0" i="0" dirty="0">
+              <a:effectLst/>
+            </a:endParaRPr>
+          </a:p>
+          <a:p>
+            <a:pPr indent="-228600" defTabSz="914400">
+              <a:lnSpc>
+                <a:spcPct val="90000"/>
+              </a:lnSpc>
+              <a:spcAft>
+                <a:spcPts val="600"/>
+              </a:spcAft>
+              <a:buFont typeface="Arial" panose="020B0604020202020204" pitchFamily="34" charset="0"/>
+              <a:buChar char="•"/>
+            </a:pPr>
+            <a:endParaRPr lang="en-US" altLang="zh-CN" sz="1100" dirty="0"/>
+          </a:p>
+          <a:p>
+            <a:pPr indent="-228600" defTabSz="914400">
+              <a:lnSpc>
+                <a:spcPct val="90000"/>
+              </a:lnSpc>
+              <a:spcAft>
+                <a:spcPts val="600"/>
+              </a:spcAft>
+              <a:buFont typeface="Arial" panose="020B0604020202020204" pitchFamily="34" charset="0"/>
+              <a:buChar char="•"/>
+            </a:pPr>
+            <a:r>
+              <a:rPr lang="en-US" sz="1100" b="0" i="0" dirty="0">
+                <a:effectLst/>
+              </a:rPr>
+              <a:t>Ein </a:t>
+            </a:r>
+            <a:r>
+              <a:rPr lang="en-US" sz="1100" b="0" i="0" dirty="0" err="1">
+                <a:effectLst/>
+              </a:rPr>
+              <a:t>kleiner</a:t>
+            </a:r>
+            <a:r>
+              <a:rPr lang="en-US" sz="1100" b="0" i="0" dirty="0">
+                <a:effectLst/>
+              </a:rPr>
+              <a:t> </a:t>
+            </a:r>
+            <a:r>
+              <a:rPr lang="en-US" sz="1100" b="0" i="0" dirty="0" err="1">
+                <a:effectLst/>
+              </a:rPr>
+              <a:t>Junge</a:t>
+            </a:r>
+            <a:r>
+              <a:rPr lang="en-US" sz="1100" b="0" i="0" dirty="0">
+                <a:effectLst/>
+              </a:rPr>
+              <a:t> </a:t>
+            </a:r>
+            <a:r>
+              <a:rPr lang="en-US" sz="1100" b="0" i="0" dirty="0" err="1">
+                <a:effectLst/>
+              </a:rPr>
+              <a:t>ist</a:t>
+            </a:r>
+            <a:r>
+              <a:rPr lang="en-US" sz="1100" b="0" i="0" dirty="0">
+                <a:effectLst/>
+              </a:rPr>
+              <a:t> </a:t>
+            </a:r>
+            <a:r>
+              <a:rPr lang="en-US" sz="1100" b="0" i="0" dirty="0" err="1">
+                <a:effectLst/>
+              </a:rPr>
+              <a:t>verschwunden</a:t>
+            </a:r>
+            <a:r>
+              <a:rPr lang="en-US" sz="1100" b="0" i="0" dirty="0">
+                <a:effectLst/>
+              </a:rPr>
+              <a:t>, der </a:t>
+            </a:r>
+            <a:r>
+              <a:rPr lang="en-US" sz="1100" b="0" i="0" dirty="0" err="1">
+                <a:effectLst/>
+              </a:rPr>
+              <a:t>Thronfolger</a:t>
+            </a:r>
+            <a:r>
+              <a:rPr lang="en-US" sz="1100" b="0" i="0" dirty="0">
+                <a:effectLst/>
+              </a:rPr>
+              <a:t> </a:t>
+            </a:r>
+            <a:r>
+              <a:rPr lang="en-US" sz="1100" b="0" i="0" dirty="0" err="1">
+                <a:effectLst/>
+              </a:rPr>
+              <a:t>eines</a:t>
+            </a:r>
+            <a:r>
+              <a:rPr lang="en-US" sz="1100" b="0" i="0" dirty="0">
+                <a:effectLst/>
+              </a:rPr>
+              <a:t> </a:t>
+            </a:r>
+            <a:r>
+              <a:rPr lang="en-US" sz="1100" b="0" i="0" dirty="0" err="1">
+                <a:effectLst/>
+              </a:rPr>
+              <a:t>alten</a:t>
+            </a:r>
+            <a:r>
+              <a:rPr lang="en-US" sz="1100" b="0" i="0" dirty="0">
+                <a:effectLst/>
+              </a:rPr>
+              <a:t> </a:t>
+            </a:r>
+            <a:r>
+              <a:rPr lang="en-US" sz="1100" b="0" i="0" dirty="0" err="1">
+                <a:effectLst/>
+              </a:rPr>
+              <a:t>Reiches</a:t>
+            </a:r>
+            <a:r>
+              <a:rPr lang="en-US" sz="1100" b="0" i="0" dirty="0">
+                <a:effectLst/>
+              </a:rPr>
+              <a:t>. Die </a:t>
+            </a:r>
+            <a:r>
+              <a:rPr lang="en-US" sz="1100" b="0" i="0" dirty="0" err="1">
+                <a:effectLst/>
+              </a:rPr>
+              <a:t>Schwester</a:t>
+            </a:r>
+            <a:r>
+              <a:rPr lang="en-US" sz="1100" b="0" i="0" dirty="0">
+                <a:effectLst/>
+              </a:rPr>
+              <a:t> </a:t>
+            </a:r>
+            <a:r>
+              <a:rPr lang="en-US" sz="1100" b="0" i="0" dirty="0" err="1">
+                <a:effectLst/>
+              </a:rPr>
+              <a:t>wird</a:t>
+            </a:r>
+            <a:r>
+              <a:rPr lang="en-US" sz="1100" b="0" i="0" dirty="0">
+                <a:effectLst/>
+              </a:rPr>
+              <a:t> seines </a:t>
+            </a:r>
+            <a:r>
+              <a:rPr lang="en-US" sz="1100" b="0" i="0" dirty="0" err="1">
+                <a:effectLst/>
+              </a:rPr>
+              <a:t>Todes</a:t>
+            </a:r>
+            <a:r>
+              <a:rPr lang="en-US" sz="1100" b="0" i="0" dirty="0">
+                <a:effectLst/>
+              </a:rPr>
+              <a:t> </a:t>
+            </a:r>
+            <a:r>
+              <a:rPr lang="en-US" sz="1100" b="0" i="0" dirty="0" err="1">
+                <a:effectLst/>
+              </a:rPr>
+              <a:t>beschuldigt</a:t>
+            </a:r>
+            <a:r>
+              <a:rPr lang="en-US" sz="1100" b="0" i="0" dirty="0">
+                <a:effectLst/>
+              </a:rPr>
+              <a:t>. </a:t>
+            </a:r>
+            <a:r>
+              <a:rPr lang="en-US" sz="1100" b="0" i="0" dirty="0" err="1">
+                <a:effectLst/>
+              </a:rPr>
+              <a:t>Statt</a:t>
+            </a:r>
+            <a:r>
+              <a:rPr lang="en-US" sz="1100" b="0" i="0" dirty="0">
+                <a:effectLst/>
+              </a:rPr>
+              <a:t> </a:t>
+            </a:r>
+            <a:r>
+              <a:rPr lang="en-US" sz="1100" b="0" i="0" dirty="0" err="1">
+                <a:effectLst/>
+              </a:rPr>
+              <a:t>sich</a:t>
+            </a:r>
+            <a:r>
+              <a:rPr lang="en-US" sz="1100" b="0" i="0" dirty="0">
+                <a:effectLst/>
+              </a:rPr>
+              <a:t> </a:t>
+            </a:r>
+            <a:r>
+              <a:rPr lang="en-US" sz="1100" b="0" i="0" dirty="0" err="1">
+                <a:effectLst/>
+              </a:rPr>
+              <a:t>zu</a:t>
+            </a:r>
+            <a:r>
+              <a:rPr lang="en-US" sz="1100" b="0" i="0" dirty="0">
+                <a:effectLst/>
+              </a:rPr>
+              <a:t> </a:t>
+            </a:r>
+            <a:r>
+              <a:rPr lang="en-US" sz="1100" b="0" i="0" dirty="0" err="1">
+                <a:effectLst/>
+              </a:rPr>
+              <a:t>verteidigen</a:t>
+            </a:r>
+            <a:r>
+              <a:rPr lang="en-US" sz="1100" b="0" i="0" dirty="0">
+                <a:effectLst/>
+              </a:rPr>
+              <a:t>, </a:t>
+            </a:r>
+            <a:r>
+              <a:rPr lang="en-US" sz="1100" b="0" i="0" dirty="0" err="1">
+                <a:effectLst/>
+              </a:rPr>
+              <a:t>ruft</a:t>
+            </a:r>
+            <a:r>
+              <a:rPr lang="en-US" sz="1100" b="0" i="0" dirty="0">
+                <a:effectLst/>
+              </a:rPr>
+              <a:t> </a:t>
+            </a:r>
+            <a:r>
+              <a:rPr lang="en-US" sz="1100" b="0" i="0" dirty="0" err="1">
+                <a:effectLst/>
+              </a:rPr>
+              <a:t>sie</a:t>
+            </a:r>
+            <a:r>
+              <a:rPr lang="en-US" sz="1100" b="0" i="0" dirty="0">
+                <a:effectLst/>
+              </a:rPr>
+              <a:t> </a:t>
+            </a:r>
+            <a:r>
+              <a:rPr lang="en-US" sz="1100" b="0" i="0" dirty="0" err="1">
+                <a:effectLst/>
+              </a:rPr>
+              <a:t>eine</a:t>
+            </a:r>
+            <a:r>
+              <a:rPr lang="en-US" sz="1100" b="0" i="0" dirty="0">
+                <a:effectLst/>
+              </a:rPr>
+              <a:t> </a:t>
+            </a:r>
+            <a:r>
+              <a:rPr lang="en-US" sz="1100" b="0" i="0" dirty="0" err="1">
+                <a:effectLst/>
+              </a:rPr>
+              <a:t>Traumgestalt</a:t>
+            </a:r>
+            <a:r>
+              <a:rPr lang="en-US" sz="1100" b="0" i="0" dirty="0">
+                <a:effectLst/>
+              </a:rPr>
+              <a:t> an, </a:t>
+            </a:r>
+            <a:r>
+              <a:rPr lang="en-US" sz="1100" b="0" i="0" dirty="0" err="1">
+                <a:effectLst/>
+              </a:rPr>
+              <a:t>ihr</a:t>
+            </a:r>
+            <a:r>
+              <a:rPr lang="en-US" sz="1100" b="0" i="0" dirty="0">
+                <a:effectLst/>
+              </a:rPr>
+              <a:t> zur </a:t>
+            </a:r>
+            <a:r>
+              <a:rPr lang="en-US" sz="1100" b="0" i="0" dirty="0" err="1">
+                <a:effectLst/>
+              </a:rPr>
+              <a:t>Seite</a:t>
+            </a:r>
+            <a:r>
+              <a:rPr lang="en-US" sz="1100" b="0" i="0" dirty="0">
+                <a:effectLst/>
+              </a:rPr>
+              <a:t> </a:t>
+            </a:r>
+            <a:r>
+              <a:rPr lang="en-US" sz="1100" b="0" i="0" dirty="0" err="1">
+                <a:effectLst/>
+              </a:rPr>
+              <a:t>zu</a:t>
+            </a:r>
+            <a:r>
+              <a:rPr lang="en-US" sz="1100" b="0" i="0" dirty="0">
+                <a:effectLst/>
+              </a:rPr>
+              <a:t> </a:t>
+            </a:r>
+            <a:r>
+              <a:rPr lang="en-US" sz="1100" b="0" i="0" dirty="0" err="1">
+                <a:effectLst/>
+              </a:rPr>
+              <a:t>stehen</a:t>
+            </a:r>
+            <a:r>
+              <a:rPr lang="en-US" sz="1100" b="0" i="0" dirty="0">
+                <a:effectLst/>
+              </a:rPr>
+              <a:t>. Und </a:t>
+            </a:r>
+            <a:r>
+              <a:rPr lang="en-US" sz="1100" b="0" i="0" dirty="0" err="1">
+                <a:effectLst/>
+              </a:rPr>
+              <a:t>ihr</a:t>
+            </a:r>
+            <a:r>
+              <a:rPr lang="en-US" sz="1100" b="0" i="0" dirty="0">
+                <a:effectLst/>
+              </a:rPr>
+              <a:t> Ritter, er </a:t>
+            </a:r>
+            <a:r>
+              <a:rPr lang="en-US" sz="1100" b="0" i="0" dirty="0" err="1">
+                <a:effectLst/>
+              </a:rPr>
+              <a:t>kommt</a:t>
+            </a:r>
+            <a:r>
+              <a:rPr lang="en-US" sz="1100" b="0" i="0" dirty="0">
+                <a:effectLst/>
+              </a:rPr>
+              <a:t> </a:t>
+            </a:r>
+            <a:r>
+              <a:rPr lang="en-US" sz="1100" b="0" i="0" dirty="0" err="1">
+                <a:effectLst/>
+              </a:rPr>
+              <a:t>tatsächlich</a:t>
+            </a:r>
+            <a:r>
+              <a:rPr lang="en-US" sz="1100" b="0" i="0" dirty="0">
+                <a:effectLst/>
+              </a:rPr>
+              <a:t>, </a:t>
+            </a:r>
+            <a:r>
+              <a:rPr lang="en-US" sz="1100" b="0" i="0" dirty="0" err="1">
+                <a:effectLst/>
+              </a:rPr>
+              <a:t>gewinnt</a:t>
+            </a:r>
+            <a:r>
+              <a:rPr lang="en-US" sz="1100" b="0" i="0" dirty="0">
+                <a:effectLst/>
+              </a:rPr>
+              <a:t> </a:t>
+            </a:r>
+            <a:r>
+              <a:rPr lang="en-US" sz="1100" b="0" i="0" dirty="0" err="1">
+                <a:effectLst/>
+              </a:rPr>
+              <a:t>ihre</a:t>
+            </a:r>
+            <a:r>
+              <a:rPr lang="en-US" sz="1100" b="0" i="0" dirty="0">
+                <a:effectLst/>
+              </a:rPr>
+              <a:t> </a:t>
+            </a:r>
+            <a:r>
+              <a:rPr lang="en-US" sz="1100" b="0" i="0" dirty="0" err="1">
+                <a:effectLst/>
+              </a:rPr>
+              <a:t>Sache</a:t>
+            </a:r>
+            <a:r>
+              <a:rPr lang="en-US" sz="1100" b="0" i="0" dirty="0">
+                <a:effectLst/>
+              </a:rPr>
+              <a:t> und </a:t>
+            </a:r>
+            <a:r>
+              <a:rPr lang="en-US" sz="1100" b="0" i="0" dirty="0" err="1">
+                <a:effectLst/>
+              </a:rPr>
+              <a:t>ihr</a:t>
+            </a:r>
+            <a:r>
+              <a:rPr lang="en-US" sz="1100" b="0" i="0" dirty="0">
+                <a:effectLst/>
+              </a:rPr>
+              <a:t> </a:t>
+            </a:r>
+            <a:r>
+              <a:rPr lang="en-US" sz="1100" b="0" i="0" dirty="0" err="1">
+                <a:effectLst/>
+              </a:rPr>
+              <a:t>Herz</a:t>
+            </a:r>
+            <a:r>
+              <a:rPr lang="en-US" sz="1100" b="0" i="0" dirty="0">
+                <a:effectLst/>
+              </a:rPr>
+              <a:t>. Nur </a:t>
+            </a:r>
+            <a:r>
+              <a:rPr lang="en-US" sz="1100" b="0" i="0" dirty="0" err="1">
+                <a:effectLst/>
+              </a:rPr>
+              <a:t>wer</a:t>
+            </a:r>
+            <a:r>
+              <a:rPr lang="en-US" sz="1100" b="0" i="0" dirty="0">
+                <a:effectLst/>
+              </a:rPr>
+              <a:t> er </a:t>
+            </a:r>
+            <a:r>
+              <a:rPr lang="en-US" sz="1100" b="0" i="0" dirty="0" err="1">
+                <a:effectLst/>
+              </a:rPr>
+              <a:t>eigentlich</a:t>
+            </a:r>
+            <a:r>
+              <a:rPr lang="en-US" sz="1100" b="0" i="0" dirty="0">
+                <a:effectLst/>
+              </a:rPr>
+              <a:t> sei, das </a:t>
+            </a:r>
+            <a:r>
+              <a:rPr lang="en-US" sz="1100" b="0" i="0" dirty="0" err="1">
+                <a:effectLst/>
+              </a:rPr>
+              <a:t>soll</a:t>
+            </a:r>
+            <a:r>
+              <a:rPr lang="en-US" sz="1100" b="0" i="0" dirty="0">
+                <a:effectLst/>
+              </a:rPr>
+              <a:t> </a:t>
+            </a:r>
+            <a:r>
+              <a:rPr lang="en-US" sz="1100" b="0" i="0" dirty="0" err="1">
+                <a:effectLst/>
+              </a:rPr>
+              <a:t>sie</a:t>
+            </a:r>
+            <a:r>
+              <a:rPr lang="en-US" sz="1100" b="0" i="0" dirty="0">
+                <a:effectLst/>
+              </a:rPr>
+              <a:t> </a:t>
+            </a:r>
+            <a:r>
+              <a:rPr lang="en-US" sz="1100" b="0" i="0" dirty="0" err="1">
+                <a:effectLst/>
+              </a:rPr>
+              <a:t>nie</a:t>
+            </a:r>
+            <a:r>
+              <a:rPr lang="en-US" sz="1100" b="0" i="0" dirty="0">
+                <a:effectLst/>
+              </a:rPr>
+              <a:t> </a:t>
+            </a:r>
+            <a:r>
+              <a:rPr lang="en-US" sz="1100" b="0" i="0" dirty="0" err="1">
+                <a:effectLst/>
+              </a:rPr>
+              <a:t>fragen</a:t>
+            </a:r>
+            <a:r>
+              <a:rPr lang="en-US" sz="1100" b="0" i="0" dirty="0">
+                <a:effectLst/>
+              </a:rPr>
+              <a:t>. Elsa und Lohengrin </a:t>
+            </a:r>
+            <a:r>
+              <a:rPr lang="en-US" sz="1100" b="0" i="0" dirty="0" err="1">
+                <a:effectLst/>
+              </a:rPr>
+              <a:t>könnten</a:t>
+            </a:r>
+            <a:r>
+              <a:rPr lang="en-US" sz="1100" b="0" i="0" dirty="0">
+                <a:effectLst/>
+              </a:rPr>
+              <a:t> nun </a:t>
+            </a:r>
+            <a:r>
+              <a:rPr lang="en-US" sz="1100" b="0" i="0" dirty="0" err="1">
+                <a:effectLst/>
+              </a:rPr>
+              <a:t>ein</a:t>
+            </a:r>
+            <a:r>
+              <a:rPr lang="en-US" sz="1100" b="0" i="0" dirty="0">
+                <a:effectLst/>
+              </a:rPr>
+              <a:t> </a:t>
+            </a:r>
+            <a:r>
+              <a:rPr lang="en-US" sz="1100" b="0" i="0" dirty="0" err="1">
+                <a:effectLst/>
+              </a:rPr>
+              <a:t>glückliches</a:t>
+            </a:r>
+            <a:r>
+              <a:rPr lang="en-US" sz="1100" b="0" i="0" dirty="0">
+                <a:effectLst/>
+              </a:rPr>
+              <a:t> </a:t>
+            </a:r>
+            <a:r>
+              <a:rPr lang="en-US" sz="1100" b="0" i="0" dirty="0" err="1">
+                <a:effectLst/>
+              </a:rPr>
+              <a:t>Herrscherpaar</a:t>
+            </a:r>
+            <a:r>
+              <a:rPr lang="en-US" sz="1100" b="0" i="0" dirty="0">
+                <a:effectLst/>
+              </a:rPr>
+              <a:t> sein. </a:t>
+            </a:r>
+            <a:r>
+              <a:rPr lang="en-US" sz="1100" b="0" i="0" dirty="0" err="1">
+                <a:effectLst/>
+              </a:rPr>
+              <a:t>Doch</a:t>
+            </a:r>
+            <a:r>
+              <a:rPr lang="en-US" sz="1100" b="0" i="0" dirty="0">
+                <a:effectLst/>
+              </a:rPr>
+              <a:t> das </a:t>
+            </a:r>
+            <a:r>
+              <a:rPr lang="en-US" sz="1100" b="0" i="0" dirty="0" err="1">
+                <a:effectLst/>
+              </a:rPr>
+              <a:t>Frageverbot</a:t>
+            </a:r>
+            <a:r>
+              <a:rPr lang="en-US" sz="1100" b="0" i="0" dirty="0">
+                <a:effectLst/>
+              </a:rPr>
+              <a:t> </a:t>
+            </a:r>
+            <a:r>
+              <a:rPr lang="en-US" sz="1100" b="0" i="0" dirty="0" err="1">
+                <a:effectLst/>
+              </a:rPr>
+              <a:t>steht</a:t>
+            </a:r>
+            <a:r>
+              <a:rPr lang="en-US" sz="1100" b="0" i="0" dirty="0">
+                <a:effectLst/>
+              </a:rPr>
+              <a:t> dem </a:t>
+            </a:r>
+            <a:r>
+              <a:rPr lang="en-US" sz="1100" b="0" i="0" dirty="0" err="1">
+                <a:effectLst/>
+              </a:rPr>
+              <a:t>Erkenntnisdrang</a:t>
+            </a:r>
+            <a:r>
+              <a:rPr lang="en-US" sz="1100" b="0" i="0" dirty="0">
+                <a:effectLst/>
+              </a:rPr>
+              <a:t> </a:t>
+            </a:r>
+            <a:r>
+              <a:rPr lang="en-US" sz="1100" b="0" i="0" dirty="0" err="1">
+                <a:effectLst/>
+              </a:rPr>
+              <a:t>entgegen</a:t>
+            </a:r>
+            <a:r>
+              <a:rPr lang="en-US" sz="1100" b="0" i="0" dirty="0">
+                <a:effectLst/>
+              </a:rPr>
+              <a:t>, dem </a:t>
+            </a:r>
+            <a:r>
+              <a:rPr lang="en-US" sz="1100" b="0" i="0" dirty="0" err="1">
+                <a:effectLst/>
+              </a:rPr>
+              <a:t>romantischen</a:t>
+            </a:r>
+            <a:r>
+              <a:rPr lang="en-US" sz="1100" b="0" i="0" dirty="0">
+                <a:effectLst/>
+              </a:rPr>
+              <a:t> </a:t>
+            </a:r>
+            <a:r>
+              <a:rPr lang="en-US" sz="1100" b="0" i="0" dirty="0" err="1">
+                <a:effectLst/>
+              </a:rPr>
+              <a:t>Wunder</a:t>
+            </a:r>
+            <a:r>
+              <a:rPr lang="en-US" sz="1100" b="0" i="0" dirty="0">
+                <a:effectLst/>
+              </a:rPr>
+              <a:t> </a:t>
+            </a:r>
+            <a:r>
+              <a:rPr lang="en-US" sz="1100" b="0" i="0" dirty="0" err="1">
+                <a:effectLst/>
+              </a:rPr>
+              <a:t>widersetzt</a:t>
+            </a:r>
+            <a:r>
+              <a:rPr lang="en-US" sz="1100" b="0" i="0" dirty="0">
+                <a:effectLst/>
+              </a:rPr>
+              <a:t> </a:t>
+            </a:r>
+            <a:r>
+              <a:rPr lang="en-US" sz="1100" b="0" i="0" dirty="0" err="1">
+                <a:effectLst/>
+              </a:rPr>
+              <a:t>sich</a:t>
+            </a:r>
+            <a:r>
+              <a:rPr lang="en-US" sz="1100" b="0" i="0" dirty="0">
+                <a:effectLst/>
+              </a:rPr>
+              <a:t> das </a:t>
+            </a:r>
+            <a:r>
+              <a:rPr lang="en-US" sz="1100" b="0" i="0" dirty="0" err="1">
+                <a:effectLst/>
+              </a:rPr>
+              <a:t>Wissenwollen</a:t>
+            </a:r>
+            <a:r>
+              <a:rPr lang="en-US" sz="1100" b="0" i="0" dirty="0">
+                <a:effectLst/>
+              </a:rPr>
+              <a:t>, Aufklärung </a:t>
+            </a:r>
+            <a:r>
+              <a:rPr lang="en-US" sz="1100" b="0" i="0" dirty="0" err="1">
+                <a:effectLst/>
+              </a:rPr>
+              <a:t>verträgt</a:t>
+            </a:r>
+            <a:r>
+              <a:rPr lang="en-US" sz="1100" b="0" i="0" dirty="0">
+                <a:effectLst/>
+              </a:rPr>
+              <a:t> </a:t>
+            </a:r>
+            <a:r>
+              <a:rPr lang="en-US" sz="1100" b="0" i="0" dirty="0" err="1">
+                <a:effectLst/>
+              </a:rPr>
+              <a:t>sich</a:t>
+            </a:r>
+            <a:r>
+              <a:rPr lang="en-US" sz="1100" b="0" i="0" dirty="0">
+                <a:effectLst/>
+              </a:rPr>
+              <a:t> </a:t>
+            </a:r>
+            <a:r>
+              <a:rPr lang="en-US" sz="1100" b="0" i="0" dirty="0" err="1">
+                <a:effectLst/>
+              </a:rPr>
+              <a:t>nicht</a:t>
+            </a:r>
+            <a:r>
+              <a:rPr lang="en-US" sz="1100" b="0" i="0" dirty="0">
+                <a:effectLst/>
+              </a:rPr>
+              <a:t> </a:t>
+            </a:r>
+            <a:r>
+              <a:rPr lang="en-US" sz="1100" b="0" i="0" dirty="0" err="1">
+                <a:effectLst/>
+              </a:rPr>
+              <a:t>mit</a:t>
+            </a:r>
+            <a:r>
+              <a:rPr lang="en-US" sz="1100" b="0" i="0" dirty="0">
+                <a:effectLst/>
+              </a:rPr>
+              <a:t> </a:t>
+            </a:r>
+            <a:r>
+              <a:rPr lang="en-US" sz="1100" b="0" i="0" dirty="0" err="1">
+                <a:effectLst/>
+              </a:rPr>
+              <a:t>blindem</a:t>
+            </a:r>
+            <a:r>
+              <a:rPr lang="en-US" sz="1100" b="0" i="0" dirty="0">
+                <a:effectLst/>
+              </a:rPr>
+              <a:t> </a:t>
+            </a:r>
+            <a:r>
+              <a:rPr lang="en-US" sz="1100" b="0" i="0" dirty="0" err="1">
+                <a:effectLst/>
+              </a:rPr>
+              <a:t>Glauben</a:t>
+            </a:r>
+            <a:r>
+              <a:rPr lang="en-US" sz="1100" b="0" i="0" dirty="0">
+                <a:effectLst/>
+              </a:rPr>
+              <a:t>. Die </a:t>
+            </a:r>
+            <a:r>
+              <a:rPr lang="en-US" sz="1100" b="0" i="0" dirty="0" err="1">
+                <a:effectLst/>
+              </a:rPr>
+              <a:t>Zweifel</a:t>
+            </a:r>
+            <a:r>
+              <a:rPr lang="en-US" sz="1100" b="0" i="0" dirty="0">
+                <a:effectLst/>
+              </a:rPr>
+              <a:t>, die </a:t>
+            </a:r>
+            <a:r>
+              <a:rPr lang="en-US" sz="1100" b="0" i="0" dirty="0" err="1">
+                <a:effectLst/>
+              </a:rPr>
+              <a:t>ihre</a:t>
+            </a:r>
+            <a:r>
+              <a:rPr lang="en-US" sz="1100" b="0" i="0" dirty="0">
+                <a:effectLst/>
+              </a:rPr>
+              <a:t> </a:t>
+            </a:r>
+            <a:r>
+              <a:rPr lang="en-US" sz="1100" b="0" i="0" dirty="0" err="1">
+                <a:effectLst/>
+              </a:rPr>
+              <a:t>Widersacher</a:t>
+            </a:r>
+            <a:r>
+              <a:rPr lang="en-US" sz="1100" b="0" i="0" dirty="0">
+                <a:effectLst/>
+              </a:rPr>
+              <a:t> in Elsa </a:t>
+            </a:r>
+            <a:r>
+              <a:rPr lang="en-US" sz="1100" b="0" i="0" dirty="0" err="1">
+                <a:effectLst/>
+              </a:rPr>
+              <a:t>wachrufen</a:t>
+            </a:r>
+            <a:r>
+              <a:rPr lang="en-US" sz="1100" b="0" i="0" dirty="0">
+                <a:effectLst/>
+              </a:rPr>
+              <a:t> – </a:t>
+            </a:r>
+            <a:r>
+              <a:rPr lang="en-US" sz="1100" b="0" i="0" dirty="0" err="1">
+                <a:effectLst/>
+              </a:rPr>
+              <a:t>Ortrud</a:t>
+            </a:r>
+            <a:r>
+              <a:rPr lang="en-US" sz="1100" b="0" i="0" dirty="0">
+                <a:effectLst/>
+              </a:rPr>
+              <a:t>, die den </a:t>
+            </a:r>
+            <a:r>
+              <a:rPr lang="en-US" sz="1100" b="0" i="0" dirty="0" err="1">
+                <a:effectLst/>
+              </a:rPr>
+              <a:t>alten</a:t>
+            </a:r>
+            <a:r>
+              <a:rPr lang="en-US" sz="1100" b="0" i="0" dirty="0">
+                <a:effectLst/>
+              </a:rPr>
+              <a:t> </a:t>
+            </a:r>
+            <a:r>
+              <a:rPr lang="en-US" sz="1100" b="0" i="0" dirty="0" err="1">
+                <a:effectLst/>
+              </a:rPr>
+              <a:t>Göttern</a:t>
+            </a:r>
+            <a:r>
+              <a:rPr lang="en-US" sz="1100" b="0" i="0" dirty="0">
+                <a:effectLst/>
+              </a:rPr>
+              <a:t> </a:t>
+            </a:r>
+            <a:r>
+              <a:rPr lang="en-US" sz="1100" b="0" i="0" dirty="0" err="1">
+                <a:effectLst/>
+              </a:rPr>
+              <a:t>anhängt</a:t>
+            </a:r>
+            <a:r>
+              <a:rPr lang="en-US" sz="1100" b="0" i="0" dirty="0">
+                <a:effectLst/>
+              </a:rPr>
+              <a:t>, und </a:t>
+            </a:r>
+            <a:r>
+              <a:rPr lang="en-US" sz="1100" b="0" i="0" dirty="0" err="1">
+                <a:effectLst/>
+              </a:rPr>
+              <a:t>Telramund</a:t>
+            </a:r>
+            <a:r>
+              <a:rPr lang="en-US" sz="1100" b="0" i="0" dirty="0">
+                <a:effectLst/>
+              </a:rPr>
+              <a:t>, der seine </a:t>
+            </a:r>
+            <a:r>
+              <a:rPr lang="en-US" sz="1100" b="0" i="0" dirty="0" err="1">
+                <a:effectLst/>
+              </a:rPr>
+              <a:t>Ehre</a:t>
+            </a:r>
+            <a:r>
+              <a:rPr lang="en-US" sz="1100" b="0" i="0" dirty="0">
+                <a:effectLst/>
+              </a:rPr>
+              <a:t> </a:t>
+            </a:r>
+            <a:r>
+              <a:rPr lang="en-US" sz="1100" b="0" i="0" dirty="0" err="1">
+                <a:effectLst/>
+              </a:rPr>
+              <a:t>verloren</a:t>
+            </a:r>
+            <a:r>
+              <a:rPr lang="en-US" sz="1100" b="0" i="0" dirty="0">
+                <a:effectLst/>
+              </a:rPr>
+              <a:t> hat –, </a:t>
+            </a:r>
+            <a:r>
+              <a:rPr lang="en-US" sz="1100" b="0" i="0" dirty="0" err="1">
+                <a:effectLst/>
+              </a:rPr>
+              <a:t>sind</a:t>
+            </a:r>
+            <a:r>
+              <a:rPr lang="en-US" sz="1100" b="0" i="0" dirty="0">
+                <a:effectLst/>
+              </a:rPr>
+              <a:t> in </a:t>
+            </a:r>
+            <a:r>
+              <a:rPr lang="en-US" sz="1100" b="0" i="0" dirty="0" err="1">
+                <a:effectLst/>
+              </a:rPr>
+              <a:t>jedem</a:t>
+            </a:r>
+            <a:r>
+              <a:rPr lang="en-US" sz="1100" b="0" i="0" dirty="0">
+                <a:effectLst/>
+              </a:rPr>
+              <a:t> Menschen von </a:t>
+            </a:r>
+            <a:r>
+              <a:rPr lang="en-US" sz="1100" b="0" i="0" dirty="0" err="1">
+                <a:effectLst/>
+              </a:rPr>
+              <a:t>Natur</a:t>
+            </a:r>
+            <a:r>
+              <a:rPr lang="en-US" sz="1100" b="0" i="0" dirty="0">
+                <a:effectLst/>
+              </a:rPr>
+              <a:t> </a:t>
+            </a:r>
+            <a:r>
+              <a:rPr lang="en-US" sz="1100" b="0" i="0" dirty="0" err="1">
+                <a:effectLst/>
+              </a:rPr>
+              <a:t>aus</a:t>
+            </a:r>
+            <a:r>
+              <a:rPr lang="en-US" sz="1100" b="0" i="0" dirty="0">
+                <a:effectLst/>
+              </a:rPr>
+              <a:t> </a:t>
+            </a:r>
+            <a:r>
+              <a:rPr lang="en-US" sz="1100" b="0" i="0" dirty="0" err="1">
+                <a:effectLst/>
+              </a:rPr>
+              <a:t>gesät</a:t>
+            </a:r>
+            <a:r>
+              <a:rPr lang="en-US" sz="1100" b="0" i="0" dirty="0">
+                <a:effectLst/>
+              </a:rPr>
+              <a:t>. In </a:t>
+            </a:r>
+            <a:r>
+              <a:rPr lang="en-US" sz="1100" b="0" i="0" dirty="0" err="1">
+                <a:effectLst/>
+              </a:rPr>
+              <a:t>Wagners</a:t>
+            </a:r>
+            <a:r>
+              <a:rPr lang="en-US" sz="1100" b="0" i="0" dirty="0">
+                <a:effectLst/>
+              </a:rPr>
+              <a:t> </a:t>
+            </a:r>
+            <a:r>
+              <a:rPr lang="en-US" sz="1100" b="0" i="0" dirty="0" err="1">
+                <a:effectLst/>
+              </a:rPr>
+              <a:t>Musik</a:t>
+            </a:r>
+            <a:r>
+              <a:rPr lang="en-US" sz="1100" b="0" i="0" dirty="0">
+                <a:effectLst/>
+              </a:rPr>
+              <a:t> </a:t>
+            </a:r>
+            <a:r>
+              <a:rPr lang="en-US" sz="1100" b="0" i="0" dirty="0" err="1">
+                <a:effectLst/>
+              </a:rPr>
+              <a:t>gewinnt</a:t>
+            </a:r>
+            <a:r>
+              <a:rPr lang="en-US" sz="1100" b="0" i="0" dirty="0">
+                <a:effectLst/>
+              </a:rPr>
+              <a:t> das </a:t>
+            </a:r>
+            <a:r>
+              <a:rPr lang="en-US" sz="1100" b="0" i="0" dirty="0" err="1">
+                <a:effectLst/>
+              </a:rPr>
+              <a:t>Verführerische</a:t>
+            </a:r>
+            <a:r>
+              <a:rPr lang="en-US" sz="1100" b="0" i="0" dirty="0">
+                <a:effectLst/>
+              </a:rPr>
+              <a:t> </a:t>
+            </a:r>
+            <a:r>
+              <a:rPr lang="en-US" sz="1100" b="0" i="0" dirty="0" err="1">
+                <a:effectLst/>
+              </a:rPr>
+              <a:t>wie</a:t>
+            </a:r>
+            <a:r>
+              <a:rPr lang="en-US" sz="1100" b="0" i="0" dirty="0">
+                <a:effectLst/>
+              </a:rPr>
+              <a:t> das </a:t>
+            </a:r>
+            <a:r>
+              <a:rPr lang="en-US" sz="1100" b="0" i="0" dirty="0" err="1">
+                <a:effectLst/>
+              </a:rPr>
+              <a:t>Riskante</a:t>
+            </a:r>
+            <a:r>
+              <a:rPr lang="en-US" sz="1100" b="0" i="0" dirty="0">
+                <a:effectLst/>
+              </a:rPr>
+              <a:t> von Lohengrins Wunsch </a:t>
+            </a:r>
+            <a:r>
+              <a:rPr lang="en-US" sz="1100" b="0" i="0" dirty="0" err="1">
+                <a:effectLst/>
+              </a:rPr>
+              <a:t>Ausdruck</a:t>
+            </a:r>
+            <a:r>
+              <a:rPr lang="en-US" sz="1100" b="0" i="0" dirty="0">
+                <a:effectLst/>
+              </a:rPr>
+              <a:t>, der </a:t>
+            </a:r>
+            <a:r>
+              <a:rPr lang="en-US" sz="1100" b="0" i="0" dirty="0" err="1">
+                <a:effectLst/>
+              </a:rPr>
+              <a:t>sich</a:t>
+            </a:r>
+            <a:r>
+              <a:rPr lang="en-US" sz="1100" b="0" i="0" dirty="0">
+                <a:effectLst/>
+              </a:rPr>
+              <a:t> </a:t>
+            </a:r>
+            <a:r>
+              <a:rPr lang="en-US" sz="1100" b="0" i="0" dirty="0" err="1">
+                <a:effectLst/>
+              </a:rPr>
+              <a:t>eine</a:t>
+            </a:r>
+            <a:r>
+              <a:rPr lang="en-US" sz="1100" b="0" i="0" dirty="0">
+                <a:effectLst/>
+              </a:rPr>
+              <a:t> Liebe um seiner </a:t>
+            </a:r>
+            <a:r>
+              <a:rPr lang="en-US" sz="1100" b="0" i="0" dirty="0" err="1">
+                <a:effectLst/>
+              </a:rPr>
+              <a:t>selbst</a:t>
+            </a:r>
+            <a:r>
+              <a:rPr lang="en-US" sz="1100" b="0" i="0" dirty="0">
+                <a:effectLst/>
+              </a:rPr>
+              <a:t> </a:t>
+            </a:r>
+            <a:r>
+              <a:rPr lang="en-US" sz="1100" b="0" i="0" dirty="0" err="1">
+                <a:effectLst/>
+              </a:rPr>
+              <a:t>ersehnt</a:t>
+            </a:r>
+            <a:r>
+              <a:rPr lang="en-US" sz="1100" b="0" i="0" dirty="0">
+                <a:effectLst/>
+              </a:rPr>
+              <a:t>. Die </a:t>
+            </a:r>
+            <a:r>
+              <a:rPr lang="en-US" sz="1100" b="0" i="0" dirty="0" err="1">
+                <a:effectLst/>
+              </a:rPr>
+              <a:t>Neuinszenierung</a:t>
+            </a:r>
+            <a:r>
+              <a:rPr lang="en-US" sz="1100" b="0" i="0" dirty="0">
+                <a:effectLst/>
+              </a:rPr>
+              <a:t> von </a:t>
+            </a:r>
+            <a:r>
+              <a:rPr lang="en-US" sz="1100" b="0" i="0" dirty="0" err="1">
+                <a:effectLst/>
+              </a:rPr>
+              <a:t>Kornél</a:t>
+            </a:r>
+            <a:r>
+              <a:rPr lang="en-US" sz="1100" b="0" i="0" dirty="0">
+                <a:effectLst/>
+              </a:rPr>
+              <a:t> </a:t>
+            </a:r>
+            <a:r>
+              <a:rPr lang="en-US" sz="1100" b="0" i="0" dirty="0" err="1">
+                <a:effectLst/>
+              </a:rPr>
+              <a:t>Mundruczó</a:t>
+            </a:r>
+            <a:r>
+              <a:rPr lang="en-US" sz="1100" b="0" i="0" dirty="0">
+                <a:effectLst/>
+              </a:rPr>
+              <a:t> </a:t>
+            </a:r>
+            <a:r>
+              <a:rPr lang="en-US" sz="1100" b="0" i="0" dirty="0" err="1">
+                <a:effectLst/>
+              </a:rPr>
+              <a:t>forscht</a:t>
+            </a:r>
+            <a:r>
+              <a:rPr lang="en-US" sz="1100" b="0" i="0" dirty="0">
+                <a:effectLst/>
+              </a:rPr>
+              <a:t> dem </a:t>
+            </a:r>
+            <a:r>
+              <a:rPr lang="en-US" sz="1100" b="0" i="0" dirty="0" err="1">
+                <a:effectLst/>
+              </a:rPr>
+              <a:t>ambivalenten</a:t>
+            </a:r>
+            <a:r>
+              <a:rPr lang="en-US" sz="1100" b="0" i="0" dirty="0">
+                <a:effectLst/>
+              </a:rPr>
+              <a:t> Potential </a:t>
+            </a:r>
+            <a:r>
+              <a:rPr lang="en-US" sz="1100" b="0" i="0" dirty="0" err="1">
+                <a:effectLst/>
+              </a:rPr>
+              <a:t>nach</a:t>
+            </a:r>
+            <a:r>
+              <a:rPr lang="en-US" sz="1100" b="0" i="0" dirty="0">
+                <a:effectLst/>
+              </a:rPr>
+              <a:t>, das in dem </a:t>
+            </a:r>
+            <a:r>
+              <a:rPr lang="en-US" sz="1100" b="0" i="0" dirty="0" err="1">
+                <a:effectLst/>
+              </a:rPr>
+              <a:t>Entwurf</a:t>
+            </a:r>
+            <a:r>
+              <a:rPr lang="en-US" sz="1100" b="0" i="0" dirty="0">
+                <a:effectLst/>
+              </a:rPr>
+              <a:t> </a:t>
+            </a:r>
+            <a:r>
+              <a:rPr lang="en-US" sz="1100" b="0" i="0" dirty="0" err="1">
+                <a:effectLst/>
+              </a:rPr>
+              <a:t>eines</a:t>
+            </a:r>
+            <a:r>
+              <a:rPr lang="en-US" sz="1100" b="0" i="0" dirty="0">
+                <a:effectLst/>
+              </a:rPr>
+              <a:t> dem </a:t>
+            </a:r>
+            <a:r>
+              <a:rPr lang="en-US" sz="1100" b="0" i="0" dirty="0" err="1">
+                <a:effectLst/>
+              </a:rPr>
+              <a:t>Normalen</a:t>
+            </a:r>
+            <a:r>
+              <a:rPr lang="en-US" sz="1100" b="0" i="0" dirty="0">
+                <a:effectLst/>
+              </a:rPr>
+              <a:t> </a:t>
+            </a:r>
+            <a:r>
+              <a:rPr lang="en-US" sz="1100" b="0" i="0" dirty="0" err="1">
+                <a:effectLst/>
+              </a:rPr>
+              <a:t>überlegenen</a:t>
+            </a:r>
+            <a:r>
+              <a:rPr lang="en-US" sz="1100" b="0" i="0" dirty="0">
+                <a:effectLst/>
+              </a:rPr>
+              <a:t>, </a:t>
+            </a:r>
+            <a:r>
+              <a:rPr lang="en-US" sz="1100" b="0" i="0" dirty="0" err="1">
+                <a:effectLst/>
+              </a:rPr>
+              <a:t>mit</a:t>
+            </a:r>
+            <a:r>
+              <a:rPr lang="en-US" sz="1100" b="0" i="0" dirty="0">
+                <a:effectLst/>
+              </a:rPr>
+              <a:t> </a:t>
+            </a:r>
+            <a:r>
+              <a:rPr lang="en-US" sz="1100" b="0" i="0" dirty="0" err="1">
+                <a:effectLst/>
+              </a:rPr>
+              <a:t>überirdischen</a:t>
+            </a:r>
+            <a:r>
+              <a:rPr lang="en-US" sz="1100" b="0" i="0" dirty="0">
+                <a:effectLst/>
+              </a:rPr>
+              <a:t> </a:t>
+            </a:r>
+            <a:r>
+              <a:rPr lang="en-US" sz="1100" b="0" i="0" dirty="0" err="1">
+                <a:effectLst/>
+              </a:rPr>
+              <a:t>Kräften</a:t>
+            </a:r>
+            <a:r>
+              <a:rPr lang="en-US" sz="1100" b="0" i="0" dirty="0">
+                <a:effectLst/>
+              </a:rPr>
+              <a:t> </a:t>
+            </a:r>
+            <a:r>
+              <a:rPr lang="en-US" sz="1100" b="0" i="0" dirty="0" err="1">
+                <a:effectLst/>
+              </a:rPr>
+              <a:t>versehenen</a:t>
+            </a:r>
+            <a:r>
+              <a:rPr lang="en-US" sz="1100" b="0" i="0" dirty="0">
+                <a:effectLst/>
+              </a:rPr>
+              <a:t> Menschen </a:t>
+            </a:r>
+            <a:r>
+              <a:rPr lang="en-US" sz="1100" b="0" i="0" dirty="0" err="1">
+                <a:effectLst/>
+              </a:rPr>
+              <a:t>liegt</a:t>
+            </a:r>
+            <a:r>
+              <a:rPr lang="en-US" sz="1100" b="0" i="0" dirty="0">
+                <a:effectLst/>
+              </a:rPr>
+              <a:t>. Für </a:t>
+            </a:r>
+            <a:r>
+              <a:rPr lang="en-US" sz="1100" b="0" i="0" dirty="0" err="1">
+                <a:effectLst/>
+              </a:rPr>
+              <a:t>ihn</a:t>
+            </a:r>
+            <a:r>
+              <a:rPr lang="en-US" sz="1100" b="0" i="0" dirty="0">
+                <a:effectLst/>
+              </a:rPr>
+              <a:t> </a:t>
+            </a:r>
+            <a:r>
+              <a:rPr lang="en-US" sz="1100" b="0" i="0" dirty="0" err="1">
+                <a:effectLst/>
+              </a:rPr>
+              <a:t>ist</a:t>
+            </a:r>
+            <a:r>
+              <a:rPr lang="en-US" sz="1100" b="0" i="0" dirty="0">
+                <a:effectLst/>
+              </a:rPr>
+              <a:t> Lohengrin „die </a:t>
+            </a:r>
+            <a:r>
+              <a:rPr lang="en-US" sz="1100" b="0" i="0" dirty="0" err="1">
+                <a:effectLst/>
+              </a:rPr>
+              <a:t>provokanteste</a:t>
+            </a:r>
+            <a:r>
+              <a:rPr lang="en-US" sz="1100" b="0" i="0" dirty="0">
+                <a:effectLst/>
+              </a:rPr>
+              <a:t> inhumane </a:t>
+            </a:r>
+            <a:r>
+              <a:rPr lang="en-US" sz="1100" b="0" i="0" dirty="0" err="1">
+                <a:effectLst/>
+              </a:rPr>
+              <a:t>Figur</a:t>
+            </a:r>
+            <a:r>
+              <a:rPr lang="en-US" sz="1100" b="0" i="0" dirty="0">
+                <a:effectLst/>
+              </a:rPr>
+              <a:t> </a:t>
+            </a:r>
+            <a:r>
+              <a:rPr lang="en-US" sz="1100" b="0" i="0" dirty="0" err="1">
+                <a:effectLst/>
+              </a:rPr>
+              <a:t>im</a:t>
+            </a:r>
+            <a:r>
+              <a:rPr lang="en-US" sz="1100" b="0" i="0" dirty="0">
+                <a:effectLst/>
+              </a:rPr>
+              <a:t> </a:t>
+            </a:r>
+            <a:r>
+              <a:rPr lang="en-US" sz="1100" b="0" i="0" dirty="0" err="1">
+                <a:effectLst/>
+              </a:rPr>
+              <a:t>gesamten</a:t>
+            </a:r>
+            <a:r>
+              <a:rPr lang="en-US" sz="1100" b="0" i="0" dirty="0">
+                <a:effectLst/>
+              </a:rPr>
+              <a:t> </a:t>
+            </a:r>
+            <a:r>
+              <a:rPr lang="en-US" sz="1100" b="0" i="0" dirty="0" err="1">
+                <a:effectLst/>
+              </a:rPr>
+              <a:t>Opernkosmos</a:t>
+            </a:r>
+            <a:r>
+              <a:rPr lang="en-US" sz="1100" b="0" i="0" dirty="0">
+                <a:effectLst/>
+              </a:rPr>
+              <a:t>“. Die </a:t>
+            </a:r>
+            <a:r>
+              <a:rPr lang="en-US" sz="1100" b="0" i="0" dirty="0" err="1">
+                <a:effectLst/>
+              </a:rPr>
+              <a:t>Handlung</a:t>
+            </a:r>
+            <a:r>
+              <a:rPr lang="en-US" sz="1100" b="0" i="0" dirty="0">
+                <a:effectLst/>
+              </a:rPr>
+              <a:t> </a:t>
+            </a:r>
+            <a:r>
+              <a:rPr lang="en-US" sz="1100" b="0" i="0" dirty="0" err="1">
+                <a:effectLst/>
+              </a:rPr>
+              <a:t>spielt</a:t>
+            </a:r>
+            <a:r>
+              <a:rPr lang="en-US" sz="1100" b="0" i="0" dirty="0">
+                <a:effectLst/>
+              </a:rPr>
+              <a:t> in </a:t>
+            </a:r>
+            <a:r>
+              <a:rPr lang="en-US" sz="1100" b="0" i="0" dirty="0" err="1">
+                <a:effectLst/>
+              </a:rPr>
+              <a:t>einer</a:t>
+            </a:r>
+            <a:r>
+              <a:rPr lang="en-US" sz="1100" b="0" i="0" dirty="0">
+                <a:effectLst/>
+              </a:rPr>
+              <a:t> </a:t>
+            </a:r>
+            <a:r>
+              <a:rPr lang="en-US" sz="1100" b="0" i="0" dirty="0" err="1">
+                <a:effectLst/>
+              </a:rPr>
+              <a:t>posthumanen</a:t>
+            </a:r>
+            <a:r>
+              <a:rPr lang="en-US" sz="1100" b="0" i="0" dirty="0">
+                <a:effectLst/>
+              </a:rPr>
+              <a:t> Welt, in der </a:t>
+            </a:r>
+            <a:r>
+              <a:rPr lang="en-US" sz="1100" b="0" i="0" dirty="0" err="1">
+                <a:effectLst/>
+              </a:rPr>
+              <a:t>eine</a:t>
+            </a:r>
+            <a:r>
+              <a:rPr lang="en-US" sz="1100" b="0" i="0" dirty="0">
+                <a:effectLst/>
+              </a:rPr>
+              <a:t> Gruppe von </a:t>
+            </a:r>
+            <a:r>
+              <a:rPr lang="en-US" sz="1100" b="0" i="0" dirty="0" err="1">
+                <a:effectLst/>
+              </a:rPr>
+              <a:t>Überlebenden</a:t>
+            </a:r>
+            <a:r>
+              <a:rPr lang="en-US" sz="1100" b="0" i="0" dirty="0">
+                <a:effectLst/>
+              </a:rPr>
+              <a:t> </a:t>
+            </a:r>
+            <a:r>
+              <a:rPr lang="en-US" sz="1100" b="0" i="0" dirty="0" err="1">
+                <a:effectLst/>
+              </a:rPr>
+              <a:t>voller</a:t>
+            </a:r>
+            <a:r>
+              <a:rPr lang="en-US" sz="1100" b="0" i="0" dirty="0">
+                <a:effectLst/>
+              </a:rPr>
+              <a:t> Angst und </a:t>
+            </a:r>
+            <a:r>
+              <a:rPr lang="en-US" sz="1100" b="0" i="0" dirty="0" err="1">
+                <a:effectLst/>
+              </a:rPr>
+              <a:t>voller</a:t>
+            </a:r>
+            <a:r>
+              <a:rPr lang="en-US" sz="1100" b="0" i="0" dirty="0">
+                <a:effectLst/>
+              </a:rPr>
+              <a:t> </a:t>
+            </a:r>
+            <a:r>
+              <a:rPr lang="en-US" sz="1100" b="0" i="0" dirty="0" err="1">
+                <a:effectLst/>
+              </a:rPr>
+              <a:t>Fragen</a:t>
+            </a:r>
+            <a:r>
+              <a:rPr lang="en-US" sz="1100" b="0" i="0" dirty="0">
+                <a:effectLst/>
+              </a:rPr>
+              <a:t> auf </a:t>
+            </a:r>
+            <a:r>
+              <a:rPr lang="en-US" sz="1100" b="0" i="0" dirty="0" err="1">
+                <a:effectLst/>
+              </a:rPr>
+              <a:t>Erlösung</a:t>
+            </a:r>
+            <a:r>
+              <a:rPr lang="en-US" sz="1100" b="0" i="0" dirty="0">
+                <a:effectLst/>
+              </a:rPr>
+              <a:t> </a:t>
+            </a:r>
+            <a:r>
+              <a:rPr lang="en-US" sz="1100" b="0" i="0" dirty="0" err="1">
+                <a:effectLst/>
+              </a:rPr>
+              <a:t>hofft</a:t>
+            </a:r>
+            <a:r>
+              <a:rPr lang="en-US" sz="1100" b="0" i="0" dirty="0">
+                <a:effectLst/>
+              </a:rPr>
+              <a:t>.</a:t>
+            </a:r>
+            <a:endParaRPr lang="en-US" altLang="zh-CN" sz="1100" b="0" i="0" dirty="0">
+              <a:effectLst/>
+            </a:endParaRPr>
+          </a:p>
+          <a:p>
+            <a:pPr indent="-228600" defTabSz="914400">
+              <a:lnSpc>
+                <a:spcPct val="90000"/>
+              </a:lnSpc>
+              <a:spcAft>
+                <a:spcPts val="600"/>
+              </a:spcAft>
+              <a:buFont typeface="Arial" panose="020B0604020202020204" pitchFamily="34" charset="0"/>
+              <a:buChar char="•"/>
+            </a:pPr>
+            <a:endParaRPr lang="en-US" altLang="zh-CN" sz="1100" b="0" i="0" dirty="0">
+              <a:effectLst/>
+            </a:endParaRPr>
+          </a:p>
+          <a:p>
+            <a:pPr indent="-228600" defTabSz="914400">
+              <a:lnSpc>
+                <a:spcPct val="90000"/>
+              </a:lnSpc>
+              <a:spcAft>
+                <a:spcPts val="600"/>
+              </a:spcAft>
+              <a:buFont typeface="Arial" panose="020B0604020202020204" pitchFamily="34" charset="0"/>
+              <a:buChar char="•"/>
+            </a:pPr>
+            <a:r>
+              <a:rPr lang="zh-CN" altLang="en-US" sz="1100" b="0" i="0" dirty="0">
+                <a:effectLst/>
+              </a:rPr>
+              <a:t>一个小男孩失踪了，他是一个古老王国的王位继承人。姐姐被指控杀害了他。她没有为自己辩护，而是召唤了一个梦想中的人物来支持她。而她的骑士，他确实来了，赢得了她的事业和她的心。她永远不应该问他到底是谁。</a:t>
+            </a:r>
+            <a:r>
+              <a:rPr lang="en-US" altLang="zh-CN" sz="1100" b="0" i="0" dirty="0">
+                <a:effectLst/>
+              </a:rPr>
+              <a:t>Elsa </a:t>
+            </a:r>
+            <a:r>
+              <a:rPr lang="zh-CN" altLang="en-US" sz="1100" b="0" i="0" dirty="0">
+                <a:effectLst/>
+              </a:rPr>
+              <a:t>和 </a:t>
+            </a:r>
+            <a:r>
+              <a:rPr lang="en-US" altLang="zh-CN" sz="1100" b="0" i="0" dirty="0">
+                <a:effectLst/>
+              </a:rPr>
+              <a:t>Lohengrin </a:t>
+            </a:r>
+            <a:r>
+              <a:rPr lang="zh-CN" altLang="en-US" sz="1100" b="0" i="0" dirty="0">
+                <a:effectLst/>
+              </a:rPr>
+              <a:t>现在可以成为幸福的统治夫妇了。但禁问阻碍了求知欲，求知欲抵制了浪漫的奇迹，启蒙与盲目信仰不相容。</a:t>
+            </a:r>
+            <a:r>
+              <a:rPr lang="en-US" altLang="zh-CN" sz="1100" b="0" i="0" dirty="0">
+                <a:effectLst/>
+              </a:rPr>
+              <a:t>Elsa </a:t>
+            </a:r>
+            <a:r>
+              <a:rPr lang="zh-CN" altLang="en-US" sz="1100" b="0" i="0" dirty="0">
+                <a:effectLst/>
+              </a:rPr>
+              <a:t>的对手</a:t>
+            </a:r>
+            <a:r>
+              <a:rPr lang="en-US" altLang="zh-CN" sz="1100" b="0" i="0" dirty="0">
+                <a:effectLst/>
+              </a:rPr>
+              <a:t>——</a:t>
+            </a:r>
+            <a:r>
+              <a:rPr lang="zh-CN" altLang="en-US" sz="1100" b="0" i="0" dirty="0">
+                <a:effectLst/>
+              </a:rPr>
+              <a:t>忠于旧神的 </a:t>
+            </a:r>
+            <a:r>
+              <a:rPr lang="en-US" altLang="zh-CN" sz="1100" b="0" i="0" dirty="0" err="1">
+                <a:effectLst/>
+              </a:rPr>
+              <a:t>Ortrud</a:t>
+            </a:r>
+            <a:r>
+              <a:rPr lang="en-US" altLang="zh-CN" sz="1100" b="0" i="0" dirty="0">
+                <a:effectLst/>
+              </a:rPr>
+              <a:t> </a:t>
+            </a:r>
+            <a:r>
+              <a:rPr lang="zh-CN" altLang="en-US" sz="1100" b="0" i="0" dirty="0">
+                <a:effectLst/>
+              </a:rPr>
+              <a:t>和失去荣誉的 </a:t>
+            </a:r>
+            <a:r>
+              <a:rPr lang="en-US" altLang="zh-CN" sz="1100" b="0" i="0" dirty="0" err="1">
+                <a:effectLst/>
+              </a:rPr>
+              <a:t>Telramund</a:t>
+            </a:r>
+            <a:r>
+              <a:rPr lang="en-US" altLang="zh-CN" sz="1100" b="0" i="0" dirty="0">
+                <a:effectLst/>
+              </a:rPr>
+              <a:t>——</a:t>
+            </a:r>
+            <a:r>
+              <a:rPr lang="zh-CN" altLang="en-US" sz="1100" b="0" i="0" dirty="0">
+                <a:effectLst/>
+              </a:rPr>
+              <a:t>对她产生的怀疑是每个人与生俱来的。在瓦格纳的音乐中，诱人和冒险都在罗恩格林的欲望中得到体现 谁渴望对自己的爱。</a:t>
+            </a:r>
+            <a:r>
+              <a:rPr lang="en-US" altLang="zh-CN" sz="1100" b="0" i="0" dirty="0" err="1">
+                <a:effectLst/>
+              </a:rPr>
+              <a:t>Kornél</a:t>
+            </a:r>
+            <a:r>
+              <a:rPr lang="en-US" altLang="zh-CN" sz="1100" b="0" i="0" dirty="0">
+                <a:effectLst/>
+              </a:rPr>
+              <a:t> </a:t>
+            </a:r>
+            <a:r>
+              <a:rPr lang="en-US" altLang="zh-CN" sz="1100" b="0" i="0" dirty="0" err="1">
+                <a:effectLst/>
+              </a:rPr>
+              <a:t>Mundruczó</a:t>
+            </a:r>
+            <a:r>
+              <a:rPr lang="en-US" altLang="zh-CN" sz="1100" b="0" i="0" dirty="0">
+                <a:effectLst/>
+              </a:rPr>
+              <a:t> </a:t>
+            </a:r>
+            <a:r>
+              <a:rPr lang="zh-CN" altLang="en-US" sz="1100" b="0" i="0" dirty="0">
+                <a:effectLst/>
+              </a:rPr>
+              <a:t>的新作品调查了一个优于常人并被赋予超自然力量的人的设计中存在的矛盾潜力。对他来说，罗恩格林是“整个歌剧界最具挑衅性的非人人物”。该行动发生在后人类世界中，一群恐惧和质疑的幸存者希望获得救赎。</a:t>
+            </a:r>
+            <a:endParaRPr lang="en-US" sz="1100" dirty="0"/>
+          </a:p>
+        </p:txBody>
+      </p:sp>
+      <p:pic>
+        <p:nvPicPr>
+          <p:cNvPr id="1030" name="Picture 6">
+            <a:extLst>
+              <a:ext uri="{FF2B5EF4-FFF2-40B4-BE49-F238E27FC236}">
+                <a16:creationId xmlns:a16="http://schemas.microsoft.com/office/drawing/2014/main" id="{8F443417-48AC-C9D1-27FC-6AC27B6DADB2}"/>
+              </a:ext>
+            </a:extLst>
+          </p:cNvPr>
+          <p:cNvPicPr>
+            <a:picLocks noChangeAspect="1" noChangeArrowheads="1"/>
+          </p:cNvPicPr>
+          <p:nvPr/>
+        </p:nvPicPr>
+        <p:blipFill>
+          <a:blip r:embed="rId2">
+            <a:extLst>
+              <a:ext uri="{28A0092B-C50C-407E-A947-70E740481C1C}">
+                <a14:useLocalDpi xmlns:a14="http://schemas.microsoft.com/office/drawing/2010/main" val="0"/>
+              </a:ext>
+            </a:extLst>
+          </a:blip>
+          <a:stretch>
+            <a:fillRect/>
+          </a:stretch>
+        </p:blipFill>
+        <p:spPr bwMode="auto">
+          <a:xfrm>
+            <a:off x="5839863" y="1010924"/>
+            <a:ext cx="3908835" cy="947892"/>
+          </a:xfrm>
+          <a:prstGeom prst="rect">
+            <a:avLst/>
+          </a:prstGeom>
+          <a:noFill/>
+          <a:extLst>
+            <a:ext uri="{909E8E84-426E-40DD-AFC4-6F175D3DCCD1}">
+              <a14:hiddenFill xmlns:a14="http://schemas.microsoft.com/office/drawing/2010/main">
+                <a:solidFill>
+                  <a:srgbClr val="FFFFFF"/>
+                </a:solidFill>
+              </a14:hiddenFill>
+            </a:ext>
+          </a:extLst>
+        </p:spPr>
+      </p:pic>
+      <p:pic>
+        <p:nvPicPr>
+          <p:cNvPr id="1026" name="Picture 2" descr="Willkommen zurück! | Herzlich Willkommen zurück🤗 Unsere neue Spielzeit  2021/2022 hat offiziell begonnen und wir freuen uns auf Euch!😍🎉 Alle  Informationen zum aktuellen... | By Bayerische Staatsoper | Facebook">
+            <a:extLst>
+              <a:ext uri="{FF2B5EF4-FFF2-40B4-BE49-F238E27FC236}">
+                <a16:creationId xmlns:a16="http://schemas.microsoft.com/office/drawing/2014/main" id="{8E97038E-7113-29CB-347B-B0CD2F25CAC2}"/>
+              </a:ext>
+            </a:extLst>
+          </p:cNvPr>
+          <p:cNvPicPr>
+            <a:picLocks noChangeAspect="1" noChangeArrowheads="1"/>
+          </p:cNvPicPr>
+          <p:nvPr/>
+        </p:nvPicPr>
+        <p:blipFill>
+          <a:blip r:embed="rId3">
+            <a:extLst>
+              <a:ext uri="{28A0092B-C50C-407E-A947-70E740481C1C}">
+                <a14:useLocalDpi xmlns:a14="http://schemas.microsoft.com/office/drawing/2010/main" val="0"/>
+              </a:ext>
+            </a:extLst>
+          </a:blip>
+          <a:stretch>
+            <a:fillRect/>
+          </a:stretch>
+        </p:blipFill>
+        <p:spPr bwMode="auto">
+          <a:xfrm>
+            <a:off x="6224968" y="2961503"/>
+            <a:ext cx="3138616" cy="3138616"/>
+          </a:xfrm>
+          <a:prstGeom prst="rect">
+            <a:avLst/>
+          </a:prstGeom>
+          <a:noFill/>
+          <a:extLst>
+            <a:ext uri="{909E8E84-426E-40DD-AFC4-6F175D3DCCD1}">
+              <a14:hiddenFill xmlns:a14="http://schemas.microsoft.com/office/drawing/2010/main">
+                <a:solidFill>
+                  <a:srgbClr val="FFFFFF"/>
+                </a:solidFill>
+              </a14:hiddenFill>
+            </a:ext>
+          </a:extLst>
+        </p:spPr>
+      </p:pic>
+    </p:spTree>
+    <p:extLst>
+      <p:ext uri="{BB962C8B-B14F-4D97-AF65-F5344CB8AC3E}">
+        <p14:creationId xmlns:p14="http://schemas.microsoft.com/office/powerpoint/2010/main" val="2169697102"/>
+      </p:ext>
+    </p:extLst>
+  </p:cSld>
+  <p:clrMapOvr>
+    <a:masterClrMapping/>
+  </p:clrMapOvr>
+</p:sld>
+</file>
+
+<file path=ppt/slides/slide6.xml><?xml version="1.0" encoding="utf-8"?>
+<p:sld xmlns:a="http://schemas.openxmlformats.org/drawingml/2006/main" xmlns:r="http://schemas.openxmlformats.org/officeDocument/2006/relationships" xmlns:p="http://schemas.openxmlformats.org/presentationml/2006/main">
+  <p:cSld>
+    <p:bg>
+      <p:bgPr>
+        <a:solidFill>
+          <a:schemeClr val="bg1"/>
+        </a:solidFill>
+        <a:effectLst/>
+      </p:bgPr>
+    </p:bg>
+    <p:spTree>
+      <p:nvGrpSpPr>
+        <p:cNvPr id="1" name=""/>
+        <p:cNvGrpSpPr/>
+        <p:nvPr/>
+      </p:nvGrpSpPr>
+      <p:grpSpPr>
+        <a:xfrm>
+          <a:off x="0" y="0"/>
+          <a:ext cx="0" cy="0"/>
+          <a:chOff x="0" y="0"/>
+          <a:chExt cx="0" cy="0"/>
+        </a:xfrm>
+      </p:grpSpPr>
+      <p:sp useBgFill="1">
+        <p:nvSpPr>
+          <p:cNvPr id="9" name="Rectangle 8">
+            <a:extLst>
+              <a:ext uri="{FF2B5EF4-FFF2-40B4-BE49-F238E27FC236}">
+                <a16:creationId xmlns:a16="http://schemas.microsoft.com/office/drawing/2014/main" id="{45D37F4E-DDB4-456B-97E0-9937730A039F}"/>
+              </a:ext>
+              <a:ext uri="{C183D7F6-B498-43B3-948B-1728B52AA6E4}">
+                <adec:decorative xmlns:adec="http://schemas.microsoft.com/office/drawing/2017/decorative" val="1"/>
+              </a:ext>
+            </a:extLst>
+          </p:cNvPr>
+          <p:cNvSpPr>
+            <a:spLocks noGrp="1" noRot="1" noChangeAspect="1" noMove="1" noResize="1" noEditPoints="1" noAdjustHandles="1" noChangeArrowheads="1" noChangeShapeType="1" noTextEdit="1"/>
+          </p:cNvSpPr>
+          <p:nvPr>
+            <p:extLst>
+              <p:ext uri="{386F3935-93C4-4BCD-93E2-E3B085C9AB24}">
+                <p16:designElem xmlns:p16="http://schemas.microsoft.com/office/powerpoint/2015/main" val="1"/>
+              </p:ext>
+            </p:extLst>
+          </p:nvPr>
+        </p:nvSpPr>
+        <p:spPr>
+          <a:xfrm>
+            <a:off x="0" y="0"/>
+            <a:ext cx="9903523" cy="6858000"/>
+          </a:xfrm>
+          <a:prstGeom prst="rect">
+            <a:avLst/>
+          </a:prstGeom>
+          <a:ln>
+            <a:noFill/>
+          </a:ln>
+        </p:spPr>
+        <p:style>
+          <a:lnRef idx="2">
+            <a:schemeClr val="accent1">
+              <a:shade val="50000"/>
+            </a:schemeClr>
+          </a:lnRef>
+          <a:fillRef idx="1">
+            <a:schemeClr val="accent1"/>
+          </a:fillRef>
+          <a:effectRef idx="0">
+            <a:schemeClr val="accent1"/>
+          </a:effectRef>
+          <a:fontRef idx="minor">
+            <a:schemeClr val="lt1"/>
+          </a:fontRef>
+        </p:style>
+        <p:txBody>
+          <a:bodyPr rtlCol="0" anchor="ctr"/>
+          <a:lstStyle/>
+          <a:p>
+            <a:pPr algn="ctr"/>
+            <a:endParaRPr lang="en-US"/>
+          </a:p>
+        </p:txBody>
+      </p:sp>
+      <p:sp>
+        <p:nvSpPr>
+          <p:cNvPr id="11" name="sketchy line">
+            <a:extLst>
+              <a:ext uri="{FF2B5EF4-FFF2-40B4-BE49-F238E27FC236}">
+                <a16:creationId xmlns:a16="http://schemas.microsoft.com/office/drawing/2014/main" id="{B2DD41CD-8F47-4F56-AD12-4E2FF7696987}"/>
+              </a:ext>
+              <a:ext uri="{C183D7F6-B498-43B3-948B-1728B52AA6E4}">
+                <adec:decorative xmlns:adec="http://schemas.microsoft.com/office/drawing/2017/decorative" val="1"/>
+              </a:ext>
+            </a:extLst>
+          </p:cNvPr>
+          <p:cNvSpPr>
+            <a:spLocks noGrp="1" noRot="1" noChangeAspect="1" noMove="1" noResize="1" noEditPoints="1" noAdjustHandles="1" noChangeArrowheads="1" noChangeShapeType="1" noTextEdit="1"/>
+          </p:cNvSpPr>
+          <p:nvPr>
+            <p:extLst>
+              <p:ext uri="{386F3935-93C4-4BCD-93E2-E3B085C9AB24}">
+                <p16:designElem xmlns:p16="http://schemas.microsoft.com/office/powerpoint/2015/main" val="1"/>
+              </p:ext>
+            </p:extLst>
+          </p:nvPr>
+        </p:nvSpPr>
+        <p:spPr>
+          <a:xfrm>
+            <a:off x="465150" y="1681544"/>
+            <a:ext cx="8915400" cy="18288"/>
+          </a:xfrm>
+          <a:custGeom>
+            <a:avLst/>
+            <a:gdLst>
+              <a:gd name="connsiteX0" fmla="*/ 0 w 8915400"/>
+              <a:gd name="connsiteY0" fmla="*/ 0 h 18288"/>
+              <a:gd name="connsiteX1" fmla="*/ 774954 w 8915400"/>
+              <a:gd name="connsiteY1" fmla="*/ 0 h 18288"/>
+              <a:gd name="connsiteX2" fmla="*/ 1639062 w 8915400"/>
+              <a:gd name="connsiteY2" fmla="*/ 0 h 18288"/>
+              <a:gd name="connsiteX3" fmla="*/ 2057400 w 8915400"/>
+              <a:gd name="connsiteY3" fmla="*/ 0 h 18288"/>
+              <a:gd name="connsiteX4" fmla="*/ 2654046 w 8915400"/>
+              <a:gd name="connsiteY4" fmla="*/ 0 h 18288"/>
+              <a:gd name="connsiteX5" fmla="*/ 3072384 w 8915400"/>
+              <a:gd name="connsiteY5" fmla="*/ 0 h 18288"/>
+              <a:gd name="connsiteX6" fmla="*/ 3758184 w 8915400"/>
+              <a:gd name="connsiteY6" fmla="*/ 0 h 18288"/>
+              <a:gd name="connsiteX7" fmla="*/ 4354830 w 8915400"/>
+              <a:gd name="connsiteY7" fmla="*/ 0 h 18288"/>
+              <a:gd name="connsiteX8" fmla="*/ 5129784 w 8915400"/>
+              <a:gd name="connsiteY8" fmla="*/ 0 h 18288"/>
+              <a:gd name="connsiteX9" fmla="*/ 5993892 w 8915400"/>
+              <a:gd name="connsiteY9" fmla="*/ 0 h 18288"/>
+              <a:gd name="connsiteX10" fmla="*/ 6679692 w 8915400"/>
+              <a:gd name="connsiteY10" fmla="*/ 0 h 18288"/>
+              <a:gd name="connsiteX11" fmla="*/ 7543800 w 8915400"/>
+              <a:gd name="connsiteY11" fmla="*/ 0 h 18288"/>
+              <a:gd name="connsiteX12" fmla="*/ 8229600 w 8915400"/>
+              <a:gd name="connsiteY12" fmla="*/ 0 h 18288"/>
+              <a:gd name="connsiteX13" fmla="*/ 8915400 w 8915400"/>
+              <a:gd name="connsiteY13" fmla="*/ 0 h 18288"/>
+              <a:gd name="connsiteX14" fmla="*/ 8915400 w 8915400"/>
+              <a:gd name="connsiteY14" fmla="*/ 18288 h 18288"/>
+              <a:gd name="connsiteX15" fmla="*/ 8229600 w 8915400"/>
+              <a:gd name="connsiteY15" fmla="*/ 18288 h 18288"/>
+              <a:gd name="connsiteX16" fmla="*/ 7722108 w 8915400"/>
+              <a:gd name="connsiteY16" fmla="*/ 18288 h 18288"/>
+              <a:gd name="connsiteX17" fmla="*/ 7303770 w 8915400"/>
+              <a:gd name="connsiteY17" fmla="*/ 18288 h 18288"/>
+              <a:gd name="connsiteX18" fmla="*/ 6707124 w 8915400"/>
+              <a:gd name="connsiteY18" fmla="*/ 18288 h 18288"/>
+              <a:gd name="connsiteX19" fmla="*/ 6021324 w 8915400"/>
+              <a:gd name="connsiteY19" fmla="*/ 18288 h 18288"/>
+              <a:gd name="connsiteX20" fmla="*/ 5424678 w 8915400"/>
+              <a:gd name="connsiteY20" fmla="*/ 18288 h 18288"/>
+              <a:gd name="connsiteX21" fmla="*/ 4917186 w 8915400"/>
+              <a:gd name="connsiteY21" fmla="*/ 18288 h 18288"/>
+              <a:gd name="connsiteX22" fmla="*/ 4053078 w 8915400"/>
+              <a:gd name="connsiteY22" fmla="*/ 18288 h 18288"/>
+              <a:gd name="connsiteX23" fmla="*/ 3367278 w 8915400"/>
+              <a:gd name="connsiteY23" fmla="*/ 18288 h 18288"/>
+              <a:gd name="connsiteX24" fmla="*/ 2592324 w 8915400"/>
+              <a:gd name="connsiteY24" fmla="*/ 18288 h 18288"/>
+              <a:gd name="connsiteX25" fmla="*/ 2173986 w 8915400"/>
+              <a:gd name="connsiteY25" fmla="*/ 18288 h 18288"/>
+              <a:gd name="connsiteX26" fmla="*/ 1666494 w 8915400"/>
+              <a:gd name="connsiteY26" fmla="*/ 18288 h 18288"/>
+              <a:gd name="connsiteX27" fmla="*/ 980694 w 8915400"/>
+              <a:gd name="connsiteY27" fmla="*/ 18288 h 18288"/>
+              <a:gd name="connsiteX28" fmla="*/ 0 w 8915400"/>
+              <a:gd name="connsiteY28" fmla="*/ 18288 h 18288"/>
+              <a:gd name="connsiteX29" fmla="*/ 0 w 8915400"/>
+              <a:gd name="connsiteY29" fmla="*/ 0 h 18288"/>
+              <a:gd name="connsiteX0" fmla="*/ 0 w 8915400"/>
+              <a:gd name="connsiteY0" fmla="*/ 0 h 18288"/>
+              <a:gd name="connsiteX1" fmla="*/ 507492 w 8915400"/>
+              <a:gd name="connsiteY1" fmla="*/ 0 h 18288"/>
+              <a:gd name="connsiteX2" fmla="*/ 925830 w 8915400"/>
+              <a:gd name="connsiteY2" fmla="*/ 0 h 18288"/>
+              <a:gd name="connsiteX3" fmla="*/ 1433322 w 8915400"/>
+              <a:gd name="connsiteY3" fmla="*/ 0 h 18288"/>
+              <a:gd name="connsiteX4" fmla="*/ 2119122 w 8915400"/>
+              <a:gd name="connsiteY4" fmla="*/ 0 h 18288"/>
+              <a:gd name="connsiteX5" fmla="*/ 2894076 w 8915400"/>
+              <a:gd name="connsiteY5" fmla="*/ 0 h 18288"/>
+              <a:gd name="connsiteX6" fmla="*/ 3758184 w 8915400"/>
+              <a:gd name="connsiteY6" fmla="*/ 0 h 18288"/>
+              <a:gd name="connsiteX7" fmla="*/ 4622292 w 8915400"/>
+              <a:gd name="connsiteY7" fmla="*/ 0 h 18288"/>
+              <a:gd name="connsiteX8" fmla="*/ 5218938 w 8915400"/>
+              <a:gd name="connsiteY8" fmla="*/ 0 h 18288"/>
+              <a:gd name="connsiteX9" fmla="*/ 5993892 w 8915400"/>
+              <a:gd name="connsiteY9" fmla="*/ 0 h 18288"/>
+              <a:gd name="connsiteX10" fmla="*/ 6679692 w 8915400"/>
+              <a:gd name="connsiteY10" fmla="*/ 0 h 18288"/>
+              <a:gd name="connsiteX11" fmla="*/ 7276338 w 8915400"/>
+              <a:gd name="connsiteY11" fmla="*/ 0 h 18288"/>
+              <a:gd name="connsiteX12" fmla="*/ 8051292 w 8915400"/>
+              <a:gd name="connsiteY12" fmla="*/ 0 h 18288"/>
+              <a:gd name="connsiteX13" fmla="*/ 8915400 w 8915400"/>
+              <a:gd name="connsiteY13" fmla="*/ 0 h 18288"/>
+              <a:gd name="connsiteX14" fmla="*/ 8915400 w 8915400"/>
+              <a:gd name="connsiteY14" fmla="*/ 18288 h 18288"/>
+              <a:gd name="connsiteX15" fmla="*/ 8407908 w 8915400"/>
+              <a:gd name="connsiteY15" fmla="*/ 18288 h 18288"/>
+              <a:gd name="connsiteX16" fmla="*/ 7543800 w 8915400"/>
+              <a:gd name="connsiteY16" fmla="*/ 18288 h 18288"/>
+              <a:gd name="connsiteX17" fmla="*/ 7036308 w 8915400"/>
+              <a:gd name="connsiteY17" fmla="*/ 18288 h 18288"/>
+              <a:gd name="connsiteX18" fmla="*/ 6261354 w 8915400"/>
+              <a:gd name="connsiteY18" fmla="*/ 18288 h 18288"/>
+              <a:gd name="connsiteX19" fmla="*/ 5843016 w 8915400"/>
+              <a:gd name="connsiteY19" fmla="*/ 18288 h 18288"/>
+              <a:gd name="connsiteX20" fmla="*/ 5157216 w 8915400"/>
+              <a:gd name="connsiteY20" fmla="*/ 18288 h 18288"/>
+              <a:gd name="connsiteX21" fmla="*/ 4649724 w 8915400"/>
+              <a:gd name="connsiteY21" fmla="*/ 18288 h 18288"/>
+              <a:gd name="connsiteX22" fmla="*/ 3785616 w 8915400"/>
+              <a:gd name="connsiteY22" fmla="*/ 18288 h 18288"/>
+              <a:gd name="connsiteX23" fmla="*/ 3367278 w 8915400"/>
+              <a:gd name="connsiteY23" fmla="*/ 18288 h 18288"/>
+              <a:gd name="connsiteX24" fmla="*/ 2681478 w 8915400"/>
+              <a:gd name="connsiteY24" fmla="*/ 18288 h 18288"/>
+              <a:gd name="connsiteX25" fmla="*/ 2263140 w 8915400"/>
+              <a:gd name="connsiteY25" fmla="*/ 18288 h 18288"/>
+              <a:gd name="connsiteX26" fmla="*/ 1755648 w 8915400"/>
+              <a:gd name="connsiteY26" fmla="*/ 18288 h 18288"/>
+              <a:gd name="connsiteX27" fmla="*/ 980694 w 8915400"/>
+              <a:gd name="connsiteY27" fmla="*/ 18288 h 18288"/>
+              <a:gd name="connsiteX28" fmla="*/ 0 w 8915400"/>
+              <a:gd name="connsiteY28" fmla="*/ 18288 h 18288"/>
+              <a:gd name="connsiteX29" fmla="*/ 0 w 8915400"/>
+              <a:gd name="connsiteY29" fmla="*/ 0 h 18288"/>
+            </a:gdLst>
+            <a:ahLst/>
+            <a:cxnLst>
+              <a:cxn ang="0">
+                <a:pos x="connsiteX0" y="connsiteY0"/>
+              </a:cxn>
+              <a:cxn ang="0">
+                <a:pos x="connsiteX1" y="connsiteY1"/>
+              </a:cxn>
+              <a:cxn ang="0">
+                <a:pos x="connsiteX2" y="connsiteY2"/>
+              </a:cxn>
+              <a:cxn ang="0">
+                <a:pos x="connsiteX3" y="connsiteY3"/>
+              </a:cxn>
+              <a:cxn ang="0">
+                <a:pos x="connsiteX4" y="connsiteY4"/>
+              </a:cxn>
+              <a:cxn ang="0">
+                <a:pos x="connsiteX5" y="connsiteY5"/>
+              </a:cxn>
+              <a:cxn ang="0">
+                <a:pos x="connsiteX6" y="connsiteY6"/>
+              </a:cxn>
+              <a:cxn ang="0">
+                <a:pos x="connsiteX7" y="connsiteY7"/>
+              </a:cxn>
+              <a:cxn ang="0">
+                <a:pos x="connsiteX8" y="connsiteY8"/>
+              </a:cxn>
+              <a:cxn ang="0">
+                <a:pos x="connsiteX9" y="connsiteY9"/>
+              </a:cxn>
+              <a:cxn ang="0">
+                <a:pos x="connsiteX10" y="connsiteY10"/>
+              </a:cxn>
+              <a:cxn ang="0">
+                <a:pos x="connsiteX11" y="connsiteY11"/>
+              </a:cxn>
+              <a:cxn ang="0">
+                <a:pos x="connsiteX12" y="connsiteY12"/>
+              </a:cxn>
+              <a:cxn ang="0">
+                <a:pos x="connsiteX13" y="connsiteY13"/>
+              </a:cxn>
+              <a:cxn ang="0">
+                <a:pos x="connsiteX14" y="connsiteY14"/>
+              </a:cxn>
+              <a:cxn ang="0">
+                <a:pos x="connsiteX15" y="connsiteY15"/>
+              </a:cxn>
+              <a:cxn ang="0">
+                <a:pos x="connsiteX16" y="connsiteY16"/>
+              </a:cxn>
+              <a:cxn ang="0">
+                <a:pos x="connsiteX17" y="connsiteY17"/>
+              </a:cxn>
+              <a:cxn ang="0">
+                <a:pos x="connsiteX18" y="connsiteY18"/>
+              </a:cxn>
+              <a:cxn ang="0">
+                <a:pos x="connsiteX19" y="connsiteY19"/>
+              </a:cxn>
+              <a:cxn ang="0">
+                <a:pos x="connsiteX20" y="connsiteY20"/>
+              </a:cxn>
+              <a:cxn ang="0">
+                <a:pos x="connsiteX21" y="connsiteY21"/>
+              </a:cxn>
+              <a:cxn ang="0">
+                <a:pos x="connsiteX22" y="connsiteY22"/>
+              </a:cxn>
+              <a:cxn ang="0">
+                <a:pos x="connsiteX23" y="connsiteY23"/>
+              </a:cxn>
+              <a:cxn ang="0">
+                <a:pos x="connsiteX24" y="connsiteY24"/>
+              </a:cxn>
+              <a:cxn ang="0">
+                <a:pos x="connsiteX25" y="connsiteY25"/>
+              </a:cxn>
+              <a:cxn ang="0">
+                <a:pos x="connsiteX26" y="connsiteY26"/>
+              </a:cxn>
+              <a:cxn ang="0">
+                <a:pos x="connsiteX27" y="connsiteY27"/>
+              </a:cxn>
+              <a:cxn ang="0">
+                <a:pos x="connsiteX28" y="connsiteY28"/>
+              </a:cxn>
+              <a:cxn ang="0">
+                <a:pos x="connsiteX29" y="connsiteY29"/>
+              </a:cxn>
+            </a:cxnLst>
+            <a:rect l="l" t="t" r="r" b="b"/>
+            <a:pathLst>
+              <a:path w="8915400" h="18288" fill="none" extrusionOk="0">
+                <a:moveTo>
+                  <a:pt x="0" y="0"/>
+                </a:moveTo>
+                <a:cubicBezTo>
+                  <a:pt x="318021" y="1775"/>
+                  <a:pt x="427423" y="-25091"/>
+                  <a:pt x="774954" y="0"/>
+                </a:cubicBezTo>
+                <a:cubicBezTo>
+                  <a:pt x="1103090" y="6350"/>
+                  <a:pt x="1308990" y="13643"/>
+                  <a:pt x="1639062" y="0"/>
+                </a:cubicBezTo>
+                <a:cubicBezTo>
+                  <a:pt x="1945602" y="28272"/>
+                  <a:pt x="1843584" y="22833"/>
+                  <a:pt x="2057400" y="0"/>
+                </a:cubicBezTo>
+                <a:cubicBezTo>
+                  <a:pt x="2279109" y="-34968"/>
+                  <a:pt x="2463111" y="-26777"/>
+                  <a:pt x="2654046" y="0"/>
+                </a:cubicBezTo>
+                <a:cubicBezTo>
+                  <a:pt x="2880075" y="11713"/>
+                  <a:pt x="2956969" y="16325"/>
+                  <a:pt x="3072384" y="0"/>
+                </a:cubicBezTo>
+                <a:cubicBezTo>
+                  <a:pt x="3184887" y="1548"/>
+                  <a:pt x="3566102" y="19664"/>
+                  <a:pt x="3758184" y="0"/>
+                </a:cubicBezTo>
+                <a:cubicBezTo>
+                  <a:pt x="3944144" y="-51598"/>
+                  <a:pt x="4143023" y="-8638"/>
+                  <a:pt x="4354830" y="0"/>
+                </a:cubicBezTo>
+                <a:cubicBezTo>
+                  <a:pt x="4598132" y="33349"/>
+                  <a:pt x="4876589" y="6117"/>
+                  <a:pt x="5129784" y="0"/>
+                </a:cubicBezTo>
+                <a:cubicBezTo>
+                  <a:pt x="5333850" y="69301"/>
+                  <a:pt x="5726408" y="-72241"/>
+                  <a:pt x="5993892" y="0"/>
+                </a:cubicBezTo>
+                <a:cubicBezTo>
+                  <a:pt x="6311803" y="36439"/>
+                  <a:pt x="6370268" y="15721"/>
+                  <a:pt x="6679692" y="0"/>
+                </a:cubicBezTo>
+                <a:cubicBezTo>
+                  <a:pt x="6957060" y="3146"/>
+                  <a:pt x="7221891" y="-15374"/>
+                  <a:pt x="7543800" y="0"/>
+                </a:cubicBezTo>
+                <a:cubicBezTo>
+                  <a:pt x="7900567" y="9790"/>
+                  <a:pt x="7890479" y="-18895"/>
+                  <a:pt x="8229600" y="0"/>
+                </a:cubicBezTo>
+                <a:cubicBezTo>
+                  <a:pt x="8548440" y="32272"/>
+                  <a:pt x="8727876" y="19050"/>
+                  <a:pt x="8915400" y="0"/>
+                </a:cubicBezTo>
+                <a:cubicBezTo>
+                  <a:pt x="8915166" y="3914"/>
+                  <a:pt x="8916037" y="11675"/>
+                  <a:pt x="8915400" y="18288"/>
+                </a:cubicBezTo>
+                <a:cubicBezTo>
+                  <a:pt x="8713532" y="8576"/>
+                  <a:pt x="8563121" y="63420"/>
+                  <a:pt x="8229600" y="18288"/>
+                </a:cubicBezTo>
+                <a:cubicBezTo>
+                  <a:pt x="7896234" y="-4376"/>
+                  <a:pt x="7930644" y="23087"/>
+                  <a:pt x="7722108" y="18288"/>
+                </a:cubicBezTo>
+                <a:cubicBezTo>
+                  <a:pt x="7523605" y="15584"/>
+                  <a:pt x="7489933" y="38961"/>
+                  <a:pt x="7303770" y="18288"/>
+                </a:cubicBezTo>
+                <a:cubicBezTo>
+                  <a:pt x="7099810" y="8938"/>
+                  <a:pt x="6884280" y="34564"/>
+                  <a:pt x="6707124" y="18288"/>
+                </a:cubicBezTo>
+                <a:cubicBezTo>
+                  <a:pt x="6504903" y="-8481"/>
+                  <a:pt x="6380294" y="36556"/>
+                  <a:pt x="6021324" y="18288"/>
+                </a:cubicBezTo>
+                <a:cubicBezTo>
+                  <a:pt x="5689478" y="21418"/>
+                  <a:pt x="5634769" y="1182"/>
+                  <a:pt x="5424678" y="18288"/>
+                </a:cubicBezTo>
+                <a:cubicBezTo>
+                  <a:pt x="5191022" y="50217"/>
+                  <a:pt x="5058440" y="-7135"/>
+                  <a:pt x="4917186" y="18288"/>
+                </a:cubicBezTo>
+                <a:cubicBezTo>
+                  <a:pt x="4764238" y="23263"/>
+                  <a:pt x="4289805" y="-14805"/>
+                  <a:pt x="4053078" y="18288"/>
+                </a:cubicBezTo>
+                <a:cubicBezTo>
+                  <a:pt x="3782719" y="70701"/>
+                  <a:pt x="3608750" y="-18130"/>
+                  <a:pt x="3367278" y="18288"/>
+                </a:cubicBezTo>
+                <a:cubicBezTo>
+                  <a:pt x="3121144" y="23976"/>
+                  <a:pt x="2755771" y="22660"/>
+                  <a:pt x="2592324" y="18288"/>
+                </a:cubicBezTo>
+                <a:cubicBezTo>
+                  <a:pt x="2419784" y="36338"/>
+                  <a:pt x="2337455" y="-18338"/>
+                  <a:pt x="2173986" y="18288"/>
+                </a:cubicBezTo>
+                <a:cubicBezTo>
+                  <a:pt x="2032174" y="15870"/>
+                  <a:pt x="1894643" y="63300"/>
+                  <a:pt x="1666494" y="18288"/>
+                </a:cubicBezTo>
+                <a:cubicBezTo>
+                  <a:pt x="1404071" y="-13319"/>
+                  <a:pt x="1254436" y="17505"/>
+                  <a:pt x="980694" y="18288"/>
+                </a:cubicBezTo>
+                <a:cubicBezTo>
+                  <a:pt x="696685" y="58934"/>
+                  <a:pt x="422119" y="30009"/>
+                  <a:pt x="0" y="18288"/>
+                </a:cubicBezTo>
+                <a:cubicBezTo>
+                  <a:pt x="581" y="8946"/>
+                  <a:pt x="674" y="6864"/>
+                  <a:pt x="0" y="0"/>
+                </a:cubicBezTo>
+                <a:close/>
+              </a:path>
+              <a:path w="8915400" h="18288" stroke="0" extrusionOk="0">
+                <a:moveTo>
+                  <a:pt x="0" y="0"/>
+                </a:moveTo>
+                <a:cubicBezTo>
+                  <a:pt x="157786" y="44083"/>
+                  <a:pt x="253838" y="-2616"/>
+                  <a:pt x="507492" y="0"/>
+                </a:cubicBezTo>
+                <a:cubicBezTo>
+                  <a:pt x="758881" y="-8742"/>
+                  <a:pt x="731946" y="11268"/>
+                  <a:pt x="925830" y="0"/>
+                </a:cubicBezTo>
+                <a:cubicBezTo>
+                  <a:pt x="1132584" y="4838"/>
+                  <a:pt x="1279329" y="22995"/>
+                  <a:pt x="1433322" y="0"/>
+                </a:cubicBezTo>
+                <a:cubicBezTo>
+                  <a:pt x="1594399" y="24935"/>
+                  <a:pt x="1839387" y="14201"/>
+                  <a:pt x="2119122" y="0"/>
+                </a:cubicBezTo>
+                <a:cubicBezTo>
+                  <a:pt x="2396399" y="-21219"/>
+                  <a:pt x="2725043" y="-39488"/>
+                  <a:pt x="2894076" y="0"/>
+                </a:cubicBezTo>
+                <a:cubicBezTo>
+                  <a:pt x="3071623" y="23806"/>
+                  <a:pt x="3298370" y="-5752"/>
+                  <a:pt x="3758184" y="0"/>
+                </a:cubicBezTo>
+                <a:cubicBezTo>
+                  <a:pt x="4200732" y="-31375"/>
+                  <a:pt x="4352093" y="11224"/>
+                  <a:pt x="4622292" y="0"/>
+                </a:cubicBezTo>
+                <a:cubicBezTo>
+                  <a:pt x="4869287" y="6004"/>
+                  <a:pt x="5083238" y="3882"/>
+                  <a:pt x="5218938" y="0"/>
+                </a:cubicBezTo>
+                <a:cubicBezTo>
+                  <a:pt x="5348549" y="63567"/>
+                  <a:pt x="5679438" y="24508"/>
+                  <a:pt x="5993892" y="0"/>
+                </a:cubicBezTo>
+                <a:cubicBezTo>
+                  <a:pt x="6336108" y="2863"/>
+                  <a:pt x="6397173" y="-10362"/>
+                  <a:pt x="6679692" y="0"/>
+                </a:cubicBezTo>
+                <a:cubicBezTo>
+                  <a:pt x="6986119" y="-6370"/>
+                  <a:pt x="7152437" y="7563"/>
+                  <a:pt x="7276338" y="0"/>
+                </a:cubicBezTo>
+                <a:cubicBezTo>
+                  <a:pt x="7383802" y="-2580"/>
+                  <a:pt x="7769812" y="21758"/>
+                  <a:pt x="8051292" y="0"/>
+                </a:cubicBezTo>
+                <a:cubicBezTo>
+                  <a:pt x="8355724" y="12759"/>
+                  <a:pt x="8539332" y="-24397"/>
+                  <a:pt x="8915400" y="0"/>
+                </a:cubicBezTo>
+                <a:cubicBezTo>
+                  <a:pt x="8915037" y="4815"/>
+                  <a:pt x="8914786" y="11724"/>
+                  <a:pt x="8915400" y="18288"/>
+                </a:cubicBezTo>
+                <a:cubicBezTo>
+                  <a:pt x="8836541" y="1791"/>
+                  <a:pt x="8611799" y="24949"/>
+                  <a:pt x="8407908" y="18288"/>
+                </a:cubicBezTo>
+                <a:cubicBezTo>
+                  <a:pt x="8168448" y="42138"/>
+                  <a:pt x="7942394" y="-9729"/>
+                  <a:pt x="7543800" y="18288"/>
+                </a:cubicBezTo>
+                <a:cubicBezTo>
+                  <a:pt x="7124944" y="23280"/>
+                  <a:pt x="7261300" y="1343"/>
+                  <a:pt x="7036308" y="18288"/>
+                </a:cubicBezTo>
+                <a:cubicBezTo>
+                  <a:pt x="6795507" y="68271"/>
+                  <a:pt x="6479622" y="-53141"/>
+                  <a:pt x="6261354" y="18288"/>
+                </a:cubicBezTo>
+                <a:cubicBezTo>
+                  <a:pt x="6049181" y="43687"/>
+                  <a:pt x="6039031" y="16189"/>
+                  <a:pt x="5843016" y="18288"/>
+                </a:cubicBezTo>
+                <a:cubicBezTo>
+                  <a:pt x="5657526" y="-489"/>
+                  <a:pt x="5455920" y="65963"/>
+                  <a:pt x="5157216" y="18288"/>
+                </a:cubicBezTo>
+                <a:cubicBezTo>
+                  <a:pt x="4854073" y="6607"/>
+                  <a:pt x="4842363" y="19377"/>
+                  <a:pt x="4649724" y="18288"/>
+                </a:cubicBezTo>
+                <a:cubicBezTo>
+                  <a:pt x="4473741" y="16932"/>
+                  <a:pt x="4226747" y="82645"/>
+                  <a:pt x="3785616" y="18288"/>
+                </a:cubicBezTo>
+                <a:cubicBezTo>
+                  <a:pt x="3389790" y="-31291"/>
+                  <a:pt x="3523792" y="12522"/>
+                  <a:pt x="3367278" y="18288"/>
+                </a:cubicBezTo>
+                <a:cubicBezTo>
+                  <a:pt x="3215190" y="68706"/>
+                  <a:pt x="2904561" y="-25714"/>
+                  <a:pt x="2681478" y="18288"/>
+                </a:cubicBezTo>
+                <a:cubicBezTo>
+                  <a:pt x="2419788" y="37398"/>
+                  <a:pt x="2458095" y="25052"/>
+                  <a:pt x="2263140" y="18288"/>
+                </a:cubicBezTo>
+                <a:cubicBezTo>
+                  <a:pt x="2054588" y="-9806"/>
+                  <a:pt x="1965376" y="3164"/>
+                  <a:pt x="1755648" y="18288"/>
+                </a:cubicBezTo>
+                <a:cubicBezTo>
+                  <a:pt x="1496494" y="18521"/>
+                  <a:pt x="1323897" y="-43217"/>
+                  <a:pt x="980694" y="18288"/>
+                </a:cubicBezTo>
+                <a:cubicBezTo>
+                  <a:pt x="716942" y="46626"/>
+                  <a:pt x="377823" y="27571"/>
+                  <a:pt x="0" y="18288"/>
+                </a:cubicBezTo>
+                <a:cubicBezTo>
+                  <a:pt x="1533" y="11322"/>
+                  <a:pt x="-1053" y="5133"/>
+                  <a:pt x="0" y="0"/>
+                </a:cubicBezTo>
+                <a:close/>
+              </a:path>
+              <a:path w="8915400" h="18288" fill="none" stroke="0" extrusionOk="0">
+                <a:moveTo>
+                  <a:pt x="0" y="0"/>
+                </a:moveTo>
+                <a:cubicBezTo>
+                  <a:pt x="333858" y="-4067"/>
+                  <a:pt x="427874" y="-39557"/>
+                  <a:pt x="774954" y="0"/>
+                </a:cubicBezTo>
+                <a:cubicBezTo>
+                  <a:pt x="1097529" y="31644"/>
+                  <a:pt x="1330797" y="-22483"/>
+                  <a:pt x="1639062" y="0"/>
+                </a:cubicBezTo>
+                <a:cubicBezTo>
+                  <a:pt x="1953416" y="19638"/>
+                  <a:pt x="1834862" y="22644"/>
+                  <a:pt x="2057400" y="0"/>
+                </a:cubicBezTo>
+                <a:cubicBezTo>
+                  <a:pt x="2273814" y="-8685"/>
+                  <a:pt x="2485317" y="4662"/>
+                  <a:pt x="2654046" y="0"/>
+                </a:cubicBezTo>
+                <a:cubicBezTo>
+                  <a:pt x="2865540" y="17472"/>
+                  <a:pt x="2969344" y="-9543"/>
+                  <a:pt x="3072384" y="0"/>
+                </a:cubicBezTo>
+                <a:cubicBezTo>
+                  <a:pt x="3166548" y="-18216"/>
+                  <a:pt x="3567989" y="58613"/>
+                  <a:pt x="3758184" y="0"/>
+                </a:cubicBezTo>
+                <a:cubicBezTo>
+                  <a:pt x="3974151" y="-18768"/>
+                  <a:pt x="4110083" y="-19736"/>
+                  <a:pt x="4354830" y="0"/>
+                </a:cubicBezTo>
+                <a:cubicBezTo>
+                  <a:pt x="4565590" y="-23939"/>
+                  <a:pt x="4907380" y="-4612"/>
+                  <a:pt x="5129784" y="0"/>
+                </a:cubicBezTo>
+                <a:cubicBezTo>
+                  <a:pt x="5395005" y="-67014"/>
+                  <a:pt x="5621668" y="-67737"/>
+                  <a:pt x="5993892" y="0"/>
+                </a:cubicBezTo>
+                <a:cubicBezTo>
+                  <a:pt x="6311511" y="21347"/>
+                  <a:pt x="6376896" y="7583"/>
+                  <a:pt x="6679692" y="0"/>
+                </a:cubicBezTo>
+                <a:cubicBezTo>
+                  <a:pt x="7003621" y="1061"/>
+                  <a:pt x="7179585" y="-9933"/>
+                  <a:pt x="7543800" y="0"/>
+                </a:cubicBezTo>
+                <a:cubicBezTo>
+                  <a:pt x="7901271" y="7774"/>
+                  <a:pt x="7885862" y="-14932"/>
+                  <a:pt x="8229600" y="0"/>
+                </a:cubicBezTo>
+                <a:cubicBezTo>
+                  <a:pt x="8554635" y="23905"/>
+                  <a:pt x="8713434" y="39941"/>
+                  <a:pt x="8915400" y="0"/>
+                </a:cubicBezTo>
+                <a:cubicBezTo>
+                  <a:pt x="8915112" y="3793"/>
+                  <a:pt x="8915227" y="11070"/>
+                  <a:pt x="8915400" y="18288"/>
+                </a:cubicBezTo>
+                <a:cubicBezTo>
+                  <a:pt x="8715528" y="-37168"/>
+                  <a:pt x="8566476" y="26665"/>
+                  <a:pt x="8229600" y="18288"/>
+                </a:cubicBezTo>
+                <a:cubicBezTo>
+                  <a:pt x="7894731" y="-10108"/>
+                  <a:pt x="7915995" y="26020"/>
+                  <a:pt x="7722108" y="18288"/>
+                </a:cubicBezTo>
+                <a:cubicBezTo>
+                  <a:pt x="7520321" y="14417"/>
+                  <a:pt x="7491018" y="29385"/>
+                  <a:pt x="7303770" y="18288"/>
+                </a:cubicBezTo>
+                <a:cubicBezTo>
+                  <a:pt x="7092177" y="19774"/>
+                  <a:pt x="6886801" y="-22305"/>
+                  <a:pt x="6707124" y="18288"/>
+                </a:cubicBezTo>
+                <a:cubicBezTo>
+                  <a:pt x="6536396" y="12367"/>
+                  <a:pt x="6346942" y="7073"/>
+                  <a:pt x="6021324" y="18288"/>
+                </a:cubicBezTo>
+                <a:cubicBezTo>
+                  <a:pt x="5689370" y="17572"/>
+                  <a:pt x="5634351" y="-2485"/>
+                  <a:pt x="5424678" y="18288"/>
+                </a:cubicBezTo>
+                <a:cubicBezTo>
+                  <a:pt x="5228110" y="20290"/>
+                  <a:pt x="5067787" y="-3148"/>
+                  <a:pt x="4917186" y="18288"/>
+                </a:cubicBezTo>
+                <a:cubicBezTo>
+                  <a:pt x="4797206" y="-4847"/>
+                  <a:pt x="4327375" y="32748"/>
+                  <a:pt x="4053078" y="18288"/>
+                </a:cubicBezTo>
+                <a:cubicBezTo>
+                  <a:pt x="3805385" y="30864"/>
+                  <a:pt x="3591539" y="26464"/>
+                  <a:pt x="3367278" y="18288"/>
+                </a:cubicBezTo>
+                <a:cubicBezTo>
+                  <a:pt x="3098740" y="26024"/>
+                  <a:pt x="2777792" y="41826"/>
+                  <a:pt x="2592324" y="18288"/>
+                </a:cubicBezTo>
+                <a:cubicBezTo>
+                  <a:pt x="2409853" y="28802"/>
+                  <a:pt x="2342788" y="-6650"/>
+                  <a:pt x="2173986" y="18288"/>
+                </a:cubicBezTo>
+                <a:cubicBezTo>
+                  <a:pt x="2005721" y="64374"/>
+                  <a:pt x="1925753" y="56009"/>
+                  <a:pt x="1666494" y="18288"/>
+                </a:cubicBezTo>
+                <a:cubicBezTo>
+                  <a:pt x="1443426" y="-3521"/>
+                  <a:pt x="1273240" y="20671"/>
+                  <a:pt x="980694" y="18288"/>
+                </a:cubicBezTo>
+                <a:cubicBezTo>
+                  <a:pt x="670973" y="66432"/>
+                  <a:pt x="428311" y="54652"/>
+                  <a:pt x="0" y="18288"/>
+                </a:cubicBezTo>
+                <a:cubicBezTo>
+                  <a:pt x="719" y="10056"/>
+                  <a:pt x="656" y="5611"/>
+                  <a:pt x="0" y="0"/>
+                </a:cubicBezTo>
+                <a:close/>
+              </a:path>
+            </a:pathLst>
+          </a:custGeom>
+          <a:solidFill>
+            <a:schemeClr val="accent2">
+              <a:alpha val="75000"/>
+            </a:schemeClr>
+          </a:solidFill>
+          <a:ln w="44450" cap="rnd">
+            <a:solidFill>
+              <a:schemeClr val="accent2">
+                <a:alpha val="75000"/>
+              </a:schemeClr>
+            </a:solidFill>
+            <a:round/>
+            <a:extLst>
+              <a:ext uri="{C807C97D-BFC1-408E-A445-0C87EB9F89A2}">
+                <ask:lineSketchStyleProps xmlns:ask="http://schemas.microsoft.com/office/drawing/2018/sketchyshapes" sd="2727557108">
+                  <a:custGeom>
+                    <a:avLst/>
+                    <a:gdLst>
+                      <a:gd name="connsiteX0" fmla="*/ 0 w 8915400"/>
+                      <a:gd name="connsiteY0" fmla="*/ 0 h 18288"/>
+                      <a:gd name="connsiteX1" fmla="*/ 774954 w 8915400"/>
+                      <a:gd name="connsiteY1" fmla="*/ 0 h 18288"/>
+                      <a:gd name="connsiteX2" fmla="*/ 1639062 w 8915400"/>
+                      <a:gd name="connsiteY2" fmla="*/ 0 h 18288"/>
+                      <a:gd name="connsiteX3" fmla="*/ 2057400 w 8915400"/>
+                      <a:gd name="connsiteY3" fmla="*/ 0 h 18288"/>
+                      <a:gd name="connsiteX4" fmla="*/ 2654046 w 8915400"/>
+                      <a:gd name="connsiteY4" fmla="*/ 0 h 18288"/>
+                      <a:gd name="connsiteX5" fmla="*/ 3072384 w 8915400"/>
+                      <a:gd name="connsiteY5" fmla="*/ 0 h 18288"/>
+                      <a:gd name="connsiteX6" fmla="*/ 3758184 w 8915400"/>
+                      <a:gd name="connsiteY6" fmla="*/ 0 h 18288"/>
+                      <a:gd name="connsiteX7" fmla="*/ 4354830 w 8915400"/>
+                      <a:gd name="connsiteY7" fmla="*/ 0 h 18288"/>
+                      <a:gd name="connsiteX8" fmla="*/ 5129784 w 8915400"/>
+                      <a:gd name="connsiteY8" fmla="*/ 0 h 18288"/>
+                      <a:gd name="connsiteX9" fmla="*/ 5993892 w 8915400"/>
+                      <a:gd name="connsiteY9" fmla="*/ 0 h 18288"/>
+                      <a:gd name="connsiteX10" fmla="*/ 6679692 w 8915400"/>
+                      <a:gd name="connsiteY10" fmla="*/ 0 h 18288"/>
+                      <a:gd name="connsiteX11" fmla="*/ 7543800 w 8915400"/>
+                      <a:gd name="connsiteY11" fmla="*/ 0 h 18288"/>
+                      <a:gd name="connsiteX12" fmla="*/ 8229600 w 8915400"/>
+                      <a:gd name="connsiteY12" fmla="*/ 0 h 18288"/>
+                      <a:gd name="connsiteX13" fmla="*/ 8915400 w 8915400"/>
+                      <a:gd name="connsiteY13" fmla="*/ 0 h 18288"/>
+                      <a:gd name="connsiteX14" fmla="*/ 8915400 w 8915400"/>
+                      <a:gd name="connsiteY14" fmla="*/ 18288 h 18288"/>
+                      <a:gd name="connsiteX15" fmla="*/ 8229600 w 8915400"/>
+                      <a:gd name="connsiteY15" fmla="*/ 18288 h 18288"/>
+                      <a:gd name="connsiteX16" fmla="*/ 7722108 w 8915400"/>
+                      <a:gd name="connsiteY16" fmla="*/ 18288 h 18288"/>
+                      <a:gd name="connsiteX17" fmla="*/ 7303770 w 8915400"/>
+                      <a:gd name="connsiteY17" fmla="*/ 18288 h 18288"/>
+                      <a:gd name="connsiteX18" fmla="*/ 6707124 w 8915400"/>
+                      <a:gd name="connsiteY18" fmla="*/ 18288 h 18288"/>
+                      <a:gd name="connsiteX19" fmla="*/ 6021324 w 8915400"/>
+                      <a:gd name="connsiteY19" fmla="*/ 18288 h 18288"/>
+                      <a:gd name="connsiteX20" fmla="*/ 5424678 w 8915400"/>
+                      <a:gd name="connsiteY20" fmla="*/ 18288 h 18288"/>
+                      <a:gd name="connsiteX21" fmla="*/ 4917186 w 8915400"/>
+                      <a:gd name="connsiteY21" fmla="*/ 18288 h 18288"/>
+                      <a:gd name="connsiteX22" fmla="*/ 4053078 w 8915400"/>
+                      <a:gd name="connsiteY22" fmla="*/ 18288 h 18288"/>
+                      <a:gd name="connsiteX23" fmla="*/ 3367278 w 8915400"/>
+                      <a:gd name="connsiteY23" fmla="*/ 18288 h 18288"/>
+                      <a:gd name="connsiteX24" fmla="*/ 2592324 w 8915400"/>
+                      <a:gd name="connsiteY24" fmla="*/ 18288 h 18288"/>
+                      <a:gd name="connsiteX25" fmla="*/ 2173986 w 8915400"/>
+                      <a:gd name="connsiteY25" fmla="*/ 18288 h 18288"/>
+                      <a:gd name="connsiteX26" fmla="*/ 1666494 w 8915400"/>
+                      <a:gd name="connsiteY26" fmla="*/ 18288 h 18288"/>
+                      <a:gd name="connsiteX27" fmla="*/ 980694 w 8915400"/>
+                      <a:gd name="connsiteY27" fmla="*/ 18288 h 18288"/>
+                      <a:gd name="connsiteX28" fmla="*/ 0 w 8915400"/>
+                      <a:gd name="connsiteY28" fmla="*/ 18288 h 18288"/>
+                      <a:gd name="connsiteX29" fmla="*/ 0 w 8915400"/>
+                      <a:gd name="connsiteY29" fmla="*/ 0 h 18288"/>
+                    </a:gdLst>
+                    <a:ahLst/>
+                    <a:cxnLst>
+                      <a:cxn ang="0">
+                        <a:pos x="connsiteX0" y="connsiteY0"/>
+                      </a:cxn>
+                      <a:cxn ang="0">
+                        <a:pos x="connsiteX1" y="connsiteY1"/>
+                      </a:cxn>
+                      <a:cxn ang="0">
+                        <a:pos x="connsiteX2" y="connsiteY2"/>
+                      </a:cxn>
+                      <a:cxn ang="0">
+                        <a:pos x="connsiteX3" y="connsiteY3"/>
+                      </a:cxn>
+                      <a:cxn ang="0">
+                        <a:pos x="connsiteX4" y="connsiteY4"/>
+                      </a:cxn>
+                      <a:cxn ang="0">
+                        <a:pos x="connsiteX5" y="connsiteY5"/>
+                      </a:cxn>
+                      <a:cxn ang="0">
+                        <a:pos x="connsiteX6" y="connsiteY6"/>
+                      </a:cxn>
+                      <a:cxn ang="0">
+                        <a:pos x="connsiteX7" y="connsiteY7"/>
+                      </a:cxn>
+                      <a:cxn ang="0">
+                        <a:pos x="connsiteX8" y="connsiteY8"/>
+                      </a:cxn>
+                      <a:cxn ang="0">
+                        <a:pos x="connsiteX9" y="connsiteY9"/>
+                      </a:cxn>
+                      <a:cxn ang="0">
+                        <a:pos x="connsiteX10" y="connsiteY10"/>
+                      </a:cxn>
+                      <a:cxn ang="0">
+                        <a:pos x="connsiteX11" y="connsiteY11"/>
+                      </a:cxn>
+                      <a:cxn ang="0">
+                        <a:pos x="connsiteX12" y="connsiteY12"/>
+                      </a:cxn>
+                      <a:cxn ang="0">
+                        <a:pos x="connsiteX13" y="connsiteY13"/>
+                      </a:cxn>
+                      <a:cxn ang="0">
+                        <a:pos x="connsiteX14" y="connsiteY14"/>
+                      </a:cxn>
+                      <a:cxn ang="0">
+                        <a:pos x="connsiteX15" y="connsiteY15"/>
+                      </a:cxn>
+                      <a:cxn ang="0">
+                        <a:pos x="connsiteX16" y="connsiteY16"/>
+                      </a:cxn>
+                      <a:cxn ang="0">
+                        <a:pos x="connsiteX17" y="connsiteY17"/>
+                      </a:cxn>
+                      <a:cxn ang="0">
+                        <a:pos x="connsiteX18" y="connsiteY18"/>
+                      </a:cxn>
+                      <a:cxn ang="0">
+                        <a:pos x="connsiteX19" y="connsiteY19"/>
+                      </a:cxn>
+                      <a:cxn ang="0">
+                        <a:pos x="connsiteX20" y="connsiteY20"/>
+                      </a:cxn>
+                      <a:cxn ang="0">
+                        <a:pos x="connsiteX21" y="connsiteY21"/>
+                      </a:cxn>
+                      <a:cxn ang="0">
+                        <a:pos x="connsiteX22" y="connsiteY22"/>
+                      </a:cxn>
+                      <a:cxn ang="0">
+                        <a:pos x="connsiteX23" y="connsiteY23"/>
+                      </a:cxn>
+                      <a:cxn ang="0">
+                        <a:pos x="connsiteX24" y="connsiteY24"/>
+                      </a:cxn>
+                      <a:cxn ang="0">
+                        <a:pos x="connsiteX25" y="connsiteY25"/>
+                      </a:cxn>
+                      <a:cxn ang="0">
+                        <a:pos x="connsiteX26" y="connsiteY26"/>
+                      </a:cxn>
+                      <a:cxn ang="0">
+                        <a:pos x="connsiteX27" y="connsiteY27"/>
+                      </a:cxn>
+                      <a:cxn ang="0">
+                        <a:pos x="connsiteX28" y="connsiteY28"/>
+                      </a:cxn>
+                      <a:cxn ang="0">
+                        <a:pos x="connsiteX29" y="connsiteY29"/>
+                      </a:cxn>
+                    </a:cxnLst>
+                    <a:rect l="l" t="t" r="r" b="b"/>
+                    <a:pathLst>
+                      <a:path w="8915400" h="18288" fill="none" extrusionOk="0">
+                        <a:moveTo>
+                          <a:pt x="0" y="0"/>
+                        </a:moveTo>
+                        <a:cubicBezTo>
+                          <a:pt x="337528" y="-5755"/>
+                          <a:pt x="433375" y="-33203"/>
+                          <a:pt x="774954" y="0"/>
+                        </a:cubicBezTo>
+                        <a:cubicBezTo>
+                          <a:pt x="1116533" y="33203"/>
+                          <a:pt x="1340881" y="-28061"/>
+                          <a:pt x="1639062" y="0"/>
+                        </a:cubicBezTo>
+                        <a:cubicBezTo>
+                          <a:pt x="1937243" y="28061"/>
+                          <a:pt x="1849260" y="15250"/>
+                          <a:pt x="2057400" y="0"/>
+                        </a:cubicBezTo>
+                        <a:cubicBezTo>
+                          <a:pt x="2265540" y="-15250"/>
+                          <a:pt x="2448929" y="-14307"/>
+                          <a:pt x="2654046" y="0"/>
+                        </a:cubicBezTo>
+                        <a:cubicBezTo>
+                          <a:pt x="2859163" y="14307"/>
+                          <a:pt x="2969561" y="-6006"/>
+                          <a:pt x="3072384" y="0"/>
+                        </a:cubicBezTo>
+                        <a:cubicBezTo>
+                          <a:pt x="3175207" y="6006"/>
+                          <a:pt x="3584301" y="29368"/>
+                          <a:pt x="3758184" y="0"/>
+                        </a:cubicBezTo>
+                        <a:cubicBezTo>
+                          <a:pt x="3932067" y="-29368"/>
+                          <a:pt x="4120358" y="-16622"/>
+                          <a:pt x="4354830" y="0"/>
+                        </a:cubicBezTo>
+                        <a:cubicBezTo>
+                          <a:pt x="4589302" y="16622"/>
+                          <a:pt x="4905637" y="373"/>
+                          <a:pt x="5129784" y="0"/>
+                        </a:cubicBezTo>
+                        <a:cubicBezTo>
+                          <a:pt x="5353931" y="-373"/>
+                          <a:pt x="5675741" y="-25334"/>
+                          <a:pt x="5993892" y="0"/>
+                        </a:cubicBezTo>
+                        <a:cubicBezTo>
+                          <a:pt x="6312043" y="25334"/>
+                          <a:pt x="6372057" y="8922"/>
+                          <a:pt x="6679692" y="0"/>
+                        </a:cubicBezTo>
+                        <a:cubicBezTo>
+                          <a:pt x="6987327" y="-8922"/>
+                          <a:pt x="7187378" y="-7798"/>
+                          <a:pt x="7543800" y="0"/>
+                        </a:cubicBezTo>
+                        <a:cubicBezTo>
+                          <a:pt x="7900222" y="7798"/>
+                          <a:pt x="7888819" y="-19526"/>
+                          <a:pt x="8229600" y="0"/>
+                        </a:cubicBezTo>
+                        <a:cubicBezTo>
+                          <a:pt x="8570381" y="19526"/>
+                          <a:pt x="8707511" y="24489"/>
+                          <a:pt x="8915400" y="0"/>
+                        </a:cubicBezTo>
+                        <a:cubicBezTo>
+                          <a:pt x="8915064" y="4069"/>
+                          <a:pt x="8915086" y="11919"/>
+                          <a:pt x="8915400" y="18288"/>
+                        </a:cubicBezTo>
+                        <a:cubicBezTo>
+                          <a:pt x="8730184" y="-3322"/>
+                          <a:pt x="8563733" y="39277"/>
+                          <a:pt x="8229600" y="18288"/>
+                        </a:cubicBezTo>
+                        <a:cubicBezTo>
+                          <a:pt x="7895467" y="-2701"/>
+                          <a:pt x="7922826" y="24283"/>
+                          <a:pt x="7722108" y="18288"/>
+                        </a:cubicBezTo>
+                        <a:cubicBezTo>
+                          <a:pt x="7521390" y="12293"/>
+                          <a:pt x="7492072" y="32845"/>
+                          <a:pt x="7303770" y="18288"/>
+                        </a:cubicBezTo>
+                        <a:cubicBezTo>
+                          <a:pt x="7115468" y="3731"/>
+                          <a:pt x="6874144" y="15825"/>
+                          <a:pt x="6707124" y="18288"/>
+                        </a:cubicBezTo>
+                        <a:cubicBezTo>
+                          <a:pt x="6540104" y="20751"/>
+                          <a:pt x="6350044" y="13374"/>
+                          <a:pt x="6021324" y="18288"/>
+                        </a:cubicBezTo>
+                        <a:cubicBezTo>
+                          <a:pt x="5692604" y="23202"/>
+                          <a:pt x="5641977" y="6022"/>
+                          <a:pt x="5424678" y="18288"/>
+                        </a:cubicBezTo>
+                        <a:cubicBezTo>
+                          <a:pt x="5207379" y="30554"/>
+                          <a:pt x="5066678" y="7049"/>
+                          <a:pt x="4917186" y="18288"/>
+                        </a:cubicBezTo>
+                        <a:cubicBezTo>
+                          <a:pt x="4767694" y="29527"/>
+                          <a:pt x="4306267" y="-15733"/>
+                          <a:pt x="4053078" y="18288"/>
+                        </a:cubicBezTo>
+                        <a:cubicBezTo>
+                          <a:pt x="3799889" y="52309"/>
+                          <a:pt x="3619539" y="21016"/>
+                          <a:pt x="3367278" y="18288"/>
+                        </a:cubicBezTo>
+                        <a:cubicBezTo>
+                          <a:pt x="3115017" y="15560"/>
+                          <a:pt x="2771569" y="4856"/>
+                          <a:pt x="2592324" y="18288"/>
+                        </a:cubicBezTo>
+                        <a:cubicBezTo>
+                          <a:pt x="2413079" y="31720"/>
+                          <a:pt x="2330466" y="-2063"/>
+                          <a:pt x="2173986" y="18288"/>
+                        </a:cubicBezTo>
+                        <a:cubicBezTo>
+                          <a:pt x="2017506" y="38639"/>
+                          <a:pt x="1902443" y="43572"/>
+                          <a:pt x="1666494" y="18288"/>
+                        </a:cubicBezTo>
+                        <a:cubicBezTo>
+                          <a:pt x="1430545" y="-6996"/>
+                          <a:pt x="1253016" y="4263"/>
+                          <a:pt x="980694" y="18288"/>
+                        </a:cubicBezTo>
+                        <a:cubicBezTo>
+                          <a:pt x="708372" y="32313"/>
+                          <a:pt x="393171" y="26735"/>
+                          <a:pt x="0" y="18288"/>
+                        </a:cubicBezTo>
+                        <a:cubicBezTo>
+                          <a:pt x="398" y="9641"/>
+                          <a:pt x="888" y="6241"/>
+                          <a:pt x="0" y="0"/>
+                        </a:cubicBezTo>
+                        <a:close/>
+                      </a:path>
+                      <a:path w="8915400" h="18288" stroke="0" extrusionOk="0">
+                        <a:moveTo>
+                          <a:pt x="0" y="0"/>
+                        </a:moveTo>
+                        <a:cubicBezTo>
+                          <a:pt x="144966" y="21416"/>
+                          <a:pt x="257501" y="16085"/>
+                          <a:pt x="507492" y="0"/>
+                        </a:cubicBezTo>
+                        <a:cubicBezTo>
+                          <a:pt x="757483" y="-16085"/>
+                          <a:pt x="732551" y="6393"/>
+                          <a:pt x="925830" y="0"/>
+                        </a:cubicBezTo>
+                        <a:cubicBezTo>
+                          <a:pt x="1119109" y="-6393"/>
+                          <a:pt x="1251171" y="13008"/>
+                          <a:pt x="1433322" y="0"/>
+                        </a:cubicBezTo>
+                        <a:cubicBezTo>
+                          <a:pt x="1615473" y="-13008"/>
+                          <a:pt x="1837241" y="26161"/>
+                          <a:pt x="2119122" y="0"/>
+                        </a:cubicBezTo>
+                        <a:cubicBezTo>
+                          <a:pt x="2401003" y="-26161"/>
+                          <a:pt x="2727674" y="-17058"/>
+                          <a:pt x="2894076" y="0"/>
+                        </a:cubicBezTo>
+                        <a:cubicBezTo>
+                          <a:pt x="3060478" y="17058"/>
+                          <a:pt x="3337772" y="11539"/>
+                          <a:pt x="3758184" y="0"/>
+                        </a:cubicBezTo>
+                        <a:cubicBezTo>
+                          <a:pt x="4178596" y="-11539"/>
+                          <a:pt x="4354879" y="-30959"/>
+                          <a:pt x="4622292" y="0"/>
+                        </a:cubicBezTo>
+                        <a:cubicBezTo>
+                          <a:pt x="4889705" y="30959"/>
+                          <a:pt x="5073924" y="-2631"/>
+                          <a:pt x="5218938" y="0"/>
+                        </a:cubicBezTo>
+                        <a:cubicBezTo>
+                          <a:pt x="5363952" y="2631"/>
+                          <a:pt x="5654635" y="-9126"/>
+                          <a:pt x="5993892" y="0"/>
+                        </a:cubicBezTo>
+                        <a:cubicBezTo>
+                          <a:pt x="6333149" y="9126"/>
+                          <a:pt x="6394241" y="-11909"/>
+                          <a:pt x="6679692" y="0"/>
+                        </a:cubicBezTo>
+                        <a:cubicBezTo>
+                          <a:pt x="6965143" y="11909"/>
+                          <a:pt x="7154549" y="4142"/>
+                          <a:pt x="7276338" y="0"/>
+                        </a:cubicBezTo>
+                        <a:cubicBezTo>
+                          <a:pt x="7398127" y="-4142"/>
+                          <a:pt x="7765510" y="-20460"/>
+                          <a:pt x="8051292" y="0"/>
+                        </a:cubicBezTo>
+                        <a:cubicBezTo>
+                          <a:pt x="8337074" y="20460"/>
+                          <a:pt x="8568985" y="-21710"/>
+                          <a:pt x="8915400" y="0"/>
+                        </a:cubicBezTo>
+                        <a:cubicBezTo>
+                          <a:pt x="8916090" y="4871"/>
+                          <a:pt x="8915706" y="10616"/>
+                          <a:pt x="8915400" y="18288"/>
+                        </a:cubicBezTo>
+                        <a:cubicBezTo>
+                          <a:pt x="8813209" y="7875"/>
+                          <a:pt x="8640038" y="-4868"/>
+                          <a:pt x="8407908" y="18288"/>
+                        </a:cubicBezTo>
+                        <a:cubicBezTo>
+                          <a:pt x="8175778" y="41444"/>
+                          <a:pt x="7957505" y="8607"/>
+                          <a:pt x="7543800" y="18288"/>
+                        </a:cubicBezTo>
+                        <a:cubicBezTo>
+                          <a:pt x="7130095" y="27969"/>
+                          <a:pt x="7278166" y="8488"/>
+                          <a:pt x="7036308" y="18288"/>
+                        </a:cubicBezTo>
+                        <a:cubicBezTo>
+                          <a:pt x="6794450" y="28088"/>
+                          <a:pt x="6469158" y="-15113"/>
+                          <a:pt x="6261354" y="18288"/>
+                        </a:cubicBezTo>
+                        <a:cubicBezTo>
+                          <a:pt x="6053550" y="51689"/>
+                          <a:pt x="6040478" y="17021"/>
+                          <a:pt x="5843016" y="18288"/>
+                        </a:cubicBezTo>
+                        <a:cubicBezTo>
+                          <a:pt x="5645554" y="19555"/>
+                          <a:pt x="5460706" y="28891"/>
+                          <a:pt x="5157216" y="18288"/>
+                        </a:cubicBezTo>
+                        <a:cubicBezTo>
+                          <a:pt x="4853726" y="7685"/>
+                          <a:pt x="4839810" y="17061"/>
+                          <a:pt x="4649724" y="18288"/>
+                        </a:cubicBezTo>
+                        <a:cubicBezTo>
+                          <a:pt x="4459638" y="19515"/>
+                          <a:pt x="4198332" y="49265"/>
+                          <a:pt x="3785616" y="18288"/>
+                        </a:cubicBezTo>
+                        <a:cubicBezTo>
+                          <a:pt x="3372900" y="-12689"/>
+                          <a:pt x="3535848" y="17461"/>
+                          <a:pt x="3367278" y="18288"/>
+                        </a:cubicBezTo>
+                        <a:cubicBezTo>
+                          <a:pt x="3198708" y="19115"/>
+                          <a:pt x="2955073" y="461"/>
+                          <a:pt x="2681478" y="18288"/>
+                        </a:cubicBezTo>
+                        <a:cubicBezTo>
+                          <a:pt x="2407883" y="36115"/>
+                          <a:pt x="2459930" y="34035"/>
+                          <a:pt x="2263140" y="18288"/>
+                        </a:cubicBezTo>
+                        <a:cubicBezTo>
+                          <a:pt x="2066350" y="2541"/>
+                          <a:pt x="1959535" y="597"/>
+                          <a:pt x="1755648" y="18288"/>
+                        </a:cubicBezTo>
+                        <a:cubicBezTo>
+                          <a:pt x="1551761" y="35979"/>
+                          <a:pt x="1293515" y="5548"/>
+                          <a:pt x="980694" y="18288"/>
+                        </a:cubicBezTo>
+                        <a:cubicBezTo>
+                          <a:pt x="667873" y="31028"/>
+                          <a:pt x="376269" y="39385"/>
+                          <a:pt x="0" y="18288"/>
+                        </a:cubicBezTo>
+                        <a:cubicBezTo>
+                          <a:pt x="615" y="11247"/>
+                          <a:pt x="-687" y="4503"/>
+                          <a:pt x="0" y="0"/>
+                        </a:cubicBezTo>
+                        <a:close/>
+                      </a:path>
+                    </a:pathLst>
+                  </a:custGeom>
+                  <ask:type>
+                    <ask:lineSketchFreehand/>
+                  </ask:type>
+                </ask:lineSketchStyleProps>
+              </a:ext>
+            </a:extLst>
+          </a:ln>
+        </p:spPr>
+        <p:style>
+          <a:lnRef idx="2">
+            <a:schemeClr val="accent1">
+              <a:shade val="50000"/>
+            </a:schemeClr>
+          </a:lnRef>
+          <a:fillRef idx="1">
+            <a:schemeClr val="accent1"/>
+          </a:fillRef>
+          <a:effectRef idx="0">
+            <a:schemeClr val="accent1"/>
+          </a:effectRef>
+          <a:fontRef idx="minor">
+            <a:schemeClr val="lt1"/>
+          </a:fontRef>
+        </p:style>
+        <p:txBody>
+          <a:bodyPr rtlCol="0" anchor="ctr"/>
+          <a:lstStyle/>
+          <a:p>
+            <a:pPr algn="ctr"/>
+            <a:endParaRPr lang="en-US"/>
+          </a:p>
+        </p:txBody>
+      </p:sp>
+      <p:sp>
+        <p:nvSpPr>
+          <p:cNvPr id="3" name="Textfeld 2">
+            <a:extLst>
+              <a:ext uri="{FF2B5EF4-FFF2-40B4-BE49-F238E27FC236}">
+                <a16:creationId xmlns:a16="http://schemas.microsoft.com/office/drawing/2014/main" id="{E8CB3884-38BA-064B-8B97-483D44A3FCD0}"/>
+              </a:ext>
+            </a:extLst>
+          </p:cNvPr>
+          <p:cNvSpPr txBox="1"/>
+          <p:nvPr/>
+        </p:nvSpPr>
+        <p:spPr>
+          <a:xfrm>
+            <a:off x="156806" y="1816135"/>
+            <a:ext cx="6626766" cy="4119172"/>
+          </a:xfrm>
+          <a:prstGeom prst="rect">
+            <a:avLst/>
+          </a:prstGeom>
+        </p:spPr>
+        <p:txBody>
+          <a:bodyPr vert="horz" lIns="91440" tIns="45720" rIns="91440" bIns="45720" rtlCol="0" anchor="t">
+            <a:noAutofit/>
+          </a:bodyPr>
+          <a:lstStyle/>
+          <a:p>
+            <a:pPr indent="-228600" defTabSz="914400">
+              <a:lnSpc>
+                <a:spcPct val="90000"/>
+              </a:lnSpc>
+              <a:spcAft>
+                <a:spcPts val="600"/>
+              </a:spcAft>
+              <a:buFont typeface="Arial" panose="020B0604020202020204" pitchFamily="34" charset="0"/>
+              <a:buChar char="•"/>
+            </a:pPr>
+            <a:r>
+              <a:rPr lang="en-US" altLang="zh-CN" sz="1000" dirty="0">
+                <a:effectLst/>
+              </a:rPr>
+              <a:t>《</a:t>
+            </a:r>
+            <a:r>
+              <a:rPr lang="zh-CN" altLang="en-US" sz="1000" dirty="0">
+                <a:effectLst/>
+              </a:rPr>
+              <a:t>罗恩格林</a:t>
+            </a:r>
+            <a:r>
+              <a:rPr lang="en-US" altLang="zh-CN" sz="1000" dirty="0">
+                <a:effectLst/>
+              </a:rPr>
+              <a:t>》</a:t>
+            </a:r>
+            <a:r>
+              <a:rPr lang="zh-CN" altLang="en-US" sz="1000" dirty="0">
+                <a:effectLst/>
+              </a:rPr>
+              <a:t>是瓦格纳在</a:t>
+            </a:r>
+            <a:r>
+              <a:rPr lang="en-US" altLang="zh-CN" sz="1000" dirty="0">
+                <a:effectLst/>
+              </a:rPr>
+              <a:t>《</a:t>
+            </a:r>
+            <a:r>
+              <a:rPr lang="zh-CN" altLang="en-US" sz="1000" dirty="0">
+                <a:effectLst/>
+              </a:rPr>
+              <a:t>漂泊的荷兰人</a:t>
+            </a:r>
+            <a:r>
+              <a:rPr lang="en-US" altLang="zh-CN" sz="1000" dirty="0">
+                <a:effectLst/>
+              </a:rPr>
+              <a:t>》</a:t>
+            </a:r>
+            <a:r>
+              <a:rPr lang="zh-CN" altLang="en-US" sz="1000" dirty="0">
+                <a:effectLst/>
+              </a:rPr>
+              <a:t>和</a:t>
+            </a:r>
+            <a:r>
+              <a:rPr lang="en-US" altLang="zh-CN" sz="1000" dirty="0">
+                <a:effectLst/>
+              </a:rPr>
+              <a:t>《</a:t>
+            </a:r>
+            <a:r>
+              <a:rPr lang="zh-CN" altLang="en-US" sz="1000" dirty="0">
+                <a:effectLst/>
+              </a:rPr>
+              <a:t>汤豪瑟</a:t>
+            </a:r>
+            <a:r>
+              <a:rPr lang="en-US" altLang="zh-CN" sz="1000" dirty="0">
+                <a:effectLst/>
+              </a:rPr>
+              <a:t>》</a:t>
+            </a:r>
+            <a:r>
+              <a:rPr lang="zh-CN" altLang="en-US" sz="1000" dirty="0">
+                <a:effectLst/>
+              </a:rPr>
+              <a:t>两部歌剧之后，创作的更加接近乐剧的一部作品。虽然一般还是把她称作歌剧，但其乐剧的特点已经初具规模，表现在已经不用全剧的序曲，而是每一幕各自有前奏曲；主导动机的运用也更加明显，例如圣杯的主导动机；剧中的独唱也难于区分是咏叹调还是宣叙调。 </a:t>
+            </a:r>
+            <a:endParaRPr lang="en-US" altLang="zh-CN" sz="1000" dirty="0">
+              <a:effectLst/>
+            </a:endParaRPr>
+          </a:p>
+          <a:p>
+            <a:pPr indent="-228600" defTabSz="914400">
+              <a:lnSpc>
+                <a:spcPct val="90000"/>
+              </a:lnSpc>
+              <a:spcAft>
+                <a:spcPts val="600"/>
+              </a:spcAft>
+              <a:buFont typeface="Arial" panose="020B0604020202020204" pitchFamily="34" charset="0"/>
+              <a:buChar char="•"/>
+            </a:pPr>
+            <a:endParaRPr lang="en-US" altLang="zh-CN" sz="1000" dirty="0"/>
+          </a:p>
+          <a:p>
+            <a:pPr indent="-228600" defTabSz="914400">
+              <a:lnSpc>
+                <a:spcPct val="90000"/>
+              </a:lnSpc>
+              <a:spcAft>
+                <a:spcPts val="600"/>
+              </a:spcAft>
+              <a:buFont typeface="Arial" panose="020B0604020202020204" pitchFamily="34" charset="0"/>
+              <a:buChar char="•"/>
+            </a:pPr>
+            <a:r>
+              <a:rPr lang="zh-CN" altLang="en-US" sz="1000" dirty="0">
+                <a:effectLst/>
+              </a:rPr>
+              <a:t>更为深刻的印象是，罗恩格林正是尘世中瓦格纳的真实写照。他是唐豪瑟和荷兰人的另一个侧面，他同样孤独，但却是这个富于悲剧性时代的一个奇迹。这个世界尽管渴求奇迹，可奇迹一旦出现，却又千方百计试图将其纳入日常生活的范畴中，从而又消灭了奇迹。天才所要求的是绝对的忠贞，完全的信任，要求保留一切奇特的事物，而平庸的生活却要求知道名称和方式，要求将奇迹归于平凡世界。这就是瓦格纳和罗恩格林所共同面临的悲剧。 </a:t>
+            </a:r>
+            <a:endParaRPr lang="en-US" altLang="zh-CN" sz="1000" dirty="0"/>
+          </a:p>
+          <a:p>
+            <a:pPr indent="-228600" defTabSz="914400">
+              <a:lnSpc>
+                <a:spcPct val="90000"/>
+              </a:lnSpc>
+              <a:spcAft>
+                <a:spcPts val="600"/>
+              </a:spcAft>
+              <a:buFont typeface="Arial" panose="020B0604020202020204" pitchFamily="34" charset="0"/>
+              <a:buChar char="•"/>
+            </a:pPr>
+            <a:r>
+              <a:rPr lang="zh-CN" altLang="en-US" sz="1000" dirty="0">
+                <a:effectLst/>
+              </a:rPr>
+              <a:t>也许是在创作过程中，作者与角色的互相作用，导致了瓦格纳与四周的世界越来越格格不入，他的艺术越是向前精进，所遭受的误解与责难似乎就越多，一个献身于伟大艺术的戏剧家和音乐家是不会对公众的口味让步的，他渴望戏剧具有像古希腊悲剧那样宏伟崇高的场面，他以天生的改革家的狂热致力于这一理想的实现，他疏远了那些把歌剧看作是一种消遣的轻浮贵族，疏远了那些阻挠他改革尝试的保守的剧院经理，甚至也疏远了自己的妻子明娜，因为她对目前所获得的地位非常满意并开始反对他的空想计划。他还得忍受着批评的不公正，同行的敌视，来自梅耶贝尔的无比妒忌。在这缺乏理智与善良社会里，他深感孤独与无助，他希望能免遭非议，他盼望为人所爱，而又不必问他来自何方，有何需求，姓甚名谁。信任与热爱，瓦格纳认为这就是全部幸福的奥秘，可这根本不存在。所以，一切的冲突必然以悲剧告终。 </a:t>
+            </a:r>
+            <a:endParaRPr lang="en-US" altLang="zh-CN" sz="1000" dirty="0"/>
+          </a:p>
+          <a:p>
+            <a:pPr indent="-228600" defTabSz="914400">
+              <a:lnSpc>
+                <a:spcPct val="90000"/>
+              </a:lnSpc>
+              <a:spcAft>
+                <a:spcPts val="600"/>
+              </a:spcAft>
+              <a:buFont typeface="Arial" panose="020B0604020202020204" pitchFamily="34" charset="0"/>
+              <a:buChar char="•"/>
+            </a:pPr>
+            <a:r>
+              <a:rPr lang="zh-CN" altLang="en-US" sz="1000" dirty="0">
+                <a:effectLst/>
+              </a:rPr>
+              <a:t>浪漫主义的最后命运是弃绝尘世走向神界，</a:t>
+            </a:r>
+            <a:r>
+              <a:rPr lang="en-US" altLang="zh-CN" sz="1000" dirty="0">
+                <a:effectLst/>
+              </a:rPr>
+              <a:t>《</a:t>
+            </a:r>
+            <a:r>
+              <a:rPr lang="zh-CN" altLang="en-US" sz="1000" dirty="0">
+                <a:effectLst/>
+              </a:rPr>
+              <a:t>罗恩格林</a:t>
+            </a:r>
+            <a:r>
+              <a:rPr lang="en-US" altLang="zh-CN" sz="1000" dirty="0">
+                <a:effectLst/>
+              </a:rPr>
+              <a:t>》</a:t>
+            </a:r>
+            <a:r>
+              <a:rPr lang="zh-CN" altLang="en-US" sz="1000" dirty="0">
+                <a:effectLst/>
+              </a:rPr>
+              <a:t>应验了这种命运。浪漫主义的最终目的是综合艺术品，瓦格纳在</a:t>
+            </a:r>
+            <a:r>
+              <a:rPr lang="en-US" altLang="zh-CN" sz="1000" dirty="0">
+                <a:effectLst/>
+              </a:rPr>
+              <a:t>《</a:t>
+            </a:r>
+            <a:r>
+              <a:rPr lang="zh-CN" altLang="en-US" sz="1000" dirty="0">
+                <a:effectLst/>
+              </a:rPr>
+              <a:t>罗恩格林</a:t>
+            </a:r>
+            <a:r>
+              <a:rPr lang="en-US" altLang="zh-CN" sz="1000" dirty="0">
+                <a:effectLst/>
+              </a:rPr>
+              <a:t>》</a:t>
+            </a:r>
+            <a:r>
+              <a:rPr lang="zh-CN" altLang="en-US" sz="1000" dirty="0">
+                <a:effectLst/>
+              </a:rPr>
+              <a:t>中实现了这一目的。当李斯特梦想着将剧院中的戏剧因素与教堂中的虔诚因素相结合，试图创造出一种新型的“人道主义音乐”时，当柏辽兹正努力将一切</a:t>
+            </a:r>
+            <a:r>
+              <a:rPr lang="en-US" altLang="zh-CN" sz="1000" dirty="0">
+                <a:effectLst/>
+              </a:rPr>
+              <a:t>(</a:t>
+            </a:r>
+            <a:r>
+              <a:rPr lang="zh-CN" altLang="en-US" sz="1000" dirty="0">
+                <a:effectLst/>
+              </a:rPr>
+              <a:t>包括歌剧</a:t>
+            </a:r>
+            <a:r>
+              <a:rPr lang="en-US" altLang="zh-CN" sz="1000" dirty="0">
+                <a:effectLst/>
+              </a:rPr>
+              <a:t>)</a:t>
+            </a:r>
+            <a:r>
+              <a:rPr lang="zh-CN" altLang="en-US" sz="1000" dirty="0">
+                <a:effectLst/>
+              </a:rPr>
+              <a:t>都包容到交响乐中时，瓦格纳已经成功的将哲学、历史、神话、文学、诗、音乐、人声、手势表演、造型艺术等等全部纳入了他的音乐戏剧。对于旧歌剧所有的改造在</a:t>
+            </a:r>
+            <a:r>
+              <a:rPr lang="en-US" altLang="zh-CN" sz="1000" dirty="0">
+                <a:effectLst/>
+              </a:rPr>
+              <a:t>《</a:t>
+            </a:r>
+            <a:r>
+              <a:rPr lang="zh-CN" altLang="en-US" sz="1000" dirty="0">
+                <a:effectLst/>
+              </a:rPr>
+              <a:t>罗恩格林</a:t>
+            </a:r>
+            <a:r>
+              <a:rPr lang="en-US" altLang="zh-CN" sz="1000" dirty="0">
+                <a:effectLst/>
+              </a:rPr>
+              <a:t>》</a:t>
+            </a:r>
+            <a:r>
+              <a:rPr lang="zh-CN" altLang="en-US" sz="1000" dirty="0">
+                <a:effectLst/>
+              </a:rPr>
+              <a:t>中完成了。 </a:t>
+            </a:r>
+            <a:endParaRPr lang="en-US" altLang="zh-CN" sz="1000" dirty="0"/>
+          </a:p>
+          <a:p>
+            <a:pPr indent="-228600" defTabSz="914400">
+              <a:lnSpc>
+                <a:spcPct val="90000"/>
+              </a:lnSpc>
+              <a:spcAft>
+                <a:spcPts val="600"/>
+              </a:spcAft>
+              <a:buFont typeface="Arial" panose="020B0604020202020204" pitchFamily="34" charset="0"/>
+              <a:buChar char="•"/>
+            </a:pPr>
+            <a:r>
+              <a:rPr lang="zh-CN" altLang="en-US" sz="1000" dirty="0">
+                <a:effectLst/>
+              </a:rPr>
+              <a:t>还是在创作</a:t>
+            </a:r>
+            <a:r>
+              <a:rPr lang="en-US" altLang="zh-CN" sz="1000" dirty="0">
+                <a:effectLst/>
+              </a:rPr>
+              <a:t>《</a:t>
+            </a:r>
+            <a:r>
+              <a:rPr lang="zh-CN" altLang="en-US" sz="1000" dirty="0">
+                <a:effectLst/>
+              </a:rPr>
+              <a:t>罗恩格林</a:t>
+            </a:r>
+            <a:r>
+              <a:rPr lang="en-US" altLang="zh-CN" sz="1000" dirty="0">
+                <a:effectLst/>
+              </a:rPr>
+              <a:t>》</a:t>
+            </a:r>
+            <a:r>
+              <a:rPr lang="zh-CN" altLang="en-US" sz="1000" dirty="0">
+                <a:effectLst/>
+              </a:rPr>
+              <a:t>期间，瓦格纳同时注意到了德国神话和希腊悲剧、社会主义之间的一些联系。在对希腊文化的研究的帮助下，他将德国神话里的人物也赋予了人性。在</a:t>
+            </a:r>
+            <a:r>
+              <a:rPr lang="en-US" altLang="zh-CN" sz="1000" dirty="0">
+                <a:effectLst/>
+              </a:rPr>
+              <a:t>《</a:t>
+            </a:r>
+            <a:r>
+              <a:rPr lang="zh-CN" altLang="en-US" sz="1000" dirty="0">
+                <a:effectLst/>
+              </a:rPr>
+              <a:t>罗恩格林</a:t>
+            </a:r>
+            <a:r>
+              <a:rPr lang="en-US" altLang="zh-CN" sz="1000" dirty="0">
+                <a:effectLst/>
+              </a:rPr>
+              <a:t>》</a:t>
+            </a:r>
+            <a:r>
+              <a:rPr lang="zh-CN" altLang="en-US" sz="1000" dirty="0">
+                <a:effectLst/>
+              </a:rPr>
+              <a:t>中他精确而生动的描绘出德国中世纪的传奇景象，但他认为这还不够，因为那仍然不是一个理想的时代，他还要往回追溯，更深入到德国古昔的神话中去，在那个世界里，没有足以造成现代社会变形的事物，那个世纪公正无私，艺术家的创作能立刻获得人们的赞赏。他开始阅读</a:t>
+            </a:r>
+            <a:r>
+              <a:rPr lang="en-US" altLang="zh-CN" sz="1000" dirty="0">
+                <a:effectLst/>
+              </a:rPr>
+              <a:t>《</a:t>
+            </a:r>
+            <a:r>
+              <a:rPr lang="zh-CN" altLang="en-US" sz="1000" dirty="0">
+                <a:effectLst/>
+              </a:rPr>
+              <a:t>德国神话</a:t>
+            </a:r>
+            <a:r>
+              <a:rPr lang="en-US" altLang="zh-CN" sz="1000" dirty="0">
+                <a:effectLst/>
+              </a:rPr>
+              <a:t>》</a:t>
+            </a:r>
+            <a:r>
+              <a:rPr lang="zh-CN" altLang="en-US" sz="1000" dirty="0">
+                <a:effectLst/>
+              </a:rPr>
+              <a:t>一书，结果终于找到了日耳曼文明的源头</a:t>
+            </a:r>
+            <a:r>
+              <a:rPr lang="en-US" altLang="zh-CN" sz="1000" dirty="0">
+                <a:effectLst/>
+              </a:rPr>
+              <a:t>——</a:t>
+            </a:r>
+            <a:r>
+              <a:rPr lang="zh-CN" altLang="en-US" sz="1000" dirty="0">
+                <a:effectLst/>
+              </a:rPr>
+              <a:t>北欧的神话传说。首先使他感兴趣的是尼伯龙人的被奴役与解放的问题。尼伯龙人是从黑夜与死亡的怀抱中诞生出来的一代人，他们以毫不间断、永不停息的活力挖掘着地球的心脏，他们烧红、精炼、锻打着坚硬的金属，“他们这些劳动者的肩上重负着游手好闲的巨人们的封建制度。”瓦格纳幻想着尼伯龙人所收的奴役被粉碎，由众神之王沃坦</a:t>
+            </a:r>
+            <a:r>
+              <a:rPr lang="en-US" altLang="zh-CN" sz="1000" dirty="0">
+                <a:effectLst/>
+              </a:rPr>
+              <a:t>(</a:t>
+            </a:r>
+            <a:r>
+              <a:rPr lang="zh-CN" altLang="en-US" sz="1000" dirty="0">
+                <a:effectLst/>
+              </a:rPr>
+              <a:t>应该就是奥丁，黑紫注</a:t>
+            </a:r>
+            <a:r>
+              <a:rPr lang="en-US" altLang="zh-CN" sz="1000" dirty="0">
+                <a:effectLst/>
+              </a:rPr>
+              <a:t>)</a:t>
+            </a:r>
+            <a:r>
+              <a:rPr lang="zh-CN" altLang="en-US" sz="1000" dirty="0">
+                <a:effectLst/>
+              </a:rPr>
+              <a:t>来实行人道的统治。这一念头与当时流行的空想社会主义思想极为相似。看来瓦格纳是想写一出政治理想国的歌剧，在这个国度，人类终于打破了各种束缚而表现出一种纯粹的人性，他们做一个完全的自己，可以去爱，而且是自由地去爱。</a:t>
+            </a:r>
+            <a:endParaRPr lang="en-US" altLang="zh-CN" sz="1000" dirty="0"/>
+          </a:p>
+          <a:p>
+            <a:pPr indent="-228600" defTabSz="914400">
+              <a:lnSpc>
+                <a:spcPct val="90000"/>
+              </a:lnSpc>
+              <a:spcAft>
+                <a:spcPts val="600"/>
+              </a:spcAft>
+              <a:buFont typeface="Arial" panose="020B0604020202020204" pitchFamily="34" charset="0"/>
+              <a:buChar char="•"/>
+            </a:pPr>
+            <a:endParaRPr lang="en-US" altLang="zh-CN" sz="1000" dirty="0"/>
+          </a:p>
+        </p:txBody>
+      </p:sp>
+      <p:pic>
+        <p:nvPicPr>
+          <p:cNvPr id="4" name="Picture 2" descr="Willkommen zurück! | Herzlich Willkommen zurück🤗 Unsere neue Spielzeit  2021/2022 hat offiziell begonnen und wir freuen uns auf Euch!😍🎉 Alle  Informationen zum aktuellen... | By Bayerische Staatsoper | Facebook">
+            <a:extLst>
+              <a:ext uri="{FF2B5EF4-FFF2-40B4-BE49-F238E27FC236}">
+                <a16:creationId xmlns:a16="http://schemas.microsoft.com/office/drawing/2014/main" id="{2783E105-BB3E-069E-B3E8-B615699988D2}"/>
+              </a:ext>
+            </a:extLst>
+          </p:cNvPr>
+          <p:cNvPicPr>
+            <a:picLocks noChangeAspect="1" noChangeArrowheads="1"/>
+          </p:cNvPicPr>
+          <p:nvPr/>
+        </p:nvPicPr>
+        <p:blipFill rotWithShape="1">
+          <a:blip r:embed="rId2">
+            <a:extLst>
+              <a:ext uri="{28A0092B-C50C-407E-A947-70E740481C1C}">
+                <a14:useLocalDpi xmlns:a14="http://schemas.microsoft.com/office/drawing/2010/main" val="0"/>
+              </a:ext>
+            </a:extLst>
+          </a:blip>
+          <a:srcRect l="6822" r="15012" b="2"/>
+          <a:stretch/>
+        </p:blipFill>
+        <p:spPr bwMode="auto">
+          <a:xfrm>
+            <a:off x="6777194" y="2785730"/>
+            <a:ext cx="2661392" cy="3404758"/>
+          </a:xfrm>
+          <a:prstGeom prst="rect">
+            <a:avLst/>
+          </a:prstGeom>
+          <a:noFill/>
+          <a:extLst>
+            <a:ext uri="{909E8E84-426E-40DD-AFC4-6F175D3DCCD1}">
+              <a14:hiddenFill xmlns:a14="http://schemas.microsoft.com/office/drawing/2010/main">
+                <a:solidFill>
+                  <a:srgbClr val="FFFFFF"/>
+                </a:solidFill>
+              </a14:hiddenFill>
+            </a:ext>
+          </a:extLst>
+        </p:spPr>
+      </p:pic>
+      <p:pic>
+        <p:nvPicPr>
+          <p:cNvPr id="5" name="Picture 6">
+            <a:extLst>
+              <a:ext uri="{FF2B5EF4-FFF2-40B4-BE49-F238E27FC236}">
+                <a16:creationId xmlns:a16="http://schemas.microsoft.com/office/drawing/2014/main" id="{7B3B1A3A-85F2-2CDF-B359-288A3BB298B7}"/>
+              </a:ext>
+            </a:extLst>
+          </p:cNvPr>
+          <p:cNvPicPr>
+            <a:picLocks noChangeAspect="1" noChangeArrowheads="1"/>
+          </p:cNvPicPr>
+          <p:nvPr/>
+        </p:nvPicPr>
+        <p:blipFill>
+          <a:blip r:embed="rId3">
+            <a:extLst>
+              <a:ext uri="{28A0092B-C50C-407E-A947-70E740481C1C}">
+                <a14:useLocalDpi xmlns:a14="http://schemas.microsoft.com/office/drawing/2010/main" val="0"/>
+              </a:ext>
+            </a:extLst>
+          </a:blip>
+          <a:stretch>
+            <a:fillRect/>
+          </a:stretch>
+        </p:blipFill>
+        <p:spPr bwMode="auto">
+          <a:xfrm>
+            <a:off x="2751465" y="303887"/>
+            <a:ext cx="4342769" cy="1053121"/>
+          </a:xfrm>
+          <a:prstGeom prst="rect">
+            <a:avLst/>
+          </a:prstGeom>
+          <a:noFill/>
+          <a:extLst>
+            <a:ext uri="{909E8E84-426E-40DD-AFC4-6F175D3DCCD1}">
+              <a14:hiddenFill xmlns:a14="http://schemas.microsoft.com/office/drawing/2010/main">
+                <a:solidFill>
+                  <a:srgbClr val="FFFFFF"/>
+                </a:solidFill>
+              </a14:hiddenFill>
+            </a:ext>
+          </a:extLst>
+        </p:spPr>
+      </p:pic>
+    </p:spTree>
+    <p:extLst>
+      <p:ext uri="{BB962C8B-B14F-4D97-AF65-F5344CB8AC3E}">
+        <p14:creationId xmlns:p14="http://schemas.microsoft.com/office/powerpoint/2010/main" val="1754337761"/>
+      </p:ext>
+    </p:extLst>
+  </p:cSld>
+  <p:clrMapOvr>
+    <a:masterClrMapping/>
+  </p:clrMapOvr>
+</p:sld>
+</file>
+
+<file path=ppt/slides/slide7.xml><?xml version="1.0" encoding="utf-8"?>
+<p:sld xmlns:a="http://schemas.openxmlformats.org/drawingml/2006/main" xmlns:r="http://schemas.openxmlformats.org/officeDocument/2006/relationships" xmlns:p="http://schemas.openxmlformats.org/presentationml/2006/main">
+  <p:cSld>
+    <p:spTree>
+      <p:nvGrpSpPr>
+        <p:cNvPr id="1" name=""/>
+        <p:cNvGrpSpPr/>
+        <p:nvPr/>
+      </p:nvGrpSpPr>
+      <p:grpSpPr>
+        <a:xfrm>
+          <a:off x="0" y="0"/>
+          <a:ext cx="0" cy="0"/>
+          <a:chOff x="0" y="0"/>
+          <a:chExt cx="0" cy="0"/>
+        </a:xfrm>
+      </p:grpSpPr>
+      <p:sp>
+        <p:nvSpPr>
+          <p:cNvPr id="3" name="Textfeld 2">
+            <a:extLst>
+              <a:ext uri="{FF2B5EF4-FFF2-40B4-BE49-F238E27FC236}">
+                <a16:creationId xmlns:a16="http://schemas.microsoft.com/office/drawing/2014/main" id="{C8EF410D-9ED5-1C37-578C-B91DCC6C2FEF}"/>
+              </a:ext>
+            </a:extLst>
+          </p:cNvPr>
+          <p:cNvSpPr txBox="1"/>
+          <p:nvPr/>
+        </p:nvSpPr>
+        <p:spPr>
+          <a:xfrm>
+            <a:off x="0" y="151179"/>
+            <a:ext cx="9726706" cy="6555641"/>
           </a:xfrm>
           <a:prstGeom prst="rect">
             <a:avLst/>
@@ -3526,868 +8617,1979 @@
           <a:lstStyle/>
           <a:p>
             <a:r>
-              <a:rPr lang="zh-CN" altLang="en-US" sz="1200" b="0" i="0" dirty="0">
-                <a:solidFill>
-                  <a:srgbClr val="000000"/>
-                </a:solidFill>
-                <a:effectLst/>
-                <a:latin typeface="Neue Haas Grotesk W05"/>
-              </a:rPr>
-              <a:t>匈牙利电影和戏剧导演 </a:t>
-            </a:r>
-            <a:r>
-              <a:rPr lang="en-US" altLang="zh-CN" sz="1200" b="0" i="0" dirty="0" err="1">
-                <a:solidFill>
-                  <a:srgbClr val="000000"/>
-                </a:solidFill>
-                <a:effectLst/>
-                <a:latin typeface="Neue Haas Grotesk W05"/>
-              </a:rPr>
-              <a:t>Kornél</a:t>
-            </a:r>
-            <a:r>
-              <a:rPr lang="en-US" altLang="zh-CN" sz="1200" b="0" i="0" dirty="0">
-                <a:solidFill>
-                  <a:srgbClr val="000000"/>
-                </a:solidFill>
-                <a:effectLst/>
-                <a:latin typeface="Neue Haas Grotesk W05"/>
-              </a:rPr>
-              <a:t> </a:t>
-            </a:r>
-            <a:r>
-              <a:rPr lang="en-US" altLang="zh-CN" sz="1200" b="0" i="0" dirty="0" err="1">
-                <a:solidFill>
-                  <a:srgbClr val="000000"/>
-                </a:solidFill>
-                <a:effectLst/>
-                <a:latin typeface="Neue Haas Grotesk W05"/>
-              </a:rPr>
-              <a:t>Mundruczó</a:t>
-            </a:r>
-            <a:r>
-              <a:rPr lang="en-US" altLang="zh-CN" sz="1200" b="0" i="0" dirty="0">
-                <a:solidFill>
-                  <a:srgbClr val="000000"/>
-                </a:solidFill>
-                <a:effectLst/>
-                <a:latin typeface="Neue Haas Grotesk W05"/>
-              </a:rPr>
-              <a:t> </a:t>
-            </a:r>
-            <a:r>
-              <a:rPr lang="zh-CN" altLang="en-US" sz="1200" b="0" i="0" dirty="0">
-                <a:solidFill>
-                  <a:srgbClr val="000000"/>
-                </a:solidFill>
-                <a:effectLst/>
-                <a:latin typeface="Neue Haas Grotesk W05"/>
-              </a:rPr>
-              <a:t>的作品在世界上最重要的节日和舞台上放映，他也在歌剧领域工作了多年。他在 </a:t>
-            </a:r>
-            <a:r>
-              <a:rPr lang="en-US" altLang="zh-CN" sz="1200" b="0" i="0" dirty="0" err="1">
-                <a:solidFill>
-                  <a:srgbClr val="000000"/>
-                </a:solidFill>
-                <a:effectLst/>
-                <a:latin typeface="Neue Haas Grotesk W05"/>
-              </a:rPr>
-              <a:t>Vlaamse</a:t>
-            </a:r>
-            <a:r>
-              <a:rPr lang="en-US" altLang="zh-CN" sz="1200" b="0" i="0" dirty="0">
-                <a:solidFill>
-                  <a:srgbClr val="000000"/>
-                </a:solidFill>
-                <a:effectLst/>
-                <a:latin typeface="Neue Haas Grotesk W05"/>
-              </a:rPr>
-              <a:t> </a:t>
-            </a:r>
-            <a:r>
-              <a:rPr lang="zh-CN" altLang="en-US" sz="1200" b="0" i="0" dirty="0">
-                <a:solidFill>
-                  <a:srgbClr val="000000"/>
-                </a:solidFill>
-                <a:effectLst/>
-                <a:latin typeface="Neue Haas Grotesk W05"/>
-              </a:rPr>
-              <a:t>歌剧院制作的</a:t>
-            </a:r>
-            <a:r>
-              <a:rPr lang="en-US" altLang="zh-CN" sz="1200" b="0" i="1" dirty="0">
-                <a:solidFill>
-                  <a:srgbClr val="000000"/>
-                </a:solidFill>
-                <a:effectLst/>
-                <a:latin typeface="Neue Haas Grotesk W05"/>
-              </a:rPr>
-              <a:t>The </a:t>
-            </a:r>
-            <a:r>
-              <a:rPr lang="en-US" altLang="zh-CN" sz="1200" b="0" i="1" dirty="0" err="1">
-                <a:solidFill>
-                  <a:srgbClr val="000000"/>
-                </a:solidFill>
-                <a:effectLst/>
-                <a:latin typeface="Neue Haas Grotesk W05"/>
-              </a:rPr>
-              <a:t>Makropulos</a:t>
-            </a:r>
-            <a:r>
-              <a:rPr lang="en-US" altLang="zh-CN" sz="1200" b="0" i="1" dirty="0">
-                <a:solidFill>
-                  <a:srgbClr val="000000"/>
-                </a:solidFill>
-                <a:effectLst/>
-                <a:latin typeface="Neue Haas Grotesk W05"/>
-              </a:rPr>
-              <a:t> Case</a:t>
-            </a:r>
-            <a:r>
-              <a:rPr lang="zh-CN" altLang="en-US" sz="1200" b="0" i="0" dirty="0">
-                <a:solidFill>
-                  <a:srgbClr val="000000"/>
-                </a:solidFill>
-                <a:effectLst/>
-                <a:latin typeface="Neue Haas Grotesk W05"/>
-              </a:rPr>
-              <a:t> </a:t>
-            </a:r>
-            <a:r>
-              <a:rPr lang="en-US" altLang="zh-CN" sz="1200" b="0" i="0" dirty="0">
-                <a:solidFill>
-                  <a:srgbClr val="000000"/>
-                </a:solidFill>
-                <a:effectLst/>
-                <a:latin typeface="Neue Haas Grotesk W05"/>
-              </a:rPr>
-              <a:t>(2016) </a:t>
-            </a:r>
-            <a:r>
-              <a:rPr lang="zh-CN" altLang="en-US" sz="1200" b="0" i="0" dirty="0">
-                <a:solidFill>
-                  <a:srgbClr val="000000"/>
-                </a:solidFill>
-                <a:effectLst/>
-                <a:latin typeface="Neue Haas Grotesk W05"/>
-              </a:rPr>
-              <a:t>获得国际歌剧奖提名，去年他首演了 </a:t>
-            </a:r>
-            <a:r>
-              <a:rPr lang="en-US" altLang="zh-CN" sz="1200" b="0" i="0" dirty="0">
-                <a:solidFill>
-                  <a:srgbClr val="000000"/>
-                </a:solidFill>
-                <a:effectLst/>
-                <a:latin typeface="Neue Haas Grotesk W05"/>
-              </a:rPr>
-              <a:t>Peter </a:t>
-            </a:r>
-            <a:r>
-              <a:rPr lang="en-US" altLang="zh-CN" sz="1200" b="0" i="0" dirty="0" err="1">
-                <a:solidFill>
-                  <a:srgbClr val="000000"/>
-                </a:solidFill>
-                <a:effectLst/>
-                <a:latin typeface="Neue Haas Grotesk W05"/>
-              </a:rPr>
-              <a:t>Eötvös</a:t>
-            </a:r>
-            <a:r>
-              <a:rPr lang="en-US" altLang="zh-CN" sz="1200" b="0" i="0" dirty="0">
-                <a:solidFill>
-                  <a:srgbClr val="000000"/>
-                </a:solidFill>
-                <a:effectLst/>
-                <a:latin typeface="Neue Haas Grotesk W05"/>
-              </a:rPr>
-              <a:t> </a:t>
-            </a:r>
-            <a:r>
-              <a:rPr lang="zh-CN" altLang="en-US" sz="1200" b="0" i="0" dirty="0">
-                <a:solidFill>
-                  <a:srgbClr val="000000"/>
-                </a:solidFill>
-                <a:effectLst/>
-                <a:latin typeface="Neue Haas Grotesk W05"/>
-              </a:rPr>
-              <a:t>的歌剧</a:t>
-            </a:r>
-            <a:r>
-              <a:rPr lang="en-US" altLang="zh-CN" sz="1200" b="0" i="0" dirty="0">
-                <a:solidFill>
-                  <a:srgbClr val="000000"/>
-                </a:solidFill>
-                <a:effectLst/>
-                <a:latin typeface="Neue Haas Grotesk W05"/>
-              </a:rPr>
-              <a:t>《</a:t>
-            </a:r>
-            <a:r>
-              <a:rPr lang="zh-CN" altLang="en-US" sz="1200" b="0" i="1" dirty="0">
-                <a:solidFill>
-                  <a:srgbClr val="000000"/>
-                </a:solidFill>
-                <a:effectLst/>
-                <a:latin typeface="Neue Haas Grotesk W05"/>
-              </a:rPr>
-              <a:t>不眠之夜</a:t>
-            </a:r>
-            <a:r>
-              <a:rPr lang="en-US" altLang="zh-CN" sz="1200" b="0" i="1" dirty="0">
-                <a:solidFill>
-                  <a:srgbClr val="000000"/>
-                </a:solidFill>
-                <a:effectLst/>
-                <a:latin typeface="Neue Haas Grotesk W05"/>
-              </a:rPr>
-              <a:t>》</a:t>
-            </a:r>
-            <a:r>
-              <a:rPr lang="zh-CN" altLang="en-US" sz="1200" b="0" i="0" dirty="0">
-                <a:solidFill>
-                  <a:srgbClr val="000000"/>
-                </a:solidFill>
-                <a:effectLst/>
-                <a:latin typeface="Neue Haas Grotesk W05"/>
-              </a:rPr>
-              <a:t>在柏林国家歌剧院菩提树下。他亦是独立剧团质子剧场的创办人及董事。他和他的团队（包括舞台设计师 </a:t>
-            </a:r>
-            <a:r>
-              <a:rPr lang="en-US" altLang="zh-CN" sz="1200" b="0" i="0" dirty="0">
-                <a:solidFill>
-                  <a:srgbClr val="000000"/>
-                </a:solidFill>
-                <a:effectLst/>
-                <a:latin typeface="Neue Haas Grotesk W05"/>
-              </a:rPr>
-              <a:t>Monika </a:t>
-            </a:r>
-            <a:r>
-              <a:rPr lang="en-US" altLang="zh-CN" sz="1200" b="0" i="0" dirty="0" err="1">
-                <a:solidFill>
-                  <a:srgbClr val="000000"/>
-                </a:solidFill>
-                <a:effectLst/>
-                <a:latin typeface="Neue Haas Grotesk W05"/>
-              </a:rPr>
-              <a:t>Pormale</a:t>
-            </a:r>
-            <a:r>
-              <a:rPr lang="en-US" altLang="zh-CN" sz="1200" b="0" i="0" dirty="0">
-                <a:solidFill>
-                  <a:srgbClr val="000000"/>
-                </a:solidFill>
-                <a:effectLst/>
-                <a:latin typeface="Neue Haas Grotesk W05"/>
-              </a:rPr>
-              <a:t> </a:t>
-            </a:r>
-            <a:r>
-              <a:rPr lang="zh-CN" altLang="en-US" sz="1200" b="0" i="0" dirty="0">
-                <a:solidFill>
-                  <a:srgbClr val="000000"/>
-                </a:solidFill>
-                <a:effectLst/>
-                <a:latin typeface="Neue Haas Grotesk W05"/>
-              </a:rPr>
-              <a:t>和服装设计师 </a:t>
-            </a:r>
-            <a:r>
-              <a:rPr lang="en-US" altLang="zh-CN" sz="1200" b="0" i="0" dirty="0" err="1">
-                <a:solidFill>
-                  <a:srgbClr val="000000"/>
-                </a:solidFill>
-                <a:effectLst/>
-                <a:latin typeface="Neue Haas Grotesk W05"/>
-              </a:rPr>
-              <a:t>Ania</a:t>
-            </a:r>
-            <a:r>
-              <a:rPr lang="en-US" altLang="zh-CN" sz="1200" b="0" i="0" dirty="0">
-                <a:solidFill>
-                  <a:srgbClr val="000000"/>
-                </a:solidFill>
-                <a:effectLst/>
-                <a:latin typeface="Neue Haas Grotesk W05"/>
-              </a:rPr>
-              <a:t> </a:t>
-            </a:r>
-            <a:r>
-              <a:rPr lang="en-US" altLang="zh-CN" sz="1200" b="0" i="0" dirty="0" err="1">
-                <a:solidFill>
-                  <a:srgbClr val="000000"/>
-                </a:solidFill>
-                <a:effectLst/>
-                <a:latin typeface="Neue Haas Grotesk W05"/>
-              </a:rPr>
-              <a:t>Axer</a:t>
-            </a:r>
-            <a:r>
-              <a:rPr lang="zh-CN" altLang="en-US" sz="1200" b="0" i="0" dirty="0">
-                <a:solidFill>
-                  <a:srgbClr val="000000"/>
-                </a:solidFill>
-                <a:effectLst/>
-                <a:latin typeface="Neue Haas Grotesk W05"/>
-              </a:rPr>
-              <a:t>）现在正在巴伐利亚国家歌剧院首次亮相。指挥家弗朗索瓦</a:t>
-            </a:r>
-            <a:r>
-              <a:rPr lang="en-US" altLang="zh-CN" sz="1200" b="0" i="0" dirty="0">
-                <a:solidFill>
-                  <a:srgbClr val="000000"/>
-                </a:solidFill>
-                <a:effectLst/>
-                <a:latin typeface="Neue Haas Grotesk W05"/>
-              </a:rPr>
-              <a:t>-</a:t>
-            </a:r>
-            <a:r>
-              <a:rPr lang="zh-CN" altLang="en-US" sz="1200" b="0" i="0" dirty="0">
-                <a:solidFill>
-                  <a:srgbClr val="000000"/>
-                </a:solidFill>
-                <a:effectLst/>
-                <a:latin typeface="Neue Haas Grotesk W05"/>
-              </a:rPr>
-              <a:t>泽维尔</a:t>
-            </a:r>
-            <a:r>
-              <a:rPr lang="en-US" altLang="zh-CN" sz="1200" b="0" i="0" dirty="0">
-                <a:solidFill>
-                  <a:srgbClr val="000000"/>
-                </a:solidFill>
-                <a:effectLst/>
-                <a:latin typeface="Neue Haas Grotesk W05"/>
-              </a:rPr>
-              <a:t>·</a:t>
-            </a:r>
-            <a:r>
-              <a:rPr lang="zh-CN" altLang="en-US" sz="1200" b="0" i="0" dirty="0">
-                <a:solidFill>
-                  <a:srgbClr val="000000"/>
-                </a:solidFill>
-                <a:effectLst/>
-                <a:latin typeface="Neue Haas Grotesk W05"/>
-              </a:rPr>
-              <a:t>罗斯 </a:t>
-            </a:r>
-            <a:r>
-              <a:rPr lang="en-US" altLang="zh-CN" sz="1200" b="0" i="0" dirty="0">
-                <a:solidFill>
-                  <a:srgbClr val="000000"/>
-                </a:solidFill>
-                <a:effectLst/>
-                <a:latin typeface="Neue Haas Grotesk W05"/>
-              </a:rPr>
-              <a:t>(François-Xavier Roth) </a:t>
-            </a:r>
-            <a:r>
-              <a:rPr lang="zh-CN" altLang="en-US" sz="1200" b="0" i="0" dirty="0">
-                <a:solidFill>
-                  <a:srgbClr val="000000"/>
-                </a:solidFill>
-                <a:effectLst/>
-                <a:latin typeface="Neue Haas Grotesk W05"/>
-              </a:rPr>
-              <a:t>首次在这家歌剧制作中担任音乐总监，他以历史渊博的表演实践和不寻常的节目组合而闻名，并经常受到顶级管弦乐队的邀请。克劳斯</a:t>
-            </a:r>
-            <a:r>
-              <a:rPr lang="en-US" altLang="zh-CN" sz="1200" b="0" i="0" dirty="0">
-                <a:solidFill>
-                  <a:srgbClr val="000000"/>
-                </a:solidFill>
-                <a:effectLst/>
-                <a:latin typeface="Neue Haas Grotesk W05"/>
-              </a:rPr>
-              <a:t>·</a:t>
-            </a:r>
-            <a:r>
-              <a:rPr lang="zh-CN" altLang="en-US" sz="1200" b="0" i="0" dirty="0">
-                <a:solidFill>
-                  <a:srgbClr val="000000"/>
-                </a:solidFill>
-                <a:effectLst/>
-                <a:latin typeface="Neue Haas Grotesk W05"/>
-              </a:rPr>
-              <a:t>弗洛里安</a:t>
-            </a:r>
-            <a:r>
-              <a:rPr lang="en-US" altLang="zh-CN" sz="1200" b="0" i="0" dirty="0">
-                <a:solidFill>
-                  <a:srgbClr val="000000"/>
-                </a:solidFill>
-                <a:effectLst/>
-                <a:latin typeface="Neue Haas Grotesk W05"/>
-              </a:rPr>
-              <a:t>·</a:t>
-            </a:r>
-            <a:r>
-              <a:rPr lang="zh-CN" altLang="en-US" sz="1200" b="0" i="0" dirty="0">
-                <a:solidFill>
-                  <a:srgbClr val="000000"/>
-                </a:solidFill>
-                <a:effectLst/>
-                <a:latin typeface="Neue Haas Grotesk W05"/>
-              </a:rPr>
-              <a:t>福格特 </a:t>
-            </a:r>
-            <a:r>
-              <a:rPr lang="en-US" altLang="zh-CN" sz="1200" b="0" i="0" dirty="0">
-                <a:solidFill>
-                  <a:srgbClr val="000000"/>
-                </a:solidFill>
-                <a:effectLst/>
-                <a:latin typeface="Neue Haas Grotesk W05"/>
-              </a:rPr>
-              <a:t>(Klaus Florian Vogt) </a:t>
-            </a:r>
-            <a:r>
-              <a:rPr lang="zh-CN" altLang="en-US" sz="1200" b="0" i="0" dirty="0">
-                <a:solidFill>
-                  <a:srgbClr val="000000"/>
-                </a:solidFill>
-                <a:effectLst/>
-                <a:latin typeface="Neue Haas Grotesk W05"/>
-              </a:rPr>
-              <a:t>演唱主角，约翰尼</a:t>
-            </a:r>
-            <a:r>
-              <a:rPr lang="en-US" altLang="zh-CN" sz="1200" b="0" i="0" dirty="0">
-                <a:solidFill>
-                  <a:srgbClr val="000000"/>
-                </a:solidFill>
-                <a:effectLst/>
-                <a:latin typeface="Neue Haas Grotesk W05"/>
-              </a:rPr>
-              <a:t>·</a:t>
-            </a:r>
-            <a:r>
-              <a:rPr lang="zh-CN" altLang="en-US" sz="1200" b="0" i="0" dirty="0">
-                <a:solidFill>
-                  <a:srgbClr val="000000"/>
-                </a:solidFill>
-                <a:effectLst/>
-                <a:latin typeface="Neue Haas Grotesk W05"/>
-              </a:rPr>
-              <a:t>范</a:t>
-            </a:r>
-            <a:r>
-              <a:rPr lang="en-US" altLang="zh-CN" sz="1200" b="0" i="0" dirty="0">
-                <a:solidFill>
-                  <a:srgbClr val="000000"/>
-                </a:solidFill>
-                <a:effectLst/>
-                <a:latin typeface="Neue Haas Grotesk W05"/>
-              </a:rPr>
-              <a:t>·</a:t>
-            </a:r>
-            <a:r>
-              <a:rPr lang="zh-CN" altLang="en-US" sz="1200" b="0" i="0" dirty="0">
-                <a:solidFill>
-                  <a:srgbClr val="000000"/>
-                </a:solidFill>
-                <a:effectLst/>
-                <a:latin typeface="Neue Haas Grotesk W05"/>
-              </a:rPr>
-              <a:t>奥斯特鲁姆 </a:t>
-            </a:r>
-            <a:r>
-              <a:rPr lang="en-US" altLang="zh-CN" sz="1200" b="0" i="0" dirty="0">
-                <a:solidFill>
-                  <a:srgbClr val="000000"/>
-                </a:solidFill>
-                <a:effectLst/>
-                <a:latin typeface="Neue Haas Grotesk W05"/>
+              <a:rPr lang="zh-CN" altLang="en-US" sz="1000" dirty="0">
+                <a:effectLst/>
+              </a:rPr>
+              <a:t>故事发生在第</a:t>
+            </a:r>
+            <a:r>
+              <a:rPr lang="en-US" altLang="zh-CN" sz="1000" dirty="0">
+                <a:effectLst/>
+              </a:rPr>
+              <a:t>10</a:t>
+            </a:r>
+            <a:r>
+              <a:rPr lang="zh-CN" altLang="en-US" sz="1000" dirty="0">
+                <a:effectLst/>
+              </a:rPr>
+              <a:t>世纪的安特卫普，埃尔萨被控谋害她的弟弟戈特弗里德 也就是布拉邦特公爵的继承人。神秘的骑士在天鹅带领下出现，他愿意为维护埃尔萨的贞洁而战。他要求埃尔萨保证绝不问起他的姓名、出身与过去，他打败指控埃尔萨的泰拉蒙伯爵，并赢得她以身相许。泰拉蒙的妻子奥特鲁德具有邪恶的法力，她在埃尔萨心中埋下怀疑骑士的种子。埃尔萨在新婚当晚忍不住违反承诺，问了禁忌的问题，也破坏了自己的幸福。如今，骑士必须离去。临去之前，他当众宣布自己是圣杯骑士罗安格林。他将被奥特鲁德化成天鹅的戈特弗里德魔法的束缚中释放出来，使埃尔萨姐弟重相逢，自己却不得不回归孟沙瓦特的圣杯之城，继续守护格拉尔圣杯。 </a:t>
+            </a:r>
+            <a:endParaRPr lang="zh-CN" altLang="en-US" sz="1000" dirty="0"/>
+          </a:p>
+          <a:p>
+            <a:r>
+              <a:rPr lang="zh-CN" altLang="en-US" sz="1000" dirty="0">
+                <a:effectLst/>
+                <a:highlight>
+                  <a:srgbClr val="FFFF00"/>
+                </a:highlight>
+              </a:rPr>
+              <a:t>第一幕 </a:t>
+            </a:r>
+            <a:endParaRPr lang="zh-CN" altLang="en-US" sz="1000" dirty="0">
+              <a:highlight>
+                <a:srgbClr val="FFFF00"/>
+              </a:highlight>
+            </a:endParaRPr>
+          </a:p>
+          <a:p>
+            <a:r>
+              <a:rPr lang="zh-CN" altLang="en-US" sz="1000" dirty="0">
+                <a:effectLst/>
+              </a:rPr>
+              <a:t>进入歌剧的故事之前，听众就能跟从前奏曲进入另一个世界。前奏曲描绘一幅圣杯王国的景象，音乐以</a:t>
+            </a:r>
+            <a:r>
+              <a:rPr lang="en-US" sz="1000" dirty="0">
+                <a:effectLst/>
+              </a:rPr>
+              <a:t>A</a:t>
+            </a:r>
+            <a:r>
+              <a:rPr lang="zh-CN" altLang="en-US" sz="1000" dirty="0">
+                <a:effectLst/>
+              </a:rPr>
+              <a:t>大调进行。 </a:t>
+            </a:r>
+            <a:endParaRPr lang="zh-CN" altLang="en-US" sz="1000" dirty="0"/>
+          </a:p>
+          <a:p>
+            <a:r>
+              <a:rPr lang="zh-CN" altLang="en-US" sz="1000" dirty="0">
+                <a:effectLst/>
+              </a:rPr>
+              <a:t>音乐然后过渡到精神有力，但又不乏柔情的</a:t>
+            </a:r>
+            <a:r>
+              <a:rPr lang="en-US" sz="1000" dirty="0">
+                <a:effectLst/>
+              </a:rPr>
+              <a:t>C</a:t>
+            </a:r>
+            <a:r>
+              <a:rPr lang="zh-CN" altLang="en-US" sz="1000" dirty="0">
+                <a:effectLst/>
+              </a:rPr>
+              <a:t>大调至第一幕。 </a:t>
+            </a:r>
+            <a:endParaRPr lang="zh-CN" altLang="en-US" sz="1000" dirty="0"/>
+          </a:p>
+          <a:p>
+            <a:r>
+              <a:rPr lang="zh-CN" altLang="en-US" sz="1000" dirty="0">
+                <a:effectLst/>
+              </a:rPr>
+              <a:t>使者宣告国王亨利一世的到来</a:t>
+            </a:r>
+            <a:r>
+              <a:rPr lang="en-US" altLang="zh-CN" sz="1000" dirty="0">
+                <a:effectLst/>
               </a:rPr>
               <a:t>(</a:t>
             </a:r>
             <a:r>
-              <a:rPr lang="en-US" altLang="zh-CN" sz="1200" b="0" i="0" dirty="0" err="1">
-                <a:solidFill>
-                  <a:srgbClr val="000000"/>
-                </a:solidFill>
-                <a:effectLst/>
-                <a:latin typeface="Neue Haas Grotesk W05"/>
-              </a:rPr>
-              <a:t>Johanni</a:t>
-            </a:r>
-            <a:r>
-              <a:rPr lang="en-US" altLang="zh-CN" sz="1200" b="0" i="0" dirty="0">
-                <a:solidFill>
-                  <a:srgbClr val="000000"/>
-                </a:solidFill>
-                <a:effectLst/>
-                <a:latin typeface="Neue Haas Grotesk W05"/>
-              </a:rPr>
-              <a:t> van </a:t>
-            </a:r>
-            <a:r>
-              <a:rPr lang="en-US" altLang="zh-CN" sz="1200" b="0" i="0" dirty="0" err="1">
-                <a:solidFill>
-                  <a:srgbClr val="000000"/>
-                </a:solidFill>
-                <a:effectLst/>
-                <a:latin typeface="Neue Haas Grotesk W05"/>
-              </a:rPr>
-              <a:t>Oostrum</a:t>
-            </a:r>
-            <a:r>
-              <a:rPr lang="en-US" altLang="zh-CN" sz="1200" b="0" i="0" dirty="0">
-                <a:solidFill>
-                  <a:srgbClr val="000000"/>
-                </a:solidFill>
-                <a:effectLst/>
-                <a:latin typeface="Neue Haas Grotesk W05"/>
-              </a:rPr>
-              <a:t>) </a:t>
-            </a:r>
-            <a:r>
-              <a:rPr lang="zh-CN" altLang="en-US" sz="1200" b="0" i="0" dirty="0">
-                <a:solidFill>
-                  <a:srgbClr val="000000"/>
-                </a:solidFill>
-                <a:effectLst/>
-                <a:latin typeface="Neue Haas Grotesk W05"/>
-              </a:rPr>
-              <a:t>将演唱艾尔莎 </a:t>
-            </a:r>
-            <a:r>
-              <a:rPr lang="en-US" altLang="zh-CN" sz="1200" b="0" i="0" dirty="0">
-                <a:solidFill>
-                  <a:srgbClr val="000000"/>
-                </a:solidFill>
-                <a:effectLst/>
-                <a:latin typeface="Neue Haas Grotesk W05"/>
-              </a:rPr>
-              <a:t>(Elsa)</a:t>
-            </a:r>
-            <a:r>
-              <a:rPr lang="zh-CN" altLang="en-US" sz="1200" b="0" i="0" dirty="0">
-                <a:solidFill>
-                  <a:srgbClr val="000000"/>
-                </a:solidFill>
-                <a:effectLst/>
-                <a:latin typeface="Neue Haas Grotesk W05"/>
-              </a:rPr>
-              <a:t>。</a:t>
-            </a:r>
-            <a:endParaRPr lang="en-GB" altLang="zh-CN" sz="1200" b="0" i="0" dirty="0">
-              <a:solidFill>
-                <a:srgbClr val="000000"/>
-              </a:solidFill>
-              <a:effectLst/>
-              <a:latin typeface="Neue Haas Grotesk W05"/>
+              <a:rPr lang="en-US" sz="1000" dirty="0" err="1">
+                <a:effectLst/>
+              </a:rPr>
+              <a:t>H&amp;ouml;rt</a:t>
+            </a:r>
+            <a:r>
+              <a:rPr lang="en-US" sz="1000" dirty="0">
+                <a:effectLst/>
+              </a:rPr>
+              <a:t> </a:t>
+            </a:r>
+            <a:r>
+              <a:rPr lang="en-US" sz="1000" dirty="0" err="1">
+                <a:effectLst/>
+              </a:rPr>
+              <a:t>Grafen</a:t>
+            </a:r>
+            <a:r>
+              <a:rPr lang="en-US" sz="1000" dirty="0">
+                <a:effectLst/>
+              </a:rPr>
+              <a:t>, </a:t>
+            </a:r>
+            <a:r>
+              <a:rPr lang="en-US" sz="1000" dirty="0" err="1">
+                <a:effectLst/>
+              </a:rPr>
+              <a:t>Edle</a:t>
+            </a:r>
+            <a:r>
+              <a:rPr lang="en-US" sz="1000" dirty="0">
+                <a:effectLst/>
+              </a:rPr>
+              <a:t>, </a:t>
+            </a:r>
+            <a:r>
+              <a:rPr lang="en-US" sz="1000" dirty="0" err="1">
+                <a:effectLst/>
+              </a:rPr>
+              <a:t>Freie</a:t>
+            </a:r>
+            <a:r>
+              <a:rPr lang="en-US" sz="1000" dirty="0">
+                <a:effectLst/>
+              </a:rPr>
+              <a:t> von Brabant: Heinrich der </a:t>
+            </a:r>
+            <a:r>
+              <a:rPr lang="en-US" sz="1000" dirty="0" err="1">
+                <a:effectLst/>
+              </a:rPr>
+              <a:t>Deutschen</a:t>
+            </a:r>
+            <a:r>
+              <a:rPr lang="en-US" sz="1000" dirty="0">
+                <a:effectLst/>
+              </a:rPr>
+              <a:t> </a:t>
+            </a:r>
+            <a:r>
+              <a:rPr lang="en-US" sz="1000" dirty="0" err="1">
+                <a:effectLst/>
+              </a:rPr>
+              <a:t>K&amp;ouml;nig</a:t>
+            </a:r>
+            <a:r>
+              <a:rPr lang="en-US" sz="1000" dirty="0">
+                <a:effectLst/>
+              </a:rPr>
+              <a:t> </a:t>
+            </a:r>
+            <a:r>
+              <a:rPr lang="en-US" sz="1000" dirty="0" err="1">
+                <a:effectLst/>
+              </a:rPr>
+              <a:t>kam</a:t>
+            </a:r>
+            <a:r>
+              <a:rPr lang="en-US" sz="1000" dirty="0">
+                <a:effectLst/>
+              </a:rPr>
+              <a:t> zur </a:t>
+            </a:r>
+            <a:r>
+              <a:rPr lang="en-US" sz="1000" dirty="0" err="1">
+                <a:effectLst/>
+              </a:rPr>
+              <a:t>Statt</a:t>
+            </a:r>
+            <a:r>
+              <a:rPr lang="en-US" sz="1000" dirty="0">
+                <a:effectLst/>
+              </a:rPr>
+              <a:t>, </a:t>
+            </a:r>
+            <a:r>
+              <a:rPr lang="en-US" sz="1000" dirty="0" err="1">
+                <a:effectLst/>
+              </a:rPr>
+              <a:t>mit</a:t>
+            </a:r>
+            <a:r>
+              <a:rPr lang="en-US" sz="1000" dirty="0">
+                <a:effectLst/>
+              </a:rPr>
+              <a:t> </a:t>
+            </a:r>
+            <a:r>
+              <a:rPr lang="en-US" sz="1000" dirty="0" err="1">
+                <a:effectLst/>
+              </a:rPr>
+              <a:t>Euch</a:t>
+            </a:r>
+            <a:r>
+              <a:rPr lang="en-US" sz="1000" dirty="0">
+                <a:effectLst/>
+              </a:rPr>
+              <a:t> </a:t>
+            </a:r>
+            <a:r>
+              <a:rPr lang="en-US" sz="1000" dirty="0" err="1">
+                <a:effectLst/>
+              </a:rPr>
+              <a:t>zu</a:t>
+            </a:r>
+            <a:r>
+              <a:rPr lang="en-US" sz="1000" dirty="0">
+                <a:effectLst/>
+              </a:rPr>
+              <a:t> </a:t>
+            </a:r>
+            <a:r>
+              <a:rPr lang="en-US" sz="1000" dirty="0" err="1">
+                <a:effectLst/>
+              </a:rPr>
+              <a:t>dingen</a:t>
+            </a:r>
+            <a:r>
+              <a:rPr lang="en-US" sz="1000" dirty="0">
+                <a:effectLst/>
+              </a:rPr>
+              <a:t> </a:t>
+            </a:r>
+            <a:r>
+              <a:rPr lang="en-US" sz="1000" dirty="0" err="1">
+                <a:effectLst/>
+              </a:rPr>
+              <a:t>nach</a:t>
+            </a:r>
+            <a:r>
+              <a:rPr lang="en-US" sz="1000" dirty="0">
+                <a:effectLst/>
+              </a:rPr>
+              <a:t> des </a:t>
+            </a:r>
+            <a:r>
+              <a:rPr lang="en-US" sz="1000" dirty="0" err="1">
+                <a:effectLst/>
+              </a:rPr>
+              <a:t>Reiches</a:t>
+            </a:r>
+            <a:r>
+              <a:rPr lang="en-US" sz="1000" dirty="0">
+                <a:effectLst/>
+              </a:rPr>
+              <a:t> </a:t>
+            </a:r>
+            <a:r>
+              <a:rPr lang="en-US" sz="1000" dirty="0" err="1">
+                <a:effectLst/>
+              </a:rPr>
+              <a:t>Recht</a:t>
+            </a:r>
+            <a:r>
+              <a:rPr lang="en-US" sz="1000" dirty="0">
+                <a:effectLst/>
+              </a:rPr>
+              <a:t> - </a:t>
+            </a:r>
+            <a:r>
+              <a:rPr lang="en-US" sz="1000" dirty="0" err="1">
+                <a:effectLst/>
+              </a:rPr>
+              <a:t>gebt</a:t>
+            </a:r>
+            <a:r>
+              <a:rPr lang="en-US" sz="1000" dirty="0">
+                <a:effectLst/>
+              </a:rPr>
+              <a:t> </a:t>
+            </a:r>
+            <a:r>
+              <a:rPr lang="en-US" sz="1000" dirty="0" err="1">
+                <a:effectLst/>
+              </a:rPr>
+              <a:t>Ihr</a:t>
+            </a:r>
+            <a:r>
+              <a:rPr lang="en-US" sz="1000" dirty="0">
+                <a:effectLst/>
+              </a:rPr>
+              <a:t> nun Fried' und </a:t>
+            </a:r>
+            <a:r>
+              <a:rPr lang="en-US" sz="1000" dirty="0" err="1">
+                <a:effectLst/>
+              </a:rPr>
+              <a:t>Folge</a:t>
+            </a:r>
+            <a:r>
+              <a:rPr lang="en-US" sz="1000" dirty="0">
+                <a:effectLst/>
+              </a:rPr>
+              <a:t> dem </a:t>
+            </a:r>
+            <a:r>
+              <a:rPr lang="en-US" sz="1000" dirty="0" err="1">
+                <a:effectLst/>
+              </a:rPr>
+              <a:t>Gebot</a:t>
+            </a:r>
+            <a:r>
+              <a:rPr lang="en-US" sz="1000" dirty="0">
+                <a:effectLst/>
+              </a:rPr>
+              <a:t>?)</a:t>
+            </a:r>
+            <a:r>
+              <a:rPr lang="zh-CN" altLang="en-US" sz="1000" dirty="0">
+                <a:effectLst/>
+              </a:rPr>
+              <a:t>正如所提到的，亨利想在此组建一支军队，但他从泰拉蒙的公爵腓特烈那里获悉，波拉班特的公爵已逝世，他将自己的遗孤</a:t>
+            </a:r>
+            <a:r>
+              <a:rPr lang="en-US" altLang="zh-CN" sz="1000" dirty="0">
+                <a:effectLst/>
+              </a:rPr>
+              <a:t>(</a:t>
+            </a:r>
+            <a:r>
+              <a:rPr lang="zh-CN" altLang="en-US" sz="1000" dirty="0">
+                <a:effectLst/>
+              </a:rPr>
+              <a:t>埃尔莎和弟弟高特菲</a:t>
+            </a:r>
+            <a:r>
+              <a:rPr lang="en-US" altLang="zh-CN" sz="1000" dirty="0">
+                <a:effectLst/>
+              </a:rPr>
+              <a:t>)</a:t>
+            </a:r>
+            <a:r>
+              <a:rPr lang="zh-CN" altLang="en-US" sz="1000" dirty="0">
+                <a:effectLst/>
+              </a:rPr>
+              <a:t>托给了腓特烈，腓特烈成了摄政王。但高特菲突然离奇失踪，在泰拉蒙人们认为埃尔莎有可疑，认为是她谋杀了弟弟。 </a:t>
+            </a:r>
+            <a:endParaRPr lang="zh-CN" altLang="en-US" sz="1000" dirty="0"/>
+          </a:p>
+          <a:p>
+            <a:r>
+              <a:rPr lang="zh-CN" altLang="en-US" sz="1000" dirty="0">
+                <a:effectLst/>
+              </a:rPr>
+              <a:t>泰拉蒙解除了先前的婚约</a:t>
+            </a:r>
+            <a:r>
+              <a:rPr lang="en-US" altLang="zh-CN" sz="1000" dirty="0">
+                <a:effectLst/>
+              </a:rPr>
+              <a:t>(</a:t>
+            </a:r>
+            <a:r>
+              <a:rPr lang="en-US" sz="1000" dirty="0">
+                <a:effectLst/>
+              </a:rPr>
+              <a:t>Dem </a:t>
+            </a:r>
+            <a:r>
+              <a:rPr lang="en-US" sz="1000" dirty="0" err="1">
+                <a:effectLst/>
+              </a:rPr>
+              <a:t>Recht</a:t>
+            </a:r>
+            <a:r>
+              <a:rPr lang="en-US" sz="1000" dirty="0">
+                <a:effectLst/>
+              </a:rPr>
+              <a:t> auf </a:t>
+            </a:r>
+            <a:r>
+              <a:rPr lang="en-US" sz="1000" dirty="0" err="1">
+                <a:effectLst/>
+              </a:rPr>
+              <a:t>ihre</a:t>
+            </a:r>
+            <a:r>
+              <a:rPr lang="en-US" sz="1000" dirty="0">
+                <a:effectLst/>
+              </a:rPr>
+              <a:t> Hand, </a:t>
+            </a:r>
+            <a:r>
+              <a:rPr lang="en-US" sz="1000" dirty="0" err="1">
+                <a:effectLst/>
+              </a:rPr>
+              <a:t>vom</a:t>
+            </a:r>
+            <a:r>
+              <a:rPr lang="en-US" sz="1000" dirty="0">
+                <a:effectLst/>
+              </a:rPr>
+              <a:t> </a:t>
+            </a:r>
+            <a:r>
+              <a:rPr lang="en-US" sz="1000" dirty="0" err="1">
+                <a:effectLst/>
+              </a:rPr>
+              <a:t>Vater</a:t>
+            </a:r>
+            <a:r>
+              <a:rPr lang="en-US" sz="1000" dirty="0">
+                <a:effectLst/>
+              </a:rPr>
+              <a:t> mir </a:t>
+            </a:r>
+            <a:r>
+              <a:rPr lang="en-US" sz="1000" dirty="0" err="1">
+                <a:effectLst/>
+              </a:rPr>
+              <a:t>verliehen</a:t>
+            </a:r>
+            <a:r>
+              <a:rPr lang="en-US" sz="1000" dirty="0">
+                <a:effectLst/>
+              </a:rPr>
+              <a:t>, </a:t>
+            </a:r>
+            <a:r>
+              <a:rPr lang="en-US" sz="1000" dirty="0" err="1">
+                <a:effectLst/>
+              </a:rPr>
+              <a:t>entsagt</a:t>
+            </a:r>
+            <a:r>
+              <a:rPr lang="en-US" sz="1000" dirty="0">
+                <a:effectLst/>
+              </a:rPr>
+              <a:t>' ich </a:t>
+            </a:r>
+            <a:r>
+              <a:rPr lang="en-US" sz="1000" dirty="0" err="1">
+                <a:effectLst/>
+              </a:rPr>
+              <a:t>willig</a:t>
+            </a:r>
+            <a:r>
+              <a:rPr lang="en-US" sz="1000" dirty="0">
+                <a:effectLst/>
+              </a:rPr>
+              <a:t> da und </a:t>
+            </a:r>
+            <a:r>
+              <a:rPr lang="en-US" sz="1000" dirty="0" err="1">
+                <a:effectLst/>
+              </a:rPr>
+              <a:t>gern</a:t>
+            </a:r>
+            <a:r>
+              <a:rPr lang="en-US" sz="1000" dirty="0">
+                <a:effectLst/>
+              </a:rPr>
+              <a:t>)</a:t>
+            </a:r>
+            <a:r>
+              <a:rPr lang="zh-CN" altLang="en-US" sz="1000" dirty="0">
+                <a:effectLst/>
+              </a:rPr>
+              <a:t>并与佛里斯兰人的最后一位继承人奥尔图德结婚。而奥尔图德却挑唆其丈夫，说自己亲眼看到埃尔莎将弟弟溺死于池塘中。 </a:t>
+            </a:r>
+            <a:endParaRPr lang="zh-CN" altLang="en-US" sz="1000" dirty="0"/>
+          </a:p>
+          <a:p>
+            <a:r>
+              <a:rPr lang="zh-CN" altLang="en-US" sz="1000" dirty="0">
+                <a:effectLst/>
+              </a:rPr>
+              <a:t>泰拉蒙于是控告埃尔莎，并要求夺取埃尔莎父亲爵位（</a:t>
+            </a:r>
+            <a:r>
+              <a:rPr lang="en-US" sz="1000" dirty="0">
+                <a:effectLst/>
+              </a:rPr>
+              <a:t>Dies Land </a:t>
+            </a:r>
+            <a:r>
+              <a:rPr lang="en-US" sz="1000" dirty="0" err="1">
+                <a:effectLst/>
+              </a:rPr>
+              <a:t>doch</a:t>
+            </a:r>
+            <a:r>
+              <a:rPr lang="en-US" sz="1000" dirty="0">
+                <a:effectLst/>
+              </a:rPr>
+              <a:t> </a:t>
+            </a:r>
+            <a:r>
+              <a:rPr lang="en-US" sz="1000" dirty="0" err="1">
+                <a:effectLst/>
+              </a:rPr>
+              <a:t>sprech</a:t>
+            </a:r>
+            <a:r>
+              <a:rPr lang="en-US" sz="1000" dirty="0">
+                <a:effectLst/>
+              </a:rPr>
+              <a:t>' ich für </a:t>
+            </a:r>
+            <a:r>
+              <a:rPr lang="en-US" sz="1000" dirty="0" err="1">
+                <a:effectLst/>
+              </a:rPr>
+              <a:t>mich</a:t>
+            </a:r>
+            <a:r>
+              <a:rPr lang="en-US" sz="1000" dirty="0">
+                <a:effectLst/>
+              </a:rPr>
+              <a:t> an </a:t>
+            </a:r>
+            <a:r>
+              <a:rPr lang="en-US" sz="1000" dirty="0" err="1">
+                <a:effectLst/>
+              </a:rPr>
+              <a:t>mit</a:t>
+            </a:r>
+            <a:r>
+              <a:rPr lang="en-US" sz="1000" dirty="0">
+                <a:effectLst/>
+              </a:rPr>
+              <a:t> </a:t>
+            </a:r>
+            <a:r>
+              <a:rPr lang="en-US" sz="1000" dirty="0" err="1">
+                <a:effectLst/>
+              </a:rPr>
+              <a:t>Recht</a:t>
+            </a:r>
+            <a:r>
+              <a:rPr lang="en-US" sz="1000" dirty="0">
+                <a:effectLst/>
+              </a:rPr>
+              <a:t>, da ich der </a:t>
+            </a:r>
+            <a:r>
+              <a:rPr lang="en-US" sz="1000" dirty="0" err="1">
+                <a:effectLst/>
+              </a:rPr>
+              <a:t>N&amp;auml;chste</a:t>
+            </a:r>
+            <a:r>
+              <a:rPr lang="en-US" sz="1000" dirty="0">
+                <a:effectLst/>
+              </a:rPr>
+              <a:t> von des </a:t>
+            </a:r>
+            <a:r>
+              <a:rPr lang="en-US" sz="1000" dirty="0" err="1">
+                <a:effectLst/>
+              </a:rPr>
+              <a:t>Herzogs</a:t>
+            </a:r>
+            <a:r>
+              <a:rPr lang="en-US" sz="1000" dirty="0">
+                <a:effectLst/>
+              </a:rPr>
+              <a:t> </a:t>
+            </a:r>
+            <a:r>
+              <a:rPr lang="en-US" sz="1000" dirty="0" err="1">
+                <a:effectLst/>
+              </a:rPr>
+              <a:t>Blut</a:t>
+            </a:r>
+            <a:r>
+              <a:rPr lang="en-US" sz="1000" dirty="0">
+                <a:effectLst/>
+              </a:rPr>
+              <a:t>. Mein </a:t>
+            </a:r>
+            <a:r>
+              <a:rPr lang="en-US" sz="1000" dirty="0" err="1">
+                <a:effectLst/>
+              </a:rPr>
+              <a:t>Weib</a:t>
+            </a:r>
+            <a:r>
+              <a:rPr lang="en-US" sz="1000" dirty="0">
+                <a:effectLst/>
+              </a:rPr>
+              <a:t> </a:t>
+            </a:r>
+            <a:r>
+              <a:rPr lang="en-US" sz="1000" dirty="0" err="1">
+                <a:effectLst/>
+              </a:rPr>
+              <a:t>dazu</a:t>
+            </a:r>
+            <a:r>
+              <a:rPr lang="en-US" sz="1000" dirty="0">
+                <a:effectLst/>
+              </a:rPr>
+              <a:t> </a:t>
+            </a:r>
+            <a:r>
+              <a:rPr lang="en-US" sz="1000" dirty="0" err="1">
+                <a:effectLst/>
+              </a:rPr>
+              <a:t>aus</a:t>
+            </a:r>
+            <a:r>
+              <a:rPr lang="en-US" sz="1000" dirty="0">
+                <a:effectLst/>
+              </a:rPr>
+              <a:t> dem </a:t>
+            </a:r>
+            <a:r>
+              <a:rPr lang="en-US" sz="1000" dirty="0" err="1">
+                <a:effectLst/>
+              </a:rPr>
+              <a:t>Geschlecht</a:t>
+            </a:r>
+            <a:r>
+              <a:rPr lang="en-US" sz="1000" dirty="0">
+                <a:effectLst/>
+              </a:rPr>
+              <a:t>, das </a:t>
+            </a:r>
+            <a:r>
+              <a:rPr lang="en-US" sz="1000" dirty="0" err="1">
+                <a:effectLst/>
+              </a:rPr>
+              <a:t>einst</a:t>
+            </a:r>
+            <a:r>
+              <a:rPr lang="en-US" sz="1000" dirty="0">
+                <a:effectLst/>
+              </a:rPr>
+              <a:t> </a:t>
+            </a:r>
+            <a:r>
+              <a:rPr lang="en-US" sz="1000" dirty="0" err="1">
+                <a:effectLst/>
+              </a:rPr>
+              <a:t>auch</a:t>
+            </a:r>
+            <a:r>
+              <a:rPr lang="en-US" sz="1000" dirty="0">
+                <a:effectLst/>
+              </a:rPr>
+              <a:t> </a:t>
+            </a:r>
+            <a:r>
+              <a:rPr lang="en-US" sz="1000" dirty="0" err="1">
+                <a:effectLst/>
+              </a:rPr>
+              <a:t>diesen</a:t>
+            </a:r>
+            <a:r>
+              <a:rPr lang="en-US" sz="1000" dirty="0">
+                <a:effectLst/>
+              </a:rPr>
+              <a:t> Landen seine </a:t>
+            </a:r>
+            <a:r>
+              <a:rPr lang="en-US" sz="1000" dirty="0" err="1">
+                <a:effectLst/>
+              </a:rPr>
+              <a:t>Fürsten</a:t>
+            </a:r>
+            <a:r>
+              <a:rPr lang="en-US" sz="1000" dirty="0">
+                <a:effectLst/>
+              </a:rPr>
+              <a:t> gab）。 </a:t>
+            </a:r>
+            <a:endParaRPr lang="en-US" sz="1000" dirty="0"/>
+          </a:p>
+          <a:p>
+            <a:r>
+              <a:rPr lang="zh-CN" altLang="en-US" sz="1000" dirty="0">
+                <a:effectLst/>
+              </a:rPr>
+              <a:t>埃尔莎否认控罪，认为这只有天庭可定夺。埃尔莎先前曾经梦到，上帝会派遣使者来保护她。当她向国王亨利诉说了这个梦之后，使者呼唤天庭，此时果然出现了一位骑士。他站在一艘由天鹅拉着的小船上。他在决斗中战胜了泰拉蒙，并与埃尔莎订婚，但有一个条件，就是永远不要问（</a:t>
+            </a:r>
+            <a:r>
+              <a:rPr lang="en-US" altLang="zh-CN" sz="1000" dirty="0">
+                <a:effectLst/>
+              </a:rPr>
+              <a:t>"</a:t>
+            </a:r>
+            <a:r>
+              <a:rPr lang="en-US" sz="1000" dirty="0" err="1">
+                <a:effectLst/>
+              </a:rPr>
+              <a:t>woher</a:t>
+            </a:r>
+            <a:r>
+              <a:rPr lang="en-US" sz="1000" dirty="0">
+                <a:effectLst/>
+              </a:rPr>
+              <a:t> ich </a:t>
+            </a:r>
+            <a:r>
+              <a:rPr lang="en-US" sz="1000" dirty="0" err="1">
+                <a:effectLst/>
+              </a:rPr>
+              <a:t>kam</a:t>
+            </a:r>
+            <a:r>
+              <a:rPr lang="en-US" sz="1000" dirty="0">
+                <a:effectLst/>
+              </a:rPr>
+              <a:t> der </a:t>
+            </a:r>
+            <a:r>
+              <a:rPr lang="en-US" sz="1000" dirty="0" err="1">
+                <a:effectLst/>
+              </a:rPr>
+              <a:t>Fahrt</a:t>
+            </a:r>
+            <a:r>
+              <a:rPr lang="en-US" sz="1000" dirty="0">
+                <a:effectLst/>
+              </a:rPr>
+              <a:t>, </a:t>
+            </a:r>
+            <a:r>
+              <a:rPr lang="en-US" sz="1000" dirty="0" err="1">
+                <a:effectLst/>
+              </a:rPr>
+              <a:t>noch</a:t>
+            </a:r>
+            <a:r>
+              <a:rPr lang="en-US" sz="1000" dirty="0">
+                <a:effectLst/>
+              </a:rPr>
+              <a:t> </a:t>
+            </a:r>
+            <a:r>
+              <a:rPr lang="en-US" sz="1000" dirty="0" err="1">
+                <a:effectLst/>
+              </a:rPr>
+              <a:t>wie</a:t>
+            </a:r>
+            <a:r>
+              <a:rPr lang="en-US" sz="1000" dirty="0">
+                <a:effectLst/>
+              </a:rPr>
+              <a:t> </a:t>
+            </a:r>
+            <a:r>
+              <a:rPr lang="en-US" sz="1000" dirty="0" err="1">
+                <a:effectLst/>
+              </a:rPr>
+              <a:t>mein</a:t>
+            </a:r>
+            <a:r>
+              <a:rPr lang="en-US" sz="1000" dirty="0">
+                <a:effectLst/>
+              </a:rPr>
+              <a:t> Nam' und Art"，</a:t>
+            </a:r>
+            <a:r>
+              <a:rPr lang="zh-CN" altLang="en-US" sz="1000" dirty="0">
+                <a:effectLst/>
+              </a:rPr>
+              <a:t>意为：我来自何方，我的名字和身份）。从后面罗恩格林的叙述可得知，这个要求并不是出于罗恩格林爱务虚荣，而是由于圣杯骑士的规定。 </a:t>
+            </a:r>
+            <a:endParaRPr lang="zh-CN" altLang="en-US" sz="1000" dirty="0"/>
+          </a:p>
+          <a:p>
+            <a:r>
+              <a:rPr lang="zh-CN" altLang="en-US" sz="1000" dirty="0">
+                <a:effectLst/>
+              </a:rPr>
+              <a:t>泰拉蒙在决战中失利，罗恩格林有权处死他，但后者没有这样做，唱到</a:t>
+            </a:r>
+            <a:r>
+              <a:rPr lang="en-US" altLang="zh-CN" sz="1000" dirty="0">
+                <a:effectLst/>
+              </a:rPr>
+              <a:t>: </a:t>
+            </a:r>
+            <a:r>
+              <a:rPr lang="en-US" sz="1000" dirty="0" err="1">
+                <a:effectLst/>
+              </a:rPr>
+              <a:t>Durch</a:t>
+            </a:r>
+            <a:r>
+              <a:rPr lang="en-US" sz="1000" dirty="0">
+                <a:effectLst/>
+              </a:rPr>
+              <a:t> </a:t>
+            </a:r>
+            <a:r>
+              <a:rPr lang="en-US" sz="1000" dirty="0" err="1">
+                <a:effectLst/>
+              </a:rPr>
+              <a:t>Gottes</a:t>
+            </a:r>
+            <a:r>
+              <a:rPr lang="en-US" sz="1000" dirty="0">
+                <a:effectLst/>
+              </a:rPr>
+              <a:t> </a:t>
+            </a:r>
+            <a:r>
+              <a:rPr lang="en-US" sz="1000" dirty="0" err="1">
+                <a:effectLst/>
+              </a:rPr>
+              <a:t>Sieg</a:t>
+            </a:r>
+            <a:r>
+              <a:rPr lang="en-US" sz="1000" dirty="0">
+                <a:effectLst/>
+              </a:rPr>
+              <a:t> </a:t>
+            </a:r>
+            <a:r>
+              <a:rPr lang="en-US" sz="1000" dirty="0" err="1">
+                <a:effectLst/>
+              </a:rPr>
+              <a:t>ist</a:t>
+            </a:r>
+            <a:r>
+              <a:rPr lang="en-US" sz="1000" dirty="0">
+                <a:effectLst/>
+              </a:rPr>
+              <a:t> </a:t>
+            </a:r>
+            <a:r>
+              <a:rPr lang="en-US" sz="1000" dirty="0" err="1">
+                <a:effectLst/>
+              </a:rPr>
+              <a:t>jetzt</a:t>
+            </a:r>
+            <a:r>
+              <a:rPr lang="en-US" sz="1000" dirty="0">
+                <a:effectLst/>
+              </a:rPr>
+              <a:t> </a:t>
+            </a:r>
+            <a:r>
+              <a:rPr lang="en-US" sz="1000" dirty="0" err="1">
+                <a:effectLst/>
+              </a:rPr>
+              <a:t>dein</a:t>
+            </a:r>
+            <a:r>
+              <a:rPr lang="en-US" sz="1000" dirty="0">
+                <a:effectLst/>
+              </a:rPr>
+              <a:t> Leben </a:t>
+            </a:r>
+            <a:r>
+              <a:rPr lang="en-US" sz="1000" dirty="0" err="1">
+                <a:effectLst/>
+              </a:rPr>
+              <a:t>mein</a:t>
+            </a:r>
+            <a:r>
+              <a:rPr lang="en-US" sz="1000" dirty="0">
+                <a:effectLst/>
+              </a:rPr>
+              <a:t> - ich </a:t>
+            </a:r>
+            <a:r>
+              <a:rPr lang="en-US" sz="1000" dirty="0" err="1">
+                <a:effectLst/>
+              </a:rPr>
+              <a:t>schenk</a:t>
+            </a:r>
+            <a:r>
+              <a:rPr lang="en-US" sz="1000" dirty="0">
+                <a:effectLst/>
+              </a:rPr>
+              <a:t>' es </a:t>
+            </a:r>
+            <a:r>
+              <a:rPr lang="en-US" sz="1000" dirty="0" err="1">
+                <a:effectLst/>
+              </a:rPr>
+              <a:t>dir</a:t>
+            </a:r>
+            <a:r>
+              <a:rPr lang="en-US" sz="1000" dirty="0">
+                <a:effectLst/>
+              </a:rPr>
+              <a:t>, </a:t>
+            </a:r>
+            <a:r>
+              <a:rPr lang="en-US" sz="1000" dirty="0" err="1">
+                <a:effectLst/>
+              </a:rPr>
+              <a:t>m&amp;ouml;gst</a:t>
+            </a:r>
+            <a:r>
+              <a:rPr lang="en-US" sz="1000" dirty="0">
+                <a:effectLst/>
+              </a:rPr>
+              <a:t> du der Reu' es </a:t>
+            </a:r>
+            <a:r>
+              <a:rPr lang="en-US" sz="1000" dirty="0" err="1">
+                <a:effectLst/>
+              </a:rPr>
+              <a:t>weih'n</a:t>
+            </a:r>
+            <a:r>
+              <a:rPr lang="en-US" sz="1000" dirty="0">
+                <a:effectLst/>
+              </a:rPr>
+              <a:t>（</a:t>
+            </a:r>
+            <a:r>
+              <a:rPr lang="zh-CN" altLang="en-US" sz="1000" dirty="0">
+                <a:effectLst/>
+              </a:rPr>
+              <a:t>我主的胜利，使得你的生命落在我手，我将它还给你，请你不要有负于它）。 </a:t>
+            </a:r>
+            <a:endParaRPr lang="zh-CN" altLang="en-US" sz="1000" dirty="0"/>
+          </a:p>
+          <a:p>
+            <a:r>
+              <a:rPr lang="zh-CN" altLang="en-US" sz="1000" dirty="0">
+                <a:effectLst/>
+                <a:highlight>
+                  <a:srgbClr val="FFFF00"/>
+                </a:highlight>
+              </a:rPr>
+              <a:t>第二幕 </a:t>
+            </a:r>
+            <a:endParaRPr lang="zh-CN" altLang="en-US" sz="1000" dirty="0">
+              <a:highlight>
+                <a:srgbClr val="FFFF00"/>
+              </a:highlight>
             </a:endParaRPr>
           </a:p>
           <a:p>
-            <a:endParaRPr lang="en-GB" altLang="zh-CN" sz="1200" dirty="0">
-              <a:solidFill>
-                <a:srgbClr val="000000"/>
-              </a:solidFill>
-              <a:latin typeface="Neue Haas Grotesk W05"/>
+            <a:r>
+              <a:rPr lang="zh-CN" altLang="en-US" sz="1000" dirty="0">
+                <a:effectLst/>
+              </a:rPr>
+              <a:t>第二幕开始，奥尔图德说服了丈夫，决斗并不公平，罗恩格林只是靠幻术取胜。同时她还断言，只要罗恩格林身体的任何一部分，就是指尖被打掉，幻术就会消失。但同时奥尔图德在婚礼上遇到埃尔莎时显得很内疚。埃尔莎并不记仇，一心要和奥图尔德重归于好。在一次私底下的谈话中，奥图尔德别有用心的暗示到，罗恩格林不说自己的名字，肯定有鬼。埃尔莎努力驱除头脑中的疑虑，但是显然未能完全释怀。 </a:t>
+            </a:r>
+            <a:endParaRPr lang="zh-CN" altLang="en-US" sz="1000" dirty="0"/>
+          </a:p>
+          <a:p>
+            <a:r>
+              <a:rPr lang="zh-CN" altLang="en-US" sz="1000" dirty="0">
+                <a:effectLst/>
+              </a:rPr>
+              <a:t>场景转换，使者号聚布拉班特人并宣告，泰拉蒙竟敢对上天不敬，被依法剥夺其财产和权利。而那位陌生的上苍使者却应得布拉班特公国的爵位（</a:t>
+            </a:r>
+            <a:r>
+              <a:rPr lang="en-US" sz="1000" dirty="0" err="1">
+                <a:effectLst/>
+              </a:rPr>
+              <a:t>Doch</a:t>
+            </a:r>
+            <a:r>
+              <a:rPr lang="en-US" sz="1000" dirty="0">
+                <a:effectLst/>
+              </a:rPr>
+              <a:t> will der Held </a:t>
+            </a:r>
+            <a:r>
+              <a:rPr lang="en-US" sz="1000" dirty="0" err="1">
+                <a:effectLst/>
+              </a:rPr>
+              <a:t>nicht</a:t>
+            </a:r>
+            <a:r>
+              <a:rPr lang="en-US" sz="1000" dirty="0">
+                <a:effectLst/>
+              </a:rPr>
+              <a:t> Herzog sein </a:t>
+            </a:r>
+            <a:r>
+              <a:rPr lang="en-US" sz="1000" dirty="0" err="1">
+                <a:effectLst/>
+              </a:rPr>
+              <a:t>genannt</a:t>
+            </a:r>
+            <a:r>
+              <a:rPr lang="en-US" sz="1000" dirty="0">
+                <a:effectLst/>
+              </a:rPr>
+              <a:t>; </a:t>
+            </a:r>
+            <a:r>
+              <a:rPr lang="en-US" sz="1000" dirty="0" err="1">
+                <a:effectLst/>
+              </a:rPr>
+              <a:t>ihr</a:t>
+            </a:r>
+            <a:r>
+              <a:rPr lang="en-US" sz="1000" dirty="0">
+                <a:effectLst/>
+              </a:rPr>
+              <a:t> </a:t>
+            </a:r>
+            <a:r>
+              <a:rPr lang="en-US" sz="1000" dirty="0" err="1">
+                <a:effectLst/>
+              </a:rPr>
+              <a:t>sollt</a:t>
+            </a:r>
+            <a:r>
+              <a:rPr lang="en-US" sz="1000" dirty="0">
+                <a:effectLst/>
+              </a:rPr>
+              <a:t> </a:t>
+            </a:r>
+            <a:r>
+              <a:rPr lang="en-US" sz="1000" dirty="0" err="1">
+                <a:effectLst/>
+              </a:rPr>
+              <a:t>ihn</a:t>
+            </a:r>
+            <a:r>
+              <a:rPr lang="en-US" sz="1000" dirty="0">
+                <a:effectLst/>
+              </a:rPr>
+              <a:t> </a:t>
+            </a:r>
+            <a:r>
+              <a:rPr lang="en-US" sz="1000" dirty="0" err="1">
+                <a:effectLst/>
+              </a:rPr>
+              <a:t>hei&amp;szlig;en</a:t>
+            </a:r>
+            <a:r>
+              <a:rPr lang="en-US" sz="1000" dirty="0">
+                <a:effectLst/>
+              </a:rPr>
+              <a:t> "</a:t>
+            </a:r>
+            <a:r>
+              <a:rPr lang="en-US" sz="1000" dirty="0" err="1">
+                <a:effectLst/>
+              </a:rPr>
+              <a:t>Schützer</a:t>
+            </a:r>
+            <a:r>
+              <a:rPr lang="en-US" sz="1000" dirty="0">
+                <a:effectLst/>
+              </a:rPr>
+              <a:t> von Brabant</a:t>
+            </a:r>
+            <a:r>
+              <a:rPr lang="zh-CN" altLang="en-US" sz="1000" dirty="0">
+                <a:effectLst/>
+              </a:rPr>
+              <a:t>但这位英雄不愿意接受这个封号，你们应该称他为布拉班特的卫者）。使者还宣布，罗恩格林会在当天与埃尔莎成婚，并会于次日与布拉班特人跟随国王出征。 </a:t>
+            </a:r>
+            <a:endParaRPr lang="zh-CN" altLang="en-US" sz="1000" dirty="0"/>
+          </a:p>
+          <a:p>
+            <a:r>
+              <a:rPr lang="zh-CN" altLang="en-US" sz="1000" dirty="0">
+                <a:effectLst/>
+              </a:rPr>
+              <a:t>在边上有一小撮人，围在泰拉蒙周围抱怨，不愿意为隔山之火而烧身。 </a:t>
+            </a:r>
+            <a:endParaRPr lang="zh-CN" altLang="en-US" sz="1000" dirty="0"/>
+          </a:p>
+          <a:p>
+            <a:r>
+              <a:rPr lang="zh-CN" altLang="en-US" sz="1000" dirty="0">
+                <a:effectLst/>
+                <a:highlight>
+                  <a:srgbClr val="FFFF00"/>
+                </a:highlight>
+              </a:rPr>
+              <a:t>第三幕</a:t>
+            </a:r>
+            <a:endParaRPr lang="zh-CN" altLang="en-US" sz="1000" dirty="0">
+              <a:highlight>
+                <a:srgbClr val="FFFF00"/>
+              </a:highlight>
             </a:endParaRPr>
           </a:p>
           <a:p>
             <a:r>
-              <a:rPr lang="de-DE" sz="1200" b="0" i="0" dirty="0">
-                <a:solidFill>
-                  <a:srgbClr val="000000"/>
-                </a:solidFill>
-                <a:effectLst/>
-                <a:latin typeface="Neue Haas Grotesk W05"/>
-              </a:rPr>
-              <a:t>Ein kleiner Junge ist verschwunden, der Thronfolger eines alten Reiches. Die Schwester wird seines Todes beschuldigt. Statt sich zu verteidigen, ruft sie eine Traumgestalt an, ihr zur Seite zu stehen. Und ihr Ritter, er kommt tatsächlich, gewinnt ihre Sache und ihr Herz. Nur wer er eigentlich sei, das soll sie nie fragen. Elsa und Lohengrin könnten nun ein glückliches Herrscherpaar sein. Doch das Frageverbot steht dem Erkenntnisdrang entgegen, dem romantischen Wunder widersetzt sich das </a:t>
-            </a:r>
-            <a:r>
-              <a:rPr lang="de-DE" sz="1200" b="0" i="0" dirty="0" err="1">
-                <a:solidFill>
-                  <a:srgbClr val="000000"/>
-                </a:solidFill>
-                <a:effectLst/>
-                <a:latin typeface="Neue Haas Grotesk W05"/>
-              </a:rPr>
-              <a:t>Wissenwollen</a:t>
-            </a:r>
-            <a:r>
-              <a:rPr lang="de-DE" sz="1200" b="0" i="0" dirty="0">
-                <a:solidFill>
-                  <a:srgbClr val="000000"/>
-                </a:solidFill>
-                <a:effectLst/>
-                <a:latin typeface="Neue Haas Grotesk W05"/>
-              </a:rPr>
-              <a:t>, Aufklärung verträgt sich nicht mit blindem Glauben. Die Zweifel, die ihre Widersacher in Elsa wachrufen – Ortrud, die den alten Göttern anhängt, und </a:t>
-            </a:r>
-            <a:r>
-              <a:rPr lang="de-DE" sz="1200" b="0" i="0" dirty="0" err="1">
-                <a:solidFill>
-                  <a:srgbClr val="000000"/>
-                </a:solidFill>
-                <a:effectLst/>
-                <a:latin typeface="Neue Haas Grotesk W05"/>
-              </a:rPr>
-              <a:t>Telramund</a:t>
-            </a:r>
-            <a:r>
-              <a:rPr lang="de-DE" sz="1200" b="0" i="0" dirty="0">
-                <a:solidFill>
-                  <a:srgbClr val="000000"/>
-                </a:solidFill>
-                <a:effectLst/>
-                <a:latin typeface="Neue Haas Grotesk W05"/>
-              </a:rPr>
-              <a:t>, der seine Ehre verloren hat –, sind in jedem Menschen von Natur aus gesät. In Wagners Musik gewinnt das Verführerische wie das Riskante von Lohengrins Wunsch Ausdruck, der sich eine Liebe um seiner selbst ersehnt. Die Neuinszenierung von </a:t>
-            </a:r>
-            <a:r>
-              <a:rPr lang="de-DE" sz="1200" b="0" i="0" dirty="0" err="1">
-                <a:solidFill>
-                  <a:srgbClr val="000000"/>
-                </a:solidFill>
-                <a:effectLst/>
-                <a:latin typeface="Neue Haas Grotesk W05"/>
-              </a:rPr>
-              <a:t>Kornél</a:t>
-            </a:r>
-            <a:r>
-              <a:rPr lang="de-DE" sz="1200" b="0" i="0" dirty="0">
-                <a:solidFill>
-                  <a:srgbClr val="000000"/>
-                </a:solidFill>
-                <a:effectLst/>
-                <a:latin typeface="Neue Haas Grotesk W05"/>
-              </a:rPr>
-              <a:t> Mundruczó forscht dem ambivalenten Potential nach, das in dem Entwurf eines dem Normalen überlegenen, mit überirdischen Kräften versehenen Menschen liegt. Für ihn ist Lohengrin „die provokanteste inhumane Figur im gesamten Opernkosmos“. Die Handlung spielt in einer posthumanen Welt, in der eine Gruppe von Überlebenden voller Angst und voller Fragen auf Erlösung hofft.</a:t>
-            </a:r>
-            <a:endParaRPr lang="en-GB" altLang="zh-CN" sz="1200" b="0" i="0" dirty="0">
-              <a:solidFill>
-                <a:srgbClr val="000000"/>
-              </a:solidFill>
-              <a:effectLst/>
-              <a:latin typeface="Neue Haas Grotesk W05"/>
-            </a:endParaRPr>
-          </a:p>
-          <a:p>
-            <a:endParaRPr lang="en-GB" altLang="zh-CN" sz="1200" b="0" i="0" dirty="0">
-              <a:solidFill>
-                <a:srgbClr val="000000"/>
-              </a:solidFill>
-              <a:effectLst/>
-              <a:latin typeface="Neue Haas Grotesk W05"/>
-            </a:endParaRPr>
-          </a:p>
-          <a:p>
-            <a:r>
-              <a:rPr lang="zh-CN" altLang="en-US" sz="1200" b="0" i="0" dirty="0">
-                <a:solidFill>
-                  <a:srgbClr val="000000"/>
-                </a:solidFill>
-                <a:effectLst/>
-                <a:latin typeface="Neue Haas Grotesk W05"/>
-              </a:rPr>
-              <a:t>一个小男孩失踪了，他是一个古老王国的王位继承人。姐姐被指控杀害了他。她没有为自己辩护，而是召唤了一个梦想中的人物来支持她。而她的骑士，他确实来了，赢得了她的事业和她的心。她永远不应该问他到底是谁。</a:t>
-            </a:r>
-            <a:r>
-              <a:rPr lang="en-US" altLang="zh-CN" sz="1200" b="0" i="0" dirty="0">
-                <a:solidFill>
-                  <a:srgbClr val="000000"/>
-                </a:solidFill>
-                <a:effectLst/>
-                <a:latin typeface="Neue Haas Grotesk W05"/>
-              </a:rPr>
-              <a:t>Elsa </a:t>
-            </a:r>
-            <a:r>
-              <a:rPr lang="zh-CN" altLang="en-US" sz="1200" b="0" i="0" dirty="0">
-                <a:solidFill>
-                  <a:srgbClr val="000000"/>
-                </a:solidFill>
-                <a:effectLst/>
-                <a:latin typeface="Neue Haas Grotesk W05"/>
-              </a:rPr>
-              <a:t>和 </a:t>
-            </a:r>
-            <a:r>
-              <a:rPr lang="en-US" altLang="zh-CN" sz="1200" b="0" i="0" dirty="0">
-                <a:solidFill>
-                  <a:srgbClr val="000000"/>
-                </a:solidFill>
-                <a:effectLst/>
-                <a:latin typeface="Neue Haas Grotesk W05"/>
-              </a:rPr>
-              <a:t>Lohengrin </a:t>
-            </a:r>
-            <a:r>
-              <a:rPr lang="zh-CN" altLang="en-US" sz="1200" b="0" i="0" dirty="0">
-                <a:solidFill>
-                  <a:srgbClr val="000000"/>
-                </a:solidFill>
-                <a:effectLst/>
-                <a:latin typeface="Neue Haas Grotesk W05"/>
-              </a:rPr>
-              <a:t>现在可以成为幸福的统治夫妇了。但禁问阻碍了求知欲，求知欲抵制了浪漫的奇迹，启蒙与盲目信仰不相容。</a:t>
-            </a:r>
-            <a:r>
-              <a:rPr lang="en-US" altLang="zh-CN" sz="1200" b="0" i="0" dirty="0">
-                <a:solidFill>
-                  <a:srgbClr val="000000"/>
-                </a:solidFill>
-                <a:effectLst/>
-                <a:latin typeface="Neue Haas Grotesk W05"/>
-              </a:rPr>
-              <a:t>Elsa </a:t>
-            </a:r>
-            <a:r>
-              <a:rPr lang="zh-CN" altLang="en-US" sz="1200" b="0" i="0" dirty="0">
-                <a:solidFill>
-                  <a:srgbClr val="000000"/>
-                </a:solidFill>
-                <a:effectLst/>
-                <a:latin typeface="Neue Haas Grotesk W05"/>
-              </a:rPr>
-              <a:t>的对手</a:t>
-            </a:r>
-            <a:r>
-              <a:rPr lang="en-US" altLang="zh-CN" sz="1200" b="0" i="0" dirty="0">
-                <a:solidFill>
-                  <a:srgbClr val="000000"/>
-                </a:solidFill>
-                <a:effectLst/>
-                <a:latin typeface="Neue Haas Grotesk W05"/>
-              </a:rPr>
-              <a:t>——</a:t>
-            </a:r>
-            <a:r>
-              <a:rPr lang="zh-CN" altLang="en-US" sz="1200" b="0" i="0" dirty="0">
-                <a:solidFill>
-                  <a:srgbClr val="000000"/>
-                </a:solidFill>
-                <a:effectLst/>
-                <a:latin typeface="Neue Haas Grotesk W05"/>
-              </a:rPr>
-              <a:t>忠于旧神的 </a:t>
-            </a:r>
-            <a:r>
-              <a:rPr lang="en-US" altLang="zh-CN" sz="1200" b="0" i="0" dirty="0" err="1">
-                <a:solidFill>
-                  <a:srgbClr val="000000"/>
-                </a:solidFill>
-                <a:effectLst/>
-                <a:latin typeface="Neue Haas Grotesk W05"/>
-              </a:rPr>
-              <a:t>Ortrud</a:t>
-            </a:r>
-            <a:r>
-              <a:rPr lang="en-US" altLang="zh-CN" sz="1200" b="0" i="0" dirty="0">
-                <a:solidFill>
-                  <a:srgbClr val="000000"/>
-                </a:solidFill>
-                <a:effectLst/>
-                <a:latin typeface="Neue Haas Grotesk W05"/>
-              </a:rPr>
-              <a:t> </a:t>
-            </a:r>
-            <a:r>
-              <a:rPr lang="zh-CN" altLang="en-US" sz="1200" b="0" i="0" dirty="0">
-                <a:solidFill>
-                  <a:srgbClr val="000000"/>
-                </a:solidFill>
-                <a:effectLst/>
-                <a:latin typeface="Neue Haas Grotesk W05"/>
-              </a:rPr>
-              <a:t>和失去荣誉的 </a:t>
-            </a:r>
-            <a:r>
-              <a:rPr lang="en-US" altLang="zh-CN" sz="1200" b="0" i="0" dirty="0" err="1">
-                <a:solidFill>
-                  <a:srgbClr val="000000"/>
-                </a:solidFill>
-                <a:effectLst/>
-                <a:latin typeface="Neue Haas Grotesk W05"/>
-              </a:rPr>
-              <a:t>Telramund</a:t>
-            </a:r>
-            <a:r>
-              <a:rPr lang="en-US" altLang="zh-CN" sz="1200" b="0" i="0" dirty="0">
-                <a:solidFill>
-                  <a:srgbClr val="000000"/>
-                </a:solidFill>
-                <a:effectLst/>
-                <a:latin typeface="Neue Haas Grotesk W05"/>
-              </a:rPr>
-              <a:t>——</a:t>
-            </a:r>
-            <a:r>
-              <a:rPr lang="zh-CN" altLang="en-US" sz="1200" b="0" i="0" dirty="0">
-                <a:solidFill>
-                  <a:srgbClr val="000000"/>
-                </a:solidFill>
-                <a:effectLst/>
-                <a:latin typeface="Neue Haas Grotesk W05"/>
-              </a:rPr>
-              <a:t>对她产生的怀疑是每个人与生俱来的。在瓦格纳的音乐中，诱人和冒险都在罗恩格林的欲望中得到体现 谁渴望对自己的爱。</a:t>
-            </a:r>
-            <a:r>
-              <a:rPr lang="en-US" altLang="zh-CN" sz="1200" b="0" i="0" dirty="0" err="1">
-                <a:solidFill>
-                  <a:srgbClr val="000000"/>
-                </a:solidFill>
-                <a:effectLst/>
-                <a:latin typeface="Neue Haas Grotesk W05"/>
-              </a:rPr>
-              <a:t>Kornél</a:t>
-            </a:r>
-            <a:r>
-              <a:rPr lang="en-US" altLang="zh-CN" sz="1200" b="0" i="0" dirty="0">
-                <a:solidFill>
-                  <a:srgbClr val="000000"/>
-                </a:solidFill>
-                <a:effectLst/>
-                <a:latin typeface="Neue Haas Grotesk W05"/>
-              </a:rPr>
-              <a:t> </a:t>
-            </a:r>
-            <a:r>
-              <a:rPr lang="en-US" altLang="zh-CN" sz="1200" b="0" i="0" dirty="0" err="1">
-                <a:solidFill>
-                  <a:srgbClr val="000000"/>
-                </a:solidFill>
-                <a:effectLst/>
-                <a:latin typeface="Neue Haas Grotesk W05"/>
-              </a:rPr>
-              <a:t>Mundruczó</a:t>
-            </a:r>
-            <a:r>
-              <a:rPr lang="en-US" altLang="zh-CN" sz="1200" b="0" i="0" dirty="0">
-                <a:solidFill>
-                  <a:srgbClr val="000000"/>
-                </a:solidFill>
-                <a:effectLst/>
-                <a:latin typeface="Neue Haas Grotesk W05"/>
-              </a:rPr>
-              <a:t> </a:t>
-            </a:r>
-            <a:r>
-              <a:rPr lang="zh-CN" altLang="en-US" sz="1200" b="0" i="0" dirty="0">
-                <a:solidFill>
-                  <a:srgbClr val="000000"/>
-                </a:solidFill>
-                <a:effectLst/>
-                <a:latin typeface="Neue Haas Grotesk W05"/>
-              </a:rPr>
-              <a:t>的新作品调查了一个优于常人并被赋予超自然力量的人的设计中存在的矛盾潜力。对他来说，罗恩格林是“整个歌剧界最具挑衅性的非人人物”。该行动发生在后人类世界中，一群恐惧和质疑的幸存者希望获得救赎。</a:t>
-            </a:r>
-            <a:endParaRPr lang="en-US" sz="1200" dirty="0"/>
+              <a:rPr lang="zh-CN" altLang="en-US" sz="1000" dirty="0">
+                <a:effectLst/>
+              </a:rPr>
+              <a:t>埃尔莎和罗恩格林成婚。新婚之夜，响起了著名的混声四部合唱的结婚进行曲</a:t>
+            </a:r>
+            <a:r>
+              <a:rPr lang="en-US" altLang="zh-CN" sz="1000" dirty="0">
+                <a:effectLst/>
+              </a:rPr>
+              <a:t>〈</a:t>
+            </a:r>
+            <a:r>
+              <a:rPr lang="zh-CN" altLang="en-US" sz="1000" dirty="0">
+                <a:effectLst/>
+              </a:rPr>
+              <a:t>婚礼合唱</a:t>
+            </a:r>
+            <a:r>
+              <a:rPr lang="en-US" altLang="zh-CN" sz="1000" dirty="0">
+                <a:effectLst/>
+              </a:rPr>
+              <a:t>〉</a:t>
+            </a:r>
+            <a:r>
+              <a:rPr lang="zh-CN" altLang="en-US" sz="1000" dirty="0">
+                <a:effectLst/>
+              </a:rPr>
+              <a:t>。两人终于可以单独四目相对。对话不会像以前那样在床上，而是在房间的大沙发上进行。埃尔莎向罗恩格林保证，就算奥图尔特的话为真，她也会忠于罗恩格林的。而罗恩格林则向埃尔莎保证，自己是纯洁的。</a:t>
+            </a:r>
+            <a:r>
+              <a:rPr lang="en-US" altLang="zh-CN" sz="1000" dirty="0">
+                <a:effectLst/>
+              </a:rPr>
+              <a:t>(</a:t>
+            </a:r>
+            <a:r>
+              <a:rPr lang="en-US" sz="1000" dirty="0" err="1">
+                <a:effectLst/>
+              </a:rPr>
+              <a:t>Kein</a:t>
+            </a:r>
+            <a:r>
+              <a:rPr lang="en-US" sz="1000" dirty="0">
+                <a:effectLst/>
+              </a:rPr>
+              <a:t> Los in </a:t>
+            </a:r>
+            <a:r>
+              <a:rPr lang="en-US" sz="1000" dirty="0" err="1">
+                <a:effectLst/>
+              </a:rPr>
+              <a:t>Gottes</a:t>
+            </a:r>
+            <a:r>
+              <a:rPr lang="en-US" sz="1000" dirty="0">
+                <a:effectLst/>
+              </a:rPr>
+              <a:t> </a:t>
+            </a:r>
+            <a:r>
+              <a:rPr lang="en-US" sz="1000" dirty="0" err="1">
+                <a:effectLst/>
+              </a:rPr>
+              <a:t>weiten</a:t>
+            </a:r>
+            <a:r>
+              <a:rPr lang="en-US" sz="1000" dirty="0">
+                <a:effectLst/>
+              </a:rPr>
+              <a:t> </a:t>
+            </a:r>
+            <a:r>
+              <a:rPr lang="en-US" sz="1000" dirty="0" err="1">
+                <a:effectLst/>
+              </a:rPr>
+              <a:t>Welten</a:t>
+            </a:r>
+            <a:r>
+              <a:rPr lang="en-US" sz="1000" dirty="0">
+                <a:effectLst/>
+              </a:rPr>
+              <a:t> </a:t>
+            </a:r>
+            <a:r>
+              <a:rPr lang="en-US" sz="1000" dirty="0" err="1">
+                <a:effectLst/>
+              </a:rPr>
+              <a:t>wohl</a:t>
+            </a:r>
+            <a:r>
+              <a:rPr lang="en-US" sz="1000" dirty="0">
+                <a:effectLst/>
+              </a:rPr>
+              <a:t> </a:t>
+            </a:r>
+            <a:r>
+              <a:rPr lang="en-US" sz="1000" dirty="0" err="1">
+                <a:effectLst/>
+              </a:rPr>
+              <a:t>edler</a:t>
+            </a:r>
+            <a:r>
+              <a:rPr lang="en-US" sz="1000" dirty="0">
+                <a:effectLst/>
+              </a:rPr>
+              <a:t> </a:t>
+            </a:r>
+            <a:r>
+              <a:rPr lang="en-US" sz="1000" dirty="0" err="1">
+                <a:effectLst/>
+              </a:rPr>
+              <a:t>als</a:t>
+            </a:r>
+            <a:r>
+              <a:rPr lang="en-US" sz="1000" dirty="0">
+                <a:effectLst/>
+              </a:rPr>
+              <a:t> das </a:t>
+            </a:r>
+            <a:r>
+              <a:rPr lang="en-US" sz="1000" dirty="0" err="1">
+                <a:effectLst/>
+              </a:rPr>
+              <a:t>meine</a:t>
+            </a:r>
+            <a:r>
+              <a:rPr lang="en-US" sz="1000" dirty="0">
+                <a:effectLst/>
+              </a:rPr>
+              <a:t> </a:t>
+            </a:r>
+            <a:r>
+              <a:rPr lang="en-US" sz="1000" dirty="0" err="1">
+                <a:effectLst/>
+              </a:rPr>
+              <a:t>hie&amp;szlig</a:t>
+            </a:r>
+            <a:r>
+              <a:rPr lang="en-US" sz="1000" dirty="0">
+                <a:effectLst/>
+              </a:rPr>
+              <a:t>;: </a:t>
+            </a:r>
+            <a:r>
+              <a:rPr lang="en-US" sz="1000" dirty="0" err="1">
+                <a:effectLst/>
+              </a:rPr>
+              <a:t>B&amp;ouml;t</a:t>
+            </a:r>
+            <a:r>
+              <a:rPr lang="en-US" sz="1000" dirty="0">
+                <a:effectLst/>
+              </a:rPr>
+              <a:t> mir der </a:t>
+            </a:r>
+            <a:r>
+              <a:rPr lang="en-US" sz="1000" dirty="0" err="1">
+                <a:effectLst/>
+              </a:rPr>
+              <a:t>K&amp;ouml;nig</a:t>
+            </a:r>
+            <a:r>
+              <a:rPr lang="en-US" sz="1000" dirty="0">
+                <a:effectLst/>
+              </a:rPr>
+              <a:t> seine Krone, ich </a:t>
+            </a:r>
+            <a:r>
+              <a:rPr lang="en-US" sz="1000" dirty="0" err="1">
+                <a:effectLst/>
+              </a:rPr>
+              <a:t>dürfte</a:t>
+            </a:r>
+            <a:r>
+              <a:rPr lang="en-US" sz="1000" dirty="0">
+                <a:effectLst/>
+              </a:rPr>
+              <a:t> </a:t>
+            </a:r>
+            <a:r>
+              <a:rPr lang="en-US" sz="1000" dirty="0" err="1">
+                <a:effectLst/>
+              </a:rPr>
+              <a:t>sie</a:t>
+            </a:r>
+            <a:r>
+              <a:rPr lang="en-US" sz="1000" dirty="0">
+                <a:effectLst/>
+              </a:rPr>
+              <a:t> </a:t>
+            </a:r>
+            <a:r>
+              <a:rPr lang="en-US" sz="1000" dirty="0" err="1">
+                <a:effectLst/>
+              </a:rPr>
+              <a:t>mit</a:t>
+            </a:r>
+            <a:r>
+              <a:rPr lang="en-US" sz="1000" dirty="0">
+                <a:effectLst/>
+              </a:rPr>
+              <a:t> </a:t>
+            </a:r>
+            <a:r>
+              <a:rPr lang="en-US" sz="1000" dirty="0" err="1">
+                <a:effectLst/>
+              </a:rPr>
+              <a:t>Recht</a:t>
+            </a:r>
+            <a:r>
+              <a:rPr lang="en-US" sz="1000" dirty="0">
+                <a:effectLst/>
+              </a:rPr>
+              <a:t> </a:t>
+            </a:r>
+            <a:r>
+              <a:rPr lang="en-US" sz="1000" dirty="0" err="1">
+                <a:effectLst/>
+              </a:rPr>
+              <a:t>verschm&amp;auml;hn</a:t>
+            </a:r>
+            <a:r>
+              <a:rPr lang="en-US" sz="1000" dirty="0">
+                <a:effectLst/>
+              </a:rPr>
+              <a:t>. Das </a:t>
+            </a:r>
+            <a:r>
+              <a:rPr lang="en-US" sz="1000" dirty="0" err="1">
+                <a:effectLst/>
+              </a:rPr>
+              <a:t>einz'ge</a:t>
+            </a:r>
+            <a:r>
+              <a:rPr lang="en-US" sz="1000" dirty="0">
+                <a:effectLst/>
+              </a:rPr>
+              <a:t>, was </a:t>
+            </a:r>
+            <a:r>
+              <a:rPr lang="en-US" sz="1000" dirty="0" err="1">
+                <a:effectLst/>
+              </a:rPr>
+              <a:t>mein</a:t>
+            </a:r>
+            <a:r>
+              <a:rPr lang="en-US" sz="1000" dirty="0">
+                <a:effectLst/>
+              </a:rPr>
+              <a:t> </a:t>
+            </a:r>
+            <a:r>
+              <a:rPr lang="en-US" sz="1000" dirty="0" err="1">
+                <a:effectLst/>
+              </a:rPr>
+              <a:t>Opfer</a:t>
+            </a:r>
+            <a:r>
+              <a:rPr lang="en-US" sz="1000" dirty="0">
+                <a:effectLst/>
+              </a:rPr>
+              <a:t> </a:t>
+            </a:r>
+            <a:r>
+              <a:rPr lang="en-US" sz="1000" dirty="0" err="1">
+                <a:effectLst/>
+              </a:rPr>
+              <a:t>lohne</a:t>
+            </a:r>
+            <a:r>
+              <a:rPr lang="en-US" sz="1000" dirty="0">
+                <a:effectLst/>
+              </a:rPr>
+              <a:t>, muss ich in </a:t>
+            </a:r>
+            <a:r>
+              <a:rPr lang="en-US" sz="1000" dirty="0" err="1">
+                <a:effectLst/>
+              </a:rPr>
+              <a:t>Deiner</a:t>
+            </a:r>
+            <a:r>
+              <a:rPr lang="en-US" sz="1000" dirty="0">
+                <a:effectLst/>
+              </a:rPr>
+              <a:t> </a:t>
+            </a:r>
+            <a:r>
+              <a:rPr lang="en-US" sz="1000" dirty="0" err="1">
+                <a:effectLst/>
+              </a:rPr>
+              <a:t>Lieb</a:t>
+            </a:r>
+            <a:r>
+              <a:rPr lang="en-US" sz="1000" dirty="0">
+                <a:effectLst/>
+              </a:rPr>
+              <a:t> </a:t>
+            </a:r>
+            <a:r>
+              <a:rPr lang="en-US" sz="1000" dirty="0" err="1">
+                <a:effectLst/>
+              </a:rPr>
+              <a:t>ersehn</a:t>
+            </a:r>
+            <a:r>
+              <a:rPr lang="en-US" sz="1000" dirty="0">
+                <a:effectLst/>
+              </a:rPr>
+              <a:t>). </a:t>
+            </a:r>
+            <a:endParaRPr lang="en-US" sz="1000" dirty="0"/>
+          </a:p>
+          <a:p>
+            <a:r>
+              <a:rPr lang="zh-CN" altLang="en-US" sz="1000" dirty="0">
+                <a:effectLst/>
+              </a:rPr>
+              <a:t>埃尔莎却没有释怀，她还是战战兢兢的开口问道了武士的姓名。罗恩格林非常遗憾，想到为她的缘故已付出了许多。这时，泰拉蒙冲进了房间，罗恩格林和他展开了第二次对决，并把他刺死了。 </a:t>
+            </a:r>
+            <a:endParaRPr lang="zh-CN" altLang="en-US" sz="1000" dirty="0"/>
+          </a:p>
+          <a:p>
+            <a:r>
+              <a:rPr lang="zh-CN" altLang="en-US" sz="1000" dirty="0">
+                <a:effectLst/>
+              </a:rPr>
+              <a:t>罗恩格林唤来了布拉班特的贵族到国王前。他对国王说到（圣杯故事）自己的名字，他的来历，以及因为埃尔莎已提出了那破约的问题，他已不能跟国王前去打仗了，也不会留在波拉班特。他还保证国王战争的胜利（</a:t>
+            </a:r>
+            <a:r>
+              <a:rPr lang="en-US" sz="1000" dirty="0" err="1">
+                <a:effectLst/>
+              </a:rPr>
+              <a:t>Doch</a:t>
+            </a:r>
+            <a:r>
+              <a:rPr lang="en-US" sz="1000" dirty="0">
+                <a:effectLst/>
+              </a:rPr>
+              <a:t>, </a:t>
+            </a:r>
+            <a:r>
+              <a:rPr lang="en-US" sz="1000" dirty="0" err="1">
+                <a:effectLst/>
+              </a:rPr>
+              <a:t>gro&amp;szlig;er</a:t>
+            </a:r>
+            <a:r>
+              <a:rPr lang="en-US" sz="1000" dirty="0">
+                <a:effectLst/>
+              </a:rPr>
+              <a:t> </a:t>
+            </a:r>
+            <a:r>
+              <a:rPr lang="en-US" sz="1000" dirty="0" err="1">
+                <a:effectLst/>
+              </a:rPr>
+              <a:t>K&amp;ouml;nig</a:t>
+            </a:r>
+            <a:r>
+              <a:rPr lang="en-US" sz="1000" dirty="0">
+                <a:effectLst/>
+              </a:rPr>
+              <a:t>, lass </a:t>
+            </a:r>
+            <a:r>
+              <a:rPr lang="en-US" sz="1000" dirty="0" err="1">
+                <a:effectLst/>
+              </a:rPr>
+              <a:t>mich</a:t>
+            </a:r>
+            <a:r>
+              <a:rPr lang="en-US" sz="1000" dirty="0">
+                <a:effectLst/>
+              </a:rPr>
+              <a:t> Dir </a:t>
+            </a:r>
+            <a:r>
+              <a:rPr lang="en-US" sz="1000" dirty="0" err="1">
+                <a:effectLst/>
+              </a:rPr>
+              <a:t>weissagen</a:t>
+            </a:r>
+            <a:r>
+              <a:rPr lang="en-US" sz="1000" dirty="0">
+                <a:effectLst/>
+              </a:rPr>
+              <a:t>: Dir </a:t>
+            </a:r>
+            <a:r>
+              <a:rPr lang="en-US" sz="1000" dirty="0" err="1">
+                <a:effectLst/>
+              </a:rPr>
+              <a:t>Reinem</a:t>
+            </a:r>
+            <a:r>
+              <a:rPr lang="en-US" sz="1000" dirty="0">
+                <a:effectLst/>
+              </a:rPr>
+              <a:t> </a:t>
+            </a:r>
+            <a:r>
+              <a:rPr lang="en-US" sz="1000" dirty="0" err="1">
+                <a:effectLst/>
+              </a:rPr>
+              <a:t>ist</a:t>
+            </a:r>
+            <a:r>
+              <a:rPr lang="en-US" sz="1000" dirty="0">
+                <a:effectLst/>
+              </a:rPr>
+              <a:t> </a:t>
+            </a:r>
+            <a:r>
+              <a:rPr lang="en-US" sz="1000" dirty="0" err="1">
+                <a:effectLst/>
+              </a:rPr>
+              <a:t>ein</a:t>
+            </a:r>
+            <a:r>
+              <a:rPr lang="en-US" sz="1000" dirty="0">
+                <a:effectLst/>
+              </a:rPr>
+              <a:t> </a:t>
+            </a:r>
+            <a:r>
+              <a:rPr lang="en-US" sz="1000" dirty="0" err="1">
+                <a:effectLst/>
+              </a:rPr>
+              <a:t>gro&amp;szlig;er</a:t>
+            </a:r>
+            <a:r>
+              <a:rPr lang="en-US" sz="1000" dirty="0">
+                <a:effectLst/>
+              </a:rPr>
+              <a:t> </a:t>
+            </a:r>
+            <a:r>
+              <a:rPr lang="en-US" sz="1000" dirty="0" err="1">
+                <a:effectLst/>
+              </a:rPr>
+              <a:t>Sieg</a:t>
+            </a:r>
+            <a:r>
+              <a:rPr lang="en-US" sz="1000" dirty="0">
+                <a:effectLst/>
+              </a:rPr>
+              <a:t> </a:t>
+            </a:r>
+            <a:r>
+              <a:rPr lang="en-US" sz="1000" dirty="0" err="1">
+                <a:effectLst/>
+              </a:rPr>
+              <a:t>verliehn</a:t>
+            </a:r>
+            <a:r>
+              <a:rPr lang="en-US" sz="1000" dirty="0">
+                <a:effectLst/>
+              </a:rPr>
+              <a:t>. </a:t>
+            </a:r>
+            <a:r>
+              <a:rPr lang="en-US" sz="1000" dirty="0" err="1">
+                <a:effectLst/>
+              </a:rPr>
+              <a:t>Nach</a:t>
+            </a:r>
+            <a:r>
+              <a:rPr lang="en-US" sz="1000" dirty="0">
+                <a:effectLst/>
+              </a:rPr>
+              <a:t> Deutschland </a:t>
+            </a:r>
+            <a:r>
+              <a:rPr lang="en-US" sz="1000" dirty="0" err="1">
+                <a:effectLst/>
+              </a:rPr>
+              <a:t>sollen</a:t>
+            </a:r>
+            <a:r>
+              <a:rPr lang="en-US" sz="1000" dirty="0">
+                <a:effectLst/>
+              </a:rPr>
+              <a:t> </a:t>
+            </a:r>
+            <a:r>
+              <a:rPr lang="en-US" sz="1000" dirty="0" err="1">
+                <a:effectLst/>
+              </a:rPr>
+              <a:t>noch</a:t>
+            </a:r>
+            <a:r>
+              <a:rPr lang="en-US" sz="1000" dirty="0">
+                <a:effectLst/>
+              </a:rPr>
+              <a:t> in </a:t>
+            </a:r>
+            <a:r>
+              <a:rPr lang="en-US" sz="1000" dirty="0" err="1">
+                <a:effectLst/>
+              </a:rPr>
+              <a:t>fernsten</a:t>
+            </a:r>
+            <a:r>
+              <a:rPr lang="en-US" sz="1000" dirty="0">
+                <a:effectLst/>
+              </a:rPr>
+              <a:t> </a:t>
+            </a:r>
+            <a:r>
+              <a:rPr lang="en-US" sz="1000" dirty="0" err="1">
+                <a:effectLst/>
+              </a:rPr>
+              <a:t>Tagen</a:t>
+            </a:r>
+            <a:r>
+              <a:rPr lang="en-US" sz="1000" dirty="0">
+                <a:effectLst/>
+              </a:rPr>
+              <a:t> des </a:t>
+            </a:r>
+            <a:r>
+              <a:rPr lang="en-US" sz="1000" dirty="0" err="1">
+                <a:effectLst/>
+              </a:rPr>
+              <a:t>Ostens</a:t>
+            </a:r>
+            <a:r>
+              <a:rPr lang="en-US" sz="1000" dirty="0">
+                <a:effectLst/>
+              </a:rPr>
+              <a:t> </a:t>
+            </a:r>
+            <a:r>
+              <a:rPr lang="en-US" sz="1000" dirty="0" err="1">
+                <a:effectLst/>
+              </a:rPr>
+              <a:t>Horden</a:t>
+            </a:r>
+            <a:r>
+              <a:rPr lang="en-US" sz="1000" dirty="0">
+                <a:effectLst/>
+              </a:rPr>
+              <a:t> </a:t>
+            </a:r>
+            <a:r>
+              <a:rPr lang="en-US" sz="1000" dirty="0" err="1">
+                <a:effectLst/>
+              </a:rPr>
+              <a:t>siegreich</a:t>
+            </a:r>
+            <a:r>
+              <a:rPr lang="en-US" sz="1000" dirty="0">
+                <a:effectLst/>
+              </a:rPr>
+              <a:t> </a:t>
+            </a:r>
+            <a:r>
+              <a:rPr lang="en-US" sz="1000" dirty="0" err="1">
+                <a:effectLst/>
+              </a:rPr>
+              <a:t>nimmer</a:t>
+            </a:r>
+            <a:r>
+              <a:rPr lang="en-US" sz="1000" dirty="0">
+                <a:effectLst/>
+              </a:rPr>
+              <a:t> </a:t>
+            </a:r>
+            <a:r>
+              <a:rPr lang="en-US" sz="1000" dirty="0" err="1">
+                <a:effectLst/>
+              </a:rPr>
+              <a:t>ziehn</a:t>
+            </a:r>
+            <a:r>
+              <a:rPr lang="en-US" sz="1000" dirty="0">
+                <a:effectLst/>
+              </a:rPr>
+              <a:t>.）</a:t>
+            </a:r>
+            <a:r>
+              <a:rPr lang="zh-CN" altLang="en-US" sz="1000" dirty="0">
+                <a:effectLst/>
+              </a:rPr>
+              <a:t>罗恩格林对埃尔莎则说，其实她只要一年之内不提出破约之问，他们两人是可以永远在一起的，而弟弟高特菲也会回来。 </a:t>
+            </a:r>
+            <a:endParaRPr lang="zh-CN" altLang="en-US" sz="1000" dirty="0"/>
+          </a:p>
+          <a:p>
+            <a:r>
+              <a:rPr lang="zh-CN" altLang="en-US" sz="1000" dirty="0">
+                <a:effectLst/>
+              </a:rPr>
+              <a:t>埃尔莎的央求，国王的诚邀，都没能使罗恩格林留下。天鹅又出现了，后面还是那条船。突然奥图尔德大声欢呼起来，她认出那天鹅就是高特菲</a:t>
+            </a:r>
+            <a:r>
+              <a:rPr lang="en-US" altLang="zh-CN" sz="1000" dirty="0">
+                <a:effectLst/>
+              </a:rPr>
+              <a:t>("</a:t>
+            </a:r>
+            <a:r>
+              <a:rPr lang="en-US" sz="1000" dirty="0">
+                <a:effectLst/>
+              </a:rPr>
+              <a:t>Am </a:t>
+            </a:r>
+            <a:r>
+              <a:rPr lang="en-US" sz="1000" dirty="0" err="1">
+                <a:effectLst/>
+              </a:rPr>
+              <a:t>Kettlein</a:t>
+            </a:r>
+            <a:r>
+              <a:rPr lang="en-US" sz="1000" dirty="0">
+                <a:effectLst/>
+              </a:rPr>
+              <a:t>, das ich um </a:t>
+            </a:r>
+            <a:r>
+              <a:rPr lang="en-US" sz="1000" dirty="0" err="1">
+                <a:effectLst/>
+              </a:rPr>
+              <a:t>ihn</a:t>
+            </a:r>
+            <a:r>
+              <a:rPr lang="en-US" sz="1000" dirty="0">
+                <a:effectLst/>
+              </a:rPr>
+              <a:t> wand, </a:t>
+            </a:r>
+            <a:r>
+              <a:rPr lang="en-US" sz="1000" dirty="0" err="1">
+                <a:effectLst/>
+              </a:rPr>
+              <a:t>ersah</a:t>
+            </a:r>
+            <a:r>
+              <a:rPr lang="en-US" sz="1000" dirty="0">
+                <a:effectLst/>
+              </a:rPr>
+              <a:t> ich </a:t>
+            </a:r>
+            <a:r>
+              <a:rPr lang="en-US" sz="1000" dirty="0" err="1">
+                <a:effectLst/>
+              </a:rPr>
+              <a:t>wohl</a:t>
+            </a:r>
+            <a:r>
+              <a:rPr lang="en-US" sz="1000" dirty="0">
+                <a:effectLst/>
+              </a:rPr>
+              <a:t> </a:t>
+            </a:r>
+            <a:r>
+              <a:rPr lang="en-US" sz="1000" dirty="0" err="1">
+                <a:effectLst/>
+              </a:rPr>
+              <a:t>wer</a:t>
+            </a:r>
+            <a:r>
+              <a:rPr lang="en-US" sz="1000" dirty="0">
+                <a:effectLst/>
+              </a:rPr>
+              <a:t> </a:t>
+            </a:r>
+            <a:r>
+              <a:rPr lang="en-US" sz="1000" dirty="0" err="1">
+                <a:effectLst/>
+              </a:rPr>
+              <a:t>jener</a:t>
+            </a:r>
+            <a:r>
+              <a:rPr lang="en-US" sz="1000" dirty="0">
+                <a:effectLst/>
+              </a:rPr>
+              <a:t> Schwan: es </a:t>
+            </a:r>
+            <a:r>
+              <a:rPr lang="en-US" sz="1000" dirty="0" err="1">
+                <a:effectLst/>
+              </a:rPr>
+              <a:t>ist</a:t>
+            </a:r>
+            <a:r>
+              <a:rPr lang="en-US" sz="1000" dirty="0">
+                <a:effectLst/>
+              </a:rPr>
+              <a:t> der </a:t>
+            </a:r>
+            <a:r>
+              <a:rPr lang="en-US" sz="1000" dirty="0" err="1">
+                <a:effectLst/>
+              </a:rPr>
+              <a:t>Erbe</a:t>
+            </a:r>
+            <a:r>
+              <a:rPr lang="en-US" sz="1000" dirty="0">
+                <a:effectLst/>
+              </a:rPr>
+              <a:t> von Brabant!")。 </a:t>
+            </a:r>
+            <a:endParaRPr lang="en-US" sz="1000" dirty="0"/>
+          </a:p>
+          <a:p>
+            <a:r>
+              <a:rPr lang="zh-CN" altLang="en-US" sz="1000" dirty="0">
+                <a:effectLst/>
+              </a:rPr>
+              <a:t>罗恩格林通过祷求，将高特菲的魔法到达限期之前就解除了，而罗恩格林的小舟，则会由一只鸽子牵引。奥图尔德大叫一声就倒地身亡，而埃尔莎则因为伤心过度而魂归天国。 </a:t>
+            </a:r>
+            <a:endParaRPr lang="zh-CN" altLang="en-US" sz="1000" dirty="0"/>
+          </a:p>
+          <a:p>
+            <a:r>
+              <a:rPr lang="zh-CN" altLang="en-US" sz="1000" dirty="0">
+                <a:effectLst/>
+              </a:rPr>
+              <a:t>但音乐却是大调式的，这暗示到罗恩格林和埃尔莎在天国亦将重逢。</a:t>
+            </a:r>
+            <a:endParaRPr lang="zh-CN" altLang="en-US" sz="1000" dirty="0"/>
           </a:p>
         </p:txBody>
       </p:sp>
     </p:spTree>
     <p:extLst>
       <p:ext uri="{BB962C8B-B14F-4D97-AF65-F5344CB8AC3E}">
-        <p14:creationId xmlns:p14="http://schemas.microsoft.com/office/powerpoint/2010/main" val="2756229669"/>
+        <p14:creationId xmlns:p14="http://schemas.microsoft.com/office/powerpoint/2010/main" val="3998864824"/>
+      </p:ext>
+    </p:extLst>
+  </p:cSld>
+  <p:clrMapOvr>
+    <a:masterClrMapping/>
+  </p:clrMapOvr>
+</p:sld>
+</file>
+
+<file path=ppt/slides/slide8.xml><?xml version="1.0" encoding="utf-8"?>
+<p:sld xmlns:a="http://schemas.openxmlformats.org/drawingml/2006/main" xmlns:r="http://schemas.openxmlformats.org/officeDocument/2006/relationships" xmlns:p="http://schemas.openxmlformats.org/presentationml/2006/main">
+  <p:cSld>
+    <p:spTree>
+      <p:nvGrpSpPr>
+        <p:cNvPr id="1" name=""/>
+        <p:cNvGrpSpPr/>
+        <p:nvPr/>
+      </p:nvGrpSpPr>
+      <p:grpSpPr>
+        <a:xfrm>
+          <a:off x="0" y="0"/>
+          <a:ext cx="0" cy="0"/>
+          <a:chOff x="0" y="0"/>
+          <a:chExt cx="0" cy="0"/>
+        </a:xfrm>
+      </p:grpSpPr>
+    </p:spTree>
+    <p:extLst>
+      <p:ext uri="{BB962C8B-B14F-4D97-AF65-F5344CB8AC3E}">
+        <p14:creationId xmlns:p14="http://schemas.microsoft.com/office/powerpoint/2010/main" val="246967787"/>
+      </p:ext>
+    </p:extLst>
+  </p:cSld>
+  <p:clrMapOvr>
+    <a:masterClrMapping/>
+  </p:clrMapOvr>
+</p:sld>
+</file>
+
+<file path=ppt/slides/slide9.xml><?xml version="1.0" encoding="utf-8"?>
+<p:sld xmlns:a="http://schemas.openxmlformats.org/drawingml/2006/main" xmlns:r="http://schemas.openxmlformats.org/officeDocument/2006/relationships" xmlns:p="http://schemas.openxmlformats.org/presentationml/2006/main">
+  <p:cSld>
+    <p:spTree>
+      <p:nvGrpSpPr>
+        <p:cNvPr id="1" name=""/>
+        <p:cNvGrpSpPr/>
+        <p:nvPr/>
+      </p:nvGrpSpPr>
+      <p:grpSpPr>
+        <a:xfrm>
+          <a:off x="0" y="0"/>
+          <a:ext cx="0" cy="0"/>
+          <a:chOff x="0" y="0"/>
+          <a:chExt cx="0" cy="0"/>
+        </a:xfrm>
+      </p:grpSpPr>
+      <p:pic>
+        <p:nvPicPr>
+          <p:cNvPr id="2" name="Picture 6">
+            <a:extLst>
+              <a:ext uri="{FF2B5EF4-FFF2-40B4-BE49-F238E27FC236}">
+                <a16:creationId xmlns:a16="http://schemas.microsoft.com/office/drawing/2014/main" id="{DF345D95-D5B5-75DF-8F4C-8F0F5BAD4FCC}"/>
+              </a:ext>
+            </a:extLst>
+          </p:cNvPr>
+          <p:cNvPicPr>
+            <a:picLocks noChangeAspect="1" noChangeArrowheads="1"/>
+          </p:cNvPicPr>
+          <p:nvPr/>
+        </p:nvPicPr>
+        <p:blipFill>
+          <a:blip r:embed="rId2">
+            <a:extLst>
+              <a:ext uri="{28A0092B-C50C-407E-A947-70E740481C1C}">
+                <a14:useLocalDpi xmlns:a14="http://schemas.microsoft.com/office/drawing/2010/main" val="0"/>
+              </a:ext>
+            </a:extLst>
+          </a:blip>
+          <a:srcRect/>
+          <a:stretch>
+            <a:fillRect/>
+          </a:stretch>
+        </p:blipFill>
+        <p:spPr bwMode="auto">
+          <a:xfrm>
+            <a:off x="138222" y="5378861"/>
+            <a:ext cx="5730950" cy="1387735"/>
+          </a:xfrm>
+          <a:prstGeom prst="rect">
+            <a:avLst/>
+          </a:prstGeom>
+          <a:noFill/>
+          <a:extLst>
+            <a:ext uri="{909E8E84-426E-40DD-AFC4-6F175D3DCCD1}">
+              <a14:hiddenFill xmlns:a14="http://schemas.microsoft.com/office/drawing/2010/main">
+                <a:solidFill>
+                  <a:srgbClr val="FFFFFF"/>
+                </a:solidFill>
+              </a14:hiddenFill>
+            </a:ext>
+          </a:extLst>
+        </p:spPr>
+      </p:pic>
+      <p:pic>
+        <p:nvPicPr>
+          <p:cNvPr id="3" name="Picture 2" descr="Willkommen zurück! | Herzlich Willkommen zurück🤗 Unsere neue Spielzeit  2021/2022 hat offiziell begonnen und wir freuen uns auf Euch!😍🎉 Alle  Informationen zum aktuellen... | By Bayerische Staatsoper | Facebook">
+            <a:extLst>
+              <a:ext uri="{FF2B5EF4-FFF2-40B4-BE49-F238E27FC236}">
+                <a16:creationId xmlns:a16="http://schemas.microsoft.com/office/drawing/2014/main" id="{1AC0829D-9A3B-58CE-D870-7D29A2382CCB}"/>
+              </a:ext>
+            </a:extLst>
+          </p:cNvPr>
+          <p:cNvPicPr>
+            <a:picLocks noChangeAspect="1" noChangeArrowheads="1"/>
+          </p:cNvPicPr>
+          <p:nvPr/>
+        </p:nvPicPr>
+        <p:blipFill>
+          <a:blip r:embed="rId3">
+            <a:extLst>
+              <a:ext uri="{28A0092B-C50C-407E-A947-70E740481C1C}">
+                <a14:useLocalDpi xmlns:a14="http://schemas.microsoft.com/office/drawing/2010/main" val="0"/>
+              </a:ext>
+            </a:extLst>
+          </a:blip>
+          <a:srcRect/>
+          <a:stretch>
+            <a:fillRect/>
+          </a:stretch>
+        </p:blipFill>
+        <p:spPr bwMode="auto">
+          <a:xfrm>
+            <a:off x="7736959" y="4827181"/>
+            <a:ext cx="2030819" cy="2030819"/>
+          </a:xfrm>
+          <a:prstGeom prst="rect">
+            <a:avLst/>
+          </a:prstGeom>
+          <a:noFill/>
+          <a:extLst>
+            <a:ext uri="{909E8E84-426E-40DD-AFC4-6F175D3DCCD1}">
+              <a14:hiddenFill xmlns:a14="http://schemas.microsoft.com/office/drawing/2010/main">
+                <a:solidFill>
+                  <a:srgbClr val="FFFFFF"/>
+                </a:solidFill>
+              </a14:hiddenFill>
+            </a:ext>
+          </a:extLst>
+        </p:spPr>
+      </p:pic>
+    </p:spTree>
+    <p:extLst>
+      <p:ext uri="{BB962C8B-B14F-4D97-AF65-F5344CB8AC3E}">
+        <p14:creationId xmlns:p14="http://schemas.microsoft.com/office/powerpoint/2010/main" val="1748137002"/>
       </p:ext>
     </p:extLst>
   </p:cSld>
